--- a/b609/lec11.pptx
+++ b/b609/lec11.pptx
@@ -8,13 +8,14 @@
     <p:sldId id="264" r:id="rId2"/>
     <p:sldId id="265" r:id="rId3"/>
     <p:sldId id="267" r:id="rId4"/>
-    <p:sldId id="257" r:id="rId5"/>
-    <p:sldId id="258" r:id="rId6"/>
-    <p:sldId id="259" r:id="rId7"/>
-    <p:sldId id="260" r:id="rId8"/>
-    <p:sldId id="261" r:id="rId9"/>
-    <p:sldId id="262" r:id="rId10"/>
-    <p:sldId id="263" r:id="rId11"/>
+    <p:sldId id="268" r:id="rId5"/>
+    <p:sldId id="257" r:id="rId6"/>
+    <p:sldId id="258" r:id="rId7"/>
+    <p:sldId id="259" r:id="rId8"/>
+    <p:sldId id="260" r:id="rId9"/>
+    <p:sldId id="261" r:id="rId10"/>
+    <p:sldId id="262" r:id="rId11"/>
+    <p:sldId id="263" r:id="rId12"/>
   </p:sldIdLst>
   <p:sldSz cx="9144000" cy="6858000" type="screen4x3"/>
   <p:notesSz cx="6858000" cy="9144000"/>
@@ -3454,6 +3455,2543 @@
         </p:nvSpPr>
         <p:spPr/>
         <p:txBody>
+          <a:bodyPr>
+            <a:normAutofit fontScale="90000"/>
+          </a:bodyPr>
+          <a:lstStyle/>
+          <a:p>
+            <a:r>
+              <a:rPr lang="en-US" dirty="0" smtClean="0">
+                <a:solidFill>
+                  <a:srgbClr val="0070C0"/>
+                </a:solidFill>
+              </a:rPr>
+              <a:t>Count Sketch </a:t>
+            </a:r>
+            <a:r>
+              <a:rPr lang="en-US" sz="3600" dirty="0" smtClean="0">
+                <a:solidFill>
+                  <a:srgbClr val="0070C0"/>
+                </a:solidFill>
+              </a:rPr>
+              <a:t>[</a:t>
+            </a:r>
+            <a:r>
+              <a:rPr lang="en-US" sz="3600" dirty="0" err="1" smtClean="0">
+                <a:solidFill>
+                  <a:srgbClr val="0070C0"/>
+                </a:solidFill>
+              </a:rPr>
+              <a:t>Charikar</a:t>
+            </a:r>
+            <a:r>
+              <a:rPr lang="en-US" sz="3600" dirty="0" smtClean="0">
+                <a:solidFill>
+                  <a:srgbClr val="0070C0"/>
+                </a:solidFill>
+              </a:rPr>
+              <a:t>, Chen, </a:t>
+            </a:r>
+            <a:r>
+              <a:rPr lang="en-US" sz="3600" dirty="0" err="1" smtClean="0">
+                <a:solidFill>
+                  <a:srgbClr val="0070C0"/>
+                </a:solidFill>
+              </a:rPr>
+              <a:t>Farach</a:t>
+            </a:r>
+            <a:r>
+              <a:rPr lang="en-US" sz="3600" dirty="0" smtClean="0">
+                <a:solidFill>
+                  <a:srgbClr val="0070C0"/>
+                </a:solidFill>
+              </a:rPr>
+              <a:t>-Colton]</a:t>
+            </a:r>
+            <a:endParaRPr lang="en-US" sz="3600" dirty="0">
+              <a:solidFill>
+                <a:srgbClr val="0070C0"/>
+              </a:solidFill>
+            </a:endParaRPr>
+          </a:p>
+        </p:txBody>
+      </p:sp>
+      <mc:AlternateContent xmlns:mc="http://schemas.openxmlformats.org/markup-compatibility/2006" xmlns:a14="http://schemas.microsoft.com/office/drawing/2010/main">
+        <mc:Choice Requires="a14">
+          <p:sp>
+            <p:nvSpPr>
+              <p:cNvPr id="3" name="Content Placeholder 2"/>
+              <p:cNvSpPr>
+                <a:spLocks noGrp="1"/>
+              </p:cNvSpPr>
+              <p:nvPr>
+                <p:ph idx="1"/>
+              </p:nvPr>
+            </p:nvSpPr>
+            <p:spPr>
+              <a:xfrm>
+                <a:off x="457200" y="1600200"/>
+                <a:ext cx="8229600" cy="4876800"/>
+              </a:xfrm>
+            </p:spPr>
+            <p:txBody>
+              <a:bodyPr>
+                <a:normAutofit fontScale="70000" lnSpcReduction="20000"/>
+              </a:bodyPr>
+              <a:lstStyle/>
+              <a:p>
+                <a:r>
+                  <a:rPr lang="en-US" dirty="0" smtClean="0"/>
+                  <a:t>In addition to </a:t>
+                </a:r>
+                <a14:m>
+                  <m:oMath xmlns:m="http://schemas.openxmlformats.org/officeDocument/2006/math">
+                    <m:sSub>
+                      <m:sSubPr>
+                        <m:ctrlPr>
+                          <a:rPr lang="en-US" b="0" i="1" smtClean="0">
+                            <a:latin typeface="Cambria Math"/>
+                          </a:rPr>
+                        </m:ctrlPr>
+                      </m:sSubPr>
+                      <m:e>
+                        <m:r>
+                          <a:rPr lang="en-US" b="0" i="1" smtClean="0">
+                            <a:latin typeface="Cambria Math"/>
+                          </a:rPr>
+                          <m:t>𝐻</m:t>
+                        </m:r>
+                      </m:e>
+                      <m:sub>
+                        <m:r>
+                          <a:rPr lang="en-US" b="0" i="1" smtClean="0">
+                            <a:latin typeface="Cambria Math"/>
+                          </a:rPr>
+                          <m:t>𝑖</m:t>
+                        </m:r>
+                      </m:sub>
+                    </m:sSub>
+                    <m:r>
+                      <a:rPr lang="en-US" b="0" i="1" smtClean="0">
+                        <a:latin typeface="Cambria Math"/>
+                      </a:rPr>
+                      <m:t>:</m:t>
+                    </m:r>
+                    <m:d>
+                      <m:dPr>
+                        <m:begChr m:val="["/>
+                        <m:endChr m:val="]"/>
+                        <m:ctrlPr>
+                          <a:rPr lang="en-US" b="0" i="1" smtClean="0">
+                            <a:latin typeface="Cambria Math"/>
+                          </a:rPr>
+                        </m:ctrlPr>
+                      </m:dPr>
+                      <m:e>
+                        <m:r>
+                          <a:rPr lang="en-US" b="0" i="1" smtClean="0">
+                            <a:latin typeface="Cambria Math"/>
+                          </a:rPr>
+                          <m:t>𝑛</m:t>
+                        </m:r>
+                      </m:e>
+                    </m:d>
+                    <m:r>
+                      <a:rPr lang="en-US" b="0" i="1" smtClean="0">
+                        <a:latin typeface="Cambria Math"/>
+                      </a:rPr>
+                      <m:t>→[</m:t>
+                    </m:r>
+                    <m:r>
+                      <a:rPr lang="en-US" b="0" i="1" smtClean="0">
+                        <a:latin typeface="Cambria Math"/>
+                      </a:rPr>
+                      <m:t>𝑤</m:t>
+                    </m:r>
+                    <m:r>
+                      <a:rPr lang="en-US" b="0" i="1" smtClean="0">
+                        <a:latin typeface="Cambria Math"/>
+                      </a:rPr>
+                      <m:t>]</m:t>
+                    </m:r>
+                  </m:oMath>
+                </a14:m>
+                <a:r>
+                  <a:rPr lang="en-US" dirty="0" smtClean="0"/>
+                  <a:t> use random signs </a:t>
+                </a:r>
+                <a14:m>
+                  <m:oMath xmlns:m="http://schemas.openxmlformats.org/officeDocument/2006/math">
+                    <m:sSub>
+                      <m:sSubPr>
+                        <m:ctrlPr>
+                          <a:rPr lang="en-US" b="0" i="1" smtClean="0">
+                            <a:latin typeface="Cambria Math"/>
+                          </a:rPr>
+                        </m:ctrlPr>
+                      </m:sSubPr>
+                      <m:e>
+                        <m:r>
+                          <a:rPr lang="en-US" b="0" i="1" smtClean="0">
+                            <a:latin typeface="Cambria Math"/>
+                          </a:rPr>
+                          <m:t>𝑟</m:t>
+                        </m:r>
+                      </m:e>
+                      <m:sub>
+                        <m:r>
+                          <a:rPr lang="en-US" b="0" i="1" smtClean="0">
+                            <a:latin typeface="Cambria Math"/>
+                          </a:rPr>
+                          <m:t>𝑖</m:t>
+                        </m:r>
+                      </m:sub>
+                    </m:sSub>
+                    <m:d>
+                      <m:dPr>
+                        <m:begChr m:val="["/>
+                        <m:endChr m:val="]"/>
+                        <m:ctrlPr>
+                          <a:rPr lang="en-US" b="0" i="1" smtClean="0">
+                            <a:latin typeface="Cambria Math"/>
+                          </a:rPr>
+                        </m:ctrlPr>
+                      </m:dPr>
+                      <m:e>
+                        <m:r>
+                          <a:rPr lang="en-US" b="0" i="1" smtClean="0">
+                            <a:latin typeface="Cambria Math"/>
+                          </a:rPr>
+                          <m:t>𝑛</m:t>
+                        </m:r>
+                      </m:e>
+                    </m:d>
+                    <m:r>
+                      <a:rPr lang="en-US" b="0" i="1" smtClean="0">
+                        <a:latin typeface="Cambria Math"/>
+                      </a:rPr>
+                      <m:t>→</m:t>
+                    </m:r>
+                    <m:d>
+                      <m:dPr>
+                        <m:begChr m:val="{"/>
+                        <m:endChr m:val="}"/>
+                        <m:ctrlPr>
+                          <a:rPr lang="en-US" b="0" i="1" smtClean="0">
+                            <a:latin typeface="Cambria Math"/>
+                          </a:rPr>
+                        </m:ctrlPr>
+                      </m:dPr>
+                      <m:e>
+                        <m:r>
+                          <a:rPr lang="en-US" b="0" i="1" smtClean="0">
+                            <a:latin typeface="Cambria Math"/>
+                          </a:rPr>
+                          <m:t>−1,1</m:t>
+                        </m:r>
+                      </m:e>
+                    </m:d>
+                  </m:oMath>
+                </a14:m>
+                <a:endParaRPr lang="en-US" b="0" dirty="0" smtClean="0"/>
+              </a:p>
+              <a:p>
+                <a:pPr marL="0" indent="0" algn="ctr">
+                  <a:buNone/>
+                </a:pPr>
+                <a14:m>
+                  <m:oMathPara xmlns:m="http://schemas.openxmlformats.org/officeDocument/2006/math">
+                    <m:oMathParaPr>
+                      <m:jc m:val="centerGroup"/>
+                    </m:oMathParaPr>
+                    <m:oMath xmlns:m="http://schemas.openxmlformats.org/officeDocument/2006/math">
+                      <m:sSub>
+                        <m:sSubPr>
+                          <m:ctrlPr>
+                            <a:rPr lang="en-US" b="0" i="1" smtClean="0">
+                              <a:latin typeface="Cambria Math"/>
+                            </a:rPr>
+                          </m:ctrlPr>
+                        </m:sSubPr>
+                        <m:e>
+                          <m:r>
+                            <a:rPr lang="en-US" b="0" i="1" smtClean="0">
+                              <a:latin typeface="Cambria Math"/>
+                            </a:rPr>
+                            <m:t>𝑐</m:t>
+                          </m:r>
+                        </m:e>
+                        <m:sub>
+                          <m:r>
+                            <a:rPr lang="en-US" b="0" i="1" smtClean="0">
+                              <a:latin typeface="Cambria Math"/>
+                            </a:rPr>
+                            <m:t>𝑖</m:t>
+                          </m:r>
+                          <m:r>
+                            <a:rPr lang="en-US" b="0" i="1" smtClean="0">
+                              <a:latin typeface="Cambria Math"/>
+                            </a:rPr>
+                            <m:t>,</m:t>
+                          </m:r>
+                          <m:r>
+                            <a:rPr lang="en-US" b="0" i="1" smtClean="0">
+                              <a:latin typeface="Cambria Math"/>
+                            </a:rPr>
+                            <m:t>𝑗</m:t>
+                          </m:r>
+                        </m:sub>
+                      </m:sSub>
+                      <m:r>
+                        <a:rPr lang="en-US" b="0" i="1" smtClean="0">
+                          <a:latin typeface="Cambria Math"/>
+                        </a:rPr>
+                        <m:t>=</m:t>
+                      </m:r>
+                      <m:nary>
+                        <m:naryPr>
+                          <m:chr m:val="∑"/>
+                          <m:supHide m:val="on"/>
+                          <m:ctrlPr>
+                            <a:rPr lang="en-US" b="0" i="1" smtClean="0">
+                              <a:latin typeface="Cambria Math"/>
+                            </a:rPr>
+                          </m:ctrlPr>
+                        </m:naryPr>
+                        <m:sub>
+                          <m:r>
+                            <a:rPr lang="en-US" b="0" i="1" smtClean="0">
+                              <a:latin typeface="Cambria Math"/>
+                            </a:rPr>
+                            <m:t>𝑥</m:t>
+                          </m:r>
+                          <m:r>
+                            <a:rPr lang="en-US" b="0" i="1" smtClean="0">
+                              <a:latin typeface="Cambria Math"/>
+                            </a:rPr>
+                            <m:t>:</m:t>
+                          </m:r>
+                          <m:sSub>
+                            <m:sSubPr>
+                              <m:ctrlPr>
+                                <a:rPr lang="en-US" b="0" i="1" smtClean="0">
+                                  <a:latin typeface="Cambria Math"/>
+                                </a:rPr>
+                              </m:ctrlPr>
+                            </m:sSubPr>
+                            <m:e>
+                              <m:r>
+                                <a:rPr lang="en-US" b="0" i="1" smtClean="0">
+                                  <a:latin typeface="Cambria Math"/>
+                                </a:rPr>
+                                <m:t>𝐻</m:t>
+                              </m:r>
+                            </m:e>
+                            <m:sub>
+                              <m:r>
+                                <a:rPr lang="en-US" b="0" i="1" smtClean="0">
+                                  <a:latin typeface="Cambria Math"/>
+                                </a:rPr>
+                                <m:t>𝑖</m:t>
+                              </m:r>
+                            </m:sub>
+                          </m:sSub>
+                          <m:d>
+                            <m:dPr>
+                              <m:ctrlPr>
+                                <a:rPr lang="en-US" b="0" i="1" smtClean="0">
+                                  <a:latin typeface="Cambria Math"/>
+                                </a:rPr>
+                              </m:ctrlPr>
+                            </m:dPr>
+                            <m:e>
+                              <m:r>
+                                <a:rPr lang="en-US" b="0" i="1" smtClean="0">
+                                  <a:latin typeface="Cambria Math"/>
+                                </a:rPr>
+                                <m:t>𝑥</m:t>
+                              </m:r>
+                            </m:e>
+                          </m:d>
+                          <m:r>
+                            <a:rPr lang="en-US" b="0" i="1" smtClean="0">
+                              <a:latin typeface="Cambria Math"/>
+                            </a:rPr>
+                            <m:t>=</m:t>
+                          </m:r>
+                          <m:r>
+                            <a:rPr lang="en-US" b="0" i="1" smtClean="0">
+                              <a:latin typeface="Cambria Math"/>
+                            </a:rPr>
+                            <m:t>𝑗</m:t>
+                          </m:r>
+                        </m:sub>
+                        <m:sup/>
+                        <m:e>
+                          <m:sSub>
+                            <m:sSubPr>
+                              <m:ctrlPr>
+                                <a:rPr lang="en-US" b="0" i="1" smtClean="0">
+                                  <a:latin typeface="Cambria Math"/>
+                                </a:rPr>
+                              </m:ctrlPr>
+                            </m:sSubPr>
+                            <m:e>
+                              <m:r>
+                                <a:rPr lang="en-US" b="0" i="1" smtClean="0">
+                                  <a:latin typeface="Cambria Math"/>
+                                </a:rPr>
+                                <m:t>𝑟</m:t>
+                              </m:r>
+                            </m:e>
+                            <m:sub>
+                              <m:r>
+                                <a:rPr lang="en-US" b="0" i="1" smtClean="0">
+                                  <a:latin typeface="Cambria Math"/>
+                                </a:rPr>
+                                <m:t>𝑖</m:t>
+                              </m:r>
+                            </m:sub>
+                          </m:sSub>
+                          <m:d>
+                            <m:dPr>
+                              <m:ctrlPr>
+                                <a:rPr lang="en-US" b="0" i="1" smtClean="0">
+                                  <a:latin typeface="Cambria Math"/>
+                                </a:rPr>
+                              </m:ctrlPr>
+                            </m:dPr>
+                            <m:e>
+                              <m:r>
+                                <a:rPr lang="en-US" b="0" i="1" smtClean="0">
+                                  <a:latin typeface="Cambria Math"/>
+                                </a:rPr>
+                                <m:t>𝑥</m:t>
+                              </m:r>
+                            </m:e>
+                          </m:d>
+                          <m:sSub>
+                            <m:sSubPr>
+                              <m:ctrlPr>
+                                <a:rPr lang="en-US" b="0" i="1" smtClean="0">
+                                  <a:latin typeface="Cambria Math"/>
+                                </a:rPr>
+                              </m:ctrlPr>
+                            </m:sSubPr>
+                            <m:e>
+                              <m:r>
+                                <a:rPr lang="en-US" b="0" i="1" smtClean="0">
+                                  <a:latin typeface="Cambria Math"/>
+                                </a:rPr>
+                                <m:t>𝑓</m:t>
+                              </m:r>
+                            </m:e>
+                            <m:sub>
+                              <m:r>
+                                <a:rPr lang="en-US" b="0" i="1" smtClean="0">
+                                  <a:latin typeface="Cambria Math"/>
+                                </a:rPr>
+                                <m:t>𝑥</m:t>
+                              </m:r>
+                            </m:sub>
+                          </m:sSub>
+                        </m:e>
+                      </m:nary>
+                    </m:oMath>
+                  </m:oMathPara>
+                </a14:m>
+                <a:endParaRPr lang="en-US" dirty="0" smtClean="0"/>
+              </a:p>
+              <a:p>
+                <a:r>
+                  <a:rPr lang="en-US" dirty="0" smtClean="0"/>
+                  <a:t>Estimate: </a:t>
+                </a:r>
+                <a:endParaRPr lang="en-US" b="0" i="1" dirty="0" smtClean="0">
+                  <a:latin typeface="Cambria Math"/>
+                </a:endParaRPr>
+              </a:p>
+              <a:p>
+                <a:pPr marL="0" indent="0">
+                  <a:buNone/>
+                </a:pPr>
+                <a14:m>
+                  <m:oMathPara xmlns:m="http://schemas.openxmlformats.org/officeDocument/2006/math">
+                    <m:oMathParaPr>
+                      <m:jc m:val="centerGroup"/>
+                    </m:oMathParaPr>
+                    <m:oMath xmlns:m="http://schemas.openxmlformats.org/officeDocument/2006/math">
+                      <m:sSub>
+                        <m:sSubPr>
+                          <m:ctrlPr>
+                            <a:rPr lang="en-US" b="0" i="1" dirty="0" smtClean="0">
+                              <a:latin typeface="Cambria Math"/>
+                            </a:rPr>
+                          </m:ctrlPr>
+                        </m:sSubPr>
+                        <m:e>
+                          <m:acc>
+                            <m:accPr>
+                              <m:chr m:val="̂"/>
+                              <m:ctrlPr>
+                                <a:rPr lang="en-US" b="0" i="1" smtClean="0">
+                                  <a:latin typeface="Cambria Math"/>
+                                </a:rPr>
+                              </m:ctrlPr>
+                            </m:accPr>
+                            <m:e>
+                              <m:r>
+                                <a:rPr lang="en-US" b="0" i="1" smtClean="0">
+                                  <a:latin typeface="Cambria Math"/>
+                                </a:rPr>
+                                <m:t>𝑓</m:t>
+                              </m:r>
+                            </m:e>
+                          </m:acc>
+                        </m:e>
+                        <m:sub>
+                          <m:r>
+                            <a:rPr lang="en-US" b="0" i="1" dirty="0" smtClean="0">
+                              <a:latin typeface="Cambria Math"/>
+                            </a:rPr>
+                            <m:t>𝑥</m:t>
+                          </m:r>
+                        </m:sub>
+                      </m:sSub>
+                      <m:r>
+                        <a:rPr lang="en-US" b="0" i="1" dirty="0" smtClean="0">
+                          <a:latin typeface="Cambria Math"/>
+                        </a:rPr>
+                        <m:t>=</m:t>
+                      </m:r>
+                      <m:r>
+                        <a:rPr lang="en-US" b="0" i="1" dirty="0" smtClean="0">
+                          <a:latin typeface="Cambria Math"/>
+                        </a:rPr>
+                        <m:t>𝑚𝑒𝑑𝑖𝑎𝑛</m:t>
+                      </m:r>
+                      <m:r>
+                        <a:rPr lang="en-US" b="0" i="1" dirty="0" smtClean="0">
+                          <a:latin typeface="Cambria Math"/>
+                        </a:rPr>
+                        <m:t>(</m:t>
+                      </m:r>
+                      <m:sSub>
+                        <m:sSubPr>
+                          <m:ctrlPr>
+                            <a:rPr lang="en-US" b="0" i="1" dirty="0" smtClean="0">
+                              <a:latin typeface="Cambria Math"/>
+                            </a:rPr>
+                          </m:ctrlPr>
+                        </m:sSubPr>
+                        <m:e>
+                          <m:r>
+                            <a:rPr lang="en-US" b="0" i="1" dirty="0" smtClean="0">
+                              <a:latin typeface="Cambria Math"/>
+                            </a:rPr>
+                            <m:t>𝑟</m:t>
+                          </m:r>
+                        </m:e>
+                        <m:sub>
+                          <m:r>
+                            <a:rPr lang="en-US" b="0" i="1" dirty="0" smtClean="0">
+                              <a:latin typeface="Cambria Math"/>
+                            </a:rPr>
+                            <m:t>1</m:t>
+                          </m:r>
+                        </m:sub>
+                      </m:sSub>
+                      <m:r>
+                        <a:rPr lang="en-US" b="0" i="1" dirty="0" smtClean="0">
+                          <a:latin typeface="Cambria Math"/>
+                        </a:rPr>
+                        <m:t>(</m:t>
+                      </m:r>
+                      <m:r>
+                        <a:rPr lang="en-US" b="0" i="1" dirty="0" smtClean="0">
+                          <a:latin typeface="Cambria Math"/>
+                        </a:rPr>
+                        <m:t>𝑥</m:t>
+                      </m:r>
+                      <m:r>
+                        <a:rPr lang="en-US" b="0" i="1" dirty="0" smtClean="0">
+                          <a:latin typeface="Cambria Math"/>
+                        </a:rPr>
+                        <m:t>)</m:t>
+                      </m:r>
+                      <m:sSub>
+                        <m:sSubPr>
+                          <m:ctrlPr>
+                            <a:rPr lang="en-US" b="0" i="1" dirty="0" smtClean="0">
+                              <a:latin typeface="Cambria Math"/>
+                            </a:rPr>
+                          </m:ctrlPr>
+                        </m:sSubPr>
+                        <m:e>
+                          <m:r>
+                            <a:rPr lang="en-US" b="0" i="1" dirty="0" smtClean="0">
+                              <a:latin typeface="Cambria Math"/>
+                            </a:rPr>
+                            <m:t>𝑐</m:t>
+                          </m:r>
+                        </m:e>
+                        <m:sub>
+                          <m:r>
+                            <a:rPr lang="en-US" b="0" i="1" dirty="0" smtClean="0">
+                              <a:latin typeface="Cambria Math"/>
+                            </a:rPr>
+                            <m:t>1,</m:t>
+                          </m:r>
+                          <m:sSub>
+                            <m:sSubPr>
+                              <m:ctrlPr>
+                                <a:rPr lang="en-US" b="0" i="1" dirty="0" smtClean="0">
+                                  <a:latin typeface="Cambria Math"/>
+                                </a:rPr>
+                              </m:ctrlPr>
+                            </m:sSubPr>
+                            <m:e>
+                              <m:r>
+                                <a:rPr lang="en-US" b="0" i="1" dirty="0" smtClean="0">
+                                  <a:latin typeface="Cambria Math"/>
+                                </a:rPr>
+                                <m:t>𝐻</m:t>
+                              </m:r>
+                            </m:e>
+                            <m:sub>
+                              <m:r>
+                                <a:rPr lang="en-US" b="0" i="1" dirty="0" smtClean="0">
+                                  <a:latin typeface="Cambria Math"/>
+                                </a:rPr>
+                                <m:t>1</m:t>
+                              </m:r>
+                            </m:sub>
+                          </m:sSub>
+                          <m:d>
+                            <m:dPr>
+                              <m:ctrlPr>
+                                <a:rPr lang="en-US" b="0" i="1" dirty="0" smtClean="0">
+                                  <a:latin typeface="Cambria Math"/>
+                                </a:rPr>
+                              </m:ctrlPr>
+                            </m:dPr>
+                            <m:e>
+                              <m:r>
+                                <a:rPr lang="en-US" b="0" i="1" dirty="0" smtClean="0">
+                                  <a:latin typeface="Cambria Math"/>
+                                </a:rPr>
+                                <m:t>𝑥</m:t>
+                              </m:r>
+                            </m:e>
+                          </m:d>
+                        </m:sub>
+                      </m:sSub>
+                      <m:r>
+                        <a:rPr lang="en-US" b="0" i="1" dirty="0" smtClean="0">
+                          <a:latin typeface="Cambria Math"/>
+                        </a:rPr>
+                        <m:t>, …,</m:t>
+                      </m:r>
+                      <m:sSub>
+                        <m:sSubPr>
+                          <m:ctrlPr>
+                            <a:rPr lang="en-US" b="0" i="1" dirty="0" smtClean="0">
+                              <a:latin typeface="Cambria Math"/>
+                            </a:rPr>
+                          </m:ctrlPr>
+                        </m:sSubPr>
+                        <m:e>
+                          <m:r>
+                            <a:rPr lang="en-US" b="0" i="1" dirty="0" smtClean="0">
+                              <a:latin typeface="Cambria Math"/>
+                            </a:rPr>
+                            <m:t>𝑟</m:t>
+                          </m:r>
+                        </m:e>
+                        <m:sub>
+                          <m:r>
+                            <a:rPr lang="en-US" b="0" i="1" dirty="0" smtClean="0">
+                              <a:latin typeface="Cambria Math"/>
+                            </a:rPr>
+                            <m:t>𝑑</m:t>
+                          </m:r>
+                        </m:sub>
+                      </m:sSub>
+                      <m:d>
+                        <m:dPr>
+                          <m:ctrlPr>
+                            <a:rPr lang="en-US" b="0" i="1" dirty="0" smtClean="0">
+                              <a:latin typeface="Cambria Math"/>
+                            </a:rPr>
+                          </m:ctrlPr>
+                        </m:dPr>
+                        <m:e>
+                          <m:r>
+                            <a:rPr lang="en-US" b="0" i="1" dirty="0" smtClean="0">
+                              <a:latin typeface="Cambria Math"/>
+                            </a:rPr>
+                            <m:t>𝑥</m:t>
+                          </m:r>
+                        </m:e>
+                      </m:d>
+                      <m:sSub>
+                        <m:sSubPr>
+                          <m:ctrlPr>
+                            <a:rPr lang="en-US" b="0" i="1" dirty="0" smtClean="0">
+                              <a:latin typeface="Cambria Math"/>
+                            </a:rPr>
+                          </m:ctrlPr>
+                        </m:sSubPr>
+                        <m:e>
+                          <m:r>
+                            <a:rPr lang="en-US" b="0" i="1" dirty="0" smtClean="0">
+                              <a:latin typeface="Cambria Math"/>
+                            </a:rPr>
+                            <m:t>𝑐</m:t>
+                          </m:r>
+                        </m:e>
+                        <m:sub>
+                          <m:r>
+                            <a:rPr lang="en-US" b="0" i="1" dirty="0" smtClean="0">
+                              <a:latin typeface="Cambria Math"/>
+                            </a:rPr>
+                            <m:t>𝑑</m:t>
+                          </m:r>
+                          <m:r>
+                            <a:rPr lang="en-US" b="0" i="1" dirty="0" smtClean="0">
+                              <a:latin typeface="Cambria Math"/>
+                            </a:rPr>
+                            <m:t>,</m:t>
+                          </m:r>
+                          <m:sSub>
+                            <m:sSubPr>
+                              <m:ctrlPr>
+                                <a:rPr lang="en-US" b="0" i="1" dirty="0" smtClean="0">
+                                  <a:latin typeface="Cambria Math"/>
+                                </a:rPr>
+                              </m:ctrlPr>
+                            </m:sSubPr>
+                            <m:e>
+                              <m:r>
+                                <a:rPr lang="en-US" b="0" i="1" dirty="0" smtClean="0">
+                                  <a:latin typeface="Cambria Math"/>
+                                </a:rPr>
+                                <m:t>𝐻</m:t>
+                              </m:r>
+                            </m:e>
+                            <m:sub>
+                              <m:r>
+                                <a:rPr lang="en-US" b="0" i="1" dirty="0" smtClean="0">
+                                  <a:latin typeface="Cambria Math"/>
+                                </a:rPr>
+                                <m:t>𝑑</m:t>
+                              </m:r>
+                            </m:sub>
+                          </m:sSub>
+                          <m:r>
+                            <a:rPr lang="en-US" b="0" i="1" dirty="0" smtClean="0">
+                              <a:latin typeface="Cambria Math"/>
+                            </a:rPr>
+                            <m:t>(</m:t>
+                          </m:r>
+                          <m:r>
+                            <a:rPr lang="en-US" b="0" i="1" dirty="0" smtClean="0">
+                              <a:latin typeface="Cambria Math"/>
+                            </a:rPr>
+                            <m:t>𝑥</m:t>
+                          </m:r>
+                          <m:r>
+                            <a:rPr lang="en-US" b="0" i="1" dirty="0" smtClean="0">
+                              <a:latin typeface="Cambria Math"/>
+                            </a:rPr>
+                            <m:t>)</m:t>
+                          </m:r>
+                        </m:sub>
+                      </m:sSub>
+                      <m:r>
+                        <a:rPr lang="en-US" b="0" i="1" dirty="0" smtClean="0">
+                          <a:latin typeface="Cambria Math"/>
+                        </a:rPr>
+                        <m:t>)</m:t>
+                      </m:r>
+                    </m:oMath>
+                  </m:oMathPara>
+                </a14:m>
+                <a:endParaRPr lang="en-US" dirty="0" smtClean="0"/>
+              </a:p>
+              <a:p>
+                <a:r>
+                  <a:rPr lang="en-US" b="0" dirty="0" smtClean="0">
+                    <a:latin typeface="Cambria Math"/>
+                  </a:rPr>
+                  <a:t>Parameters: </a:t>
+                </a:r>
+                <a14:m>
+                  <m:oMath xmlns:m="http://schemas.openxmlformats.org/officeDocument/2006/math">
+                    <m:r>
+                      <a:rPr lang="en-US" b="0" i="1" smtClean="0">
+                        <a:latin typeface="Cambria Math"/>
+                      </a:rPr>
+                      <m:t>𝑑</m:t>
+                    </m:r>
+                    <m:r>
+                      <a:rPr lang="en-US" b="0" i="1" smtClean="0">
+                        <a:latin typeface="Cambria Math"/>
+                      </a:rPr>
+                      <m:t>=</m:t>
+                    </m:r>
+                    <m:r>
+                      <a:rPr lang="en-US" b="0" i="1" smtClean="0">
+                        <a:latin typeface="Cambria Math"/>
+                      </a:rPr>
+                      <m:t>𝑂</m:t>
+                    </m:r>
+                    <m:d>
+                      <m:dPr>
+                        <m:ctrlPr>
+                          <a:rPr lang="en-US" b="0" i="1" smtClean="0">
+                            <a:latin typeface="Cambria Math"/>
+                          </a:rPr>
+                        </m:ctrlPr>
+                      </m:dPr>
+                      <m:e>
+                        <m:func>
+                          <m:funcPr>
+                            <m:ctrlPr>
+                              <a:rPr lang="en-US" b="0" i="1" smtClean="0">
+                                <a:latin typeface="Cambria Math"/>
+                              </a:rPr>
+                            </m:ctrlPr>
+                          </m:funcPr>
+                          <m:fName>
+                            <m:r>
+                              <m:rPr>
+                                <m:sty m:val="p"/>
+                              </m:rPr>
+                              <a:rPr lang="en-US" b="0" i="0" smtClean="0">
+                                <a:latin typeface="Cambria Math"/>
+                              </a:rPr>
+                              <m:t>log</m:t>
+                            </m:r>
+                          </m:fName>
+                          <m:e>
+                            <m:f>
+                              <m:fPr>
+                                <m:ctrlPr>
+                                  <a:rPr lang="en-US" b="0" i="1" smtClean="0">
+                                    <a:latin typeface="Cambria Math"/>
+                                  </a:rPr>
+                                </m:ctrlPr>
+                              </m:fPr>
+                              <m:num>
+                                <m:r>
+                                  <a:rPr lang="en-US" b="0" i="1" smtClean="0">
+                                    <a:latin typeface="Cambria Math"/>
+                                  </a:rPr>
+                                  <m:t>1</m:t>
+                                </m:r>
+                              </m:num>
+                              <m:den>
+                                <m:r>
+                                  <a:rPr lang="en-US" b="0" i="1" smtClean="0">
+                                    <a:latin typeface="Cambria Math"/>
+                                  </a:rPr>
+                                  <m:t>𝛿</m:t>
+                                </m:r>
+                                <m:r>
+                                  <a:rPr lang="en-US" b="0" i="1" smtClean="0">
+                                    <a:latin typeface="Cambria Math"/>
+                                  </a:rPr>
+                                  <m:t> </m:t>
+                                </m:r>
+                              </m:den>
+                            </m:f>
+                          </m:e>
+                        </m:func>
+                      </m:e>
+                    </m:d>
+                    <m:r>
+                      <a:rPr lang="en-US" b="0" i="1" smtClean="0">
+                        <a:latin typeface="Cambria Math"/>
+                      </a:rPr>
+                      <m:t>, </m:t>
+                    </m:r>
+                    <m:r>
+                      <a:rPr lang="en-US" b="0" i="1" smtClean="0">
+                        <a:latin typeface="Cambria Math"/>
+                      </a:rPr>
+                      <m:t>𝑤</m:t>
+                    </m:r>
+                    <m:r>
+                      <a:rPr lang="en-US" b="0" i="1" smtClean="0">
+                        <a:latin typeface="Cambria Math"/>
+                      </a:rPr>
+                      <m:t>=</m:t>
+                    </m:r>
+                    <m:f>
+                      <m:fPr>
+                        <m:ctrlPr>
+                          <a:rPr lang="en-US" b="0" i="1" smtClean="0">
+                            <a:latin typeface="Cambria Math"/>
+                          </a:rPr>
+                        </m:ctrlPr>
+                      </m:fPr>
+                      <m:num>
+                        <m:r>
+                          <a:rPr lang="en-US" b="0" i="1" smtClean="0">
+                            <a:latin typeface="Cambria Math"/>
+                          </a:rPr>
+                          <m:t>3</m:t>
+                        </m:r>
+                      </m:num>
+                      <m:den>
+                        <m:sSup>
+                          <m:sSupPr>
+                            <m:ctrlPr>
+                              <a:rPr lang="en-US" b="0" i="1" smtClean="0">
+                                <a:latin typeface="Cambria Math"/>
+                              </a:rPr>
+                            </m:ctrlPr>
+                          </m:sSupPr>
+                          <m:e>
+                            <m:r>
+                              <a:rPr lang="en-US" b="0" i="1" smtClean="0">
+                                <a:latin typeface="Cambria Math"/>
+                              </a:rPr>
+                              <m:t>𝜖</m:t>
+                            </m:r>
+                          </m:e>
+                          <m:sup>
+                            <m:r>
+                              <a:rPr lang="en-US" b="1" i="1" smtClean="0">
+                                <a:solidFill>
+                                  <a:srgbClr val="FF0000"/>
+                                </a:solidFill>
+                                <a:latin typeface="Cambria Math"/>
+                              </a:rPr>
+                              <m:t>𝟐</m:t>
+                            </m:r>
+                          </m:sup>
+                        </m:sSup>
+                      </m:den>
+                    </m:f>
+                  </m:oMath>
+                </a14:m>
+                <a:endParaRPr lang="en-US" b="0" dirty="0" smtClean="0">
+                  <a:latin typeface="Cambria Math"/>
+                </a:endParaRPr>
+              </a:p>
+              <a:p>
+                <a:pPr marL="0" indent="0">
+                  <a:buNone/>
+                </a:pPr>
+                <a14:m>
+                  <m:oMathPara xmlns:m="http://schemas.openxmlformats.org/officeDocument/2006/math">
+                    <m:oMathParaPr>
+                      <m:jc m:val="centerGroup"/>
+                    </m:oMathParaPr>
+                    <m:oMath xmlns:m="http://schemas.openxmlformats.org/officeDocument/2006/math">
+                      <m:func>
+                        <m:funcPr>
+                          <m:ctrlPr>
+                            <a:rPr lang="en-US" i="1">
+                              <a:latin typeface="Cambria Math"/>
+                            </a:rPr>
+                          </m:ctrlPr>
+                        </m:funcPr>
+                        <m:fName>
+                          <m:r>
+                            <m:rPr>
+                              <m:sty m:val="p"/>
+                            </m:rPr>
+                            <a:rPr lang="en-US">
+                              <a:latin typeface="Cambria Math"/>
+                            </a:rPr>
+                            <m:t>Pr</m:t>
+                          </m:r>
+                        </m:fName>
+                        <m:e>
+                          <m:d>
+                            <m:dPr>
+                              <m:begChr m:val="["/>
+                              <m:endChr m:val="]"/>
+                              <m:ctrlPr>
+                                <a:rPr lang="en-US" i="1">
+                                  <a:latin typeface="Cambria Math"/>
+                                </a:rPr>
+                              </m:ctrlPr>
+                            </m:dPr>
+                            <m:e>
+                              <m:acc>
+                                <m:accPr>
+                                  <m:chr m:val="̃"/>
+                                  <m:ctrlPr>
+                                    <a:rPr lang="en-US" i="1">
+                                      <a:latin typeface="Cambria Math"/>
+                                    </a:rPr>
+                                  </m:ctrlPr>
+                                </m:accPr>
+                                <m:e>
+                                  <m:r>
+                                    <a:rPr lang="en-US" i="1">
+                                      <a:latin typeface="Cambria Math"/>
+                                    </a:rPr>
+                                    <m:t>|</m:t>
+                                  </m:r>
+                                  <m:sSub>
+                                    <m:sSubPr>
+                                      <m:ctrlPr>
+                                        <a:rPr lang="en-US" i="1">
+                                          <a:latin typeface="Cambria Math"/>
+                                        </a:rPr>
+                                      </m:ctrlPr>
+                                    </m:sSubPr>
+                                    <m:e>
+                                      <m:r>
+                                        <a:rPr lang="en-US" i="1">
+                                          <a:latin typeface="Cambria Math"/>
+                                        </a:rPr>
+                                        <m:t>𝑓</m:t>
+                                      </m:r>
+                                    </m:e>
+                                    <m:sub>
+                                      <m:r>
+                                        <a:rPr lang="en-US" i="1">
+                                          <a:latin typeface="Cambria Math"/>
+                                        </a:rPr>
+                                        <m:t>𝑥</m:t>
+                                      </m:r>
+                                    </m:sub>
+                                  </m:sSub>
+                                </m:e>
+                              </m:acc>
+                              <m:r>
+                                <a:rPr lang="en-US" i="1">
+                                  <a:latin typeface="Cambria Math"/>
+                                </a:rPr>
+                                <m:t>−</m:t>
+                              </m:r>
+                              <m:sSub>
+                                <m:sSubPr>
+                                  <m:ctrlPr>
+                                    <a:rPr lang="en-US" i="1">
+                                      <a:latin typeface="Cambria Math"/>
+                                    </a:rPr>
+                                  </m:ctrlPr>
+                                </m:sSubPr>
+                                <m:e>
+                                  <m:r>
+                                    <a:rPr lang="en-US" i="1">
+                                      <a:latin typeface="Cambria Math"/>
+                                    </a:rPr>
+                                    <m:t>𝑓</m:t>
+                                  </m:r>
+                                </m:e>
+                                <m:sub>
+                                  <m:r>
+                                    <a:rPr lang="en-US" i="1">
+                                      <a:latin typeface="Cambria Math"/>
+                                    </a:rPr>
+                                    <m:t>𝑥</m:t>
+                                  </m:r>
+                                </m:sub>
+                              </m:sSub>
+                              <m:r>
+                                <a:rPr lang="en-US" i="1">
+                                  <a:latin typeface="Cambria Math"/>
+                                </a:rPr>
+                                <m:t>|+</m:t>
+                              </m:r>
+                              <m:r>
+                                <a:rPr lang="en-US" i="1">
+                                  <a:latin typeface="Cambria Math"/>
+                                </a:rPr>
+                                <m:t>𝜖</m:t>
+                              </m:r>
+                              <m:sSub>
+                                <m:sSubPr>
+                                  <m:ctrlPr>
+                                    <a:rPr lang="en-US" i="1">
+                                      <a:latin typeface="Cambria Math"/>
+                                    </a:rPr>
+                                  </m:ctrlPr>
+                                </m:sSubPr>
+                                <m:e>
+                                  <m:r>
+                                    <a:rPr lang="en-US" i="1">
+                                      <a:latin typeface="Cambria Math"/>
+                                    </a:rPr>
+                                    <m:t>|</m:t>
+                                  </m:r>
+                                  <m:d>
+                                    <m:dPr>
+                                      <m:begChr m:val="|"/>
+                                      <m:endChr m:val="|"/>
+                                      <m:ctrlPr>
+                                        <a:rPr lang="en-US" i="1">
+                                          <a:latin typeface="Cambria Math"/>
+                                        </a:rPr>
+                                      </m:ctrlPr>
+                                    </m:dPr>
+                                    <m:e>
+                                      <m:r>
+                                        <a:rPr lang="en-US" i="1">
+                                          <a:latin typeface="Cambria Math"/>
+                                        </a:rPr>
+                                        <m:t>𝑓</m:t>
+                                      </m:r>
+                                    </m:e>
+                                  </m:d>
+                                  <m:r>
+                                    <a:rPr lang="en-US" i="1">
+                                      <a:latin typeface="Cambria Math"/>
+                                    </a:rPr>
+                                    <m:t>|</m:t>
+                                  </m:r>
+                                </m:e>
+                                <m:sub>
+                                  <m:r>
+                                    <a:rPr lang="en-US" i="1">
+                                      <a:latin typeface="Cambria Math"/>
+                                    </a:rPr>
+                                    <m:t>2</m:t>
+                                  </m:r>
+                                </m:sub>
+                              </m:sSub>
+                            </m:e>
+                          </m:d>
+                        </m:e>
+                      </m:func>
+                      <m:r>
+                        <a:rPr lang="en-US" i="1">
+                          <a:latin typeface="Cambria Math"/>
+                        </a:rPr>
+                        <m:t>≥1 −</m:t>
+                      </m:r>
+                      <m:r>
+                        <a:rPr lang="en-US" i="1">
+                          <a:latin typeface="Cambria Math"/>
+                        </a:rPr>
+                        <m:t>𝛿</m:t>
+                      </m:r>
+                    </m:oMath>
+                  </m:oMathPara>
+                </a14:m>
+                <a:endParaRPr lang="en-US" b="0" dirty="0" smtClean="0">
+                  <a:latin typeface="Cambria Math"/>
+                </a:endParaRPr>
+              </a:p>
+              <a:p>
+                <a:r>
+                  <a:rPr lang="en-US" b="0" dirty="0" smtClean="0">
+                    <a:solidFill>
+                      <a:srgbClr val="0070C0"/>
+                    </a:solidFill>
+                    <a:latin typeface="Cambria Math"/>
+                  </a:rPr>
+                  <a:t>Lemma</a:t>
+                </a:r>
+                <a:r>
+                  <a:rPr lang="en-US" b="0" dirty="0" smtClean="0">
+                    <a:latin typeface="Cambria Math"/>
+                  </a:rPr>
+                  <a:t>: E[</a:t>
+                </a:r>
+                <a14:m>
+                  <m:oMath xmlns:m="http://schemas.openxmlformats.org/officeDocument/2006/math">
+                    <m:sSub>
+                      <m:sSubPr>
+                        <m:ctrlPr>
+                          <a:rPr lang="en-US" i="1" dirty="0">
+                            <a:latin typeface="Cambria Math"/>
+                          </a:rPr>
+                        </m:ctrlPr>
+                      </m:sSubPr>
+                      <m:e>
+                        <m:r>
+                          <a:rPr lang="en-US" i="1" dirty="0">
+                            <a:latin typeface="Cambria Math"/>
+                          </a:rPr>
+                          <m:t>𝑟</m:t>
+                        </m:r>
+                      </m:e>
+                      <m:sub>
+                        <m:r>
+                          <a:rPr lang="en-US" b="0" i="1" dirty="0" smtClean="0">
+                            <a:latin typeface="Cambria Math"/>
+                          </a:rPr>
+                          <m:t>𝑖</m:t>
+                        </m:r>
+                      </m:sub>
+                    </m:sSub>
+                    <m:r>
+                      <a:rPr lang="en-US" i="1" dirty="0">
+                        <a:latin typeface="Cambria Math"/>
+                      </a:rPr>
+                      <m:t>(</m:t>
+                    </m:r>
+                    <m:r>
+                      <a:rPr lang="en-US" i="1" dirty="0">
+                        <a:latin typeface="Cambria Math"/>
+                      </a:rPr>
+                      <m:t>𝑥</m:t>
+                    </m:r>
+                    <m:r>
+                      <a:rPr lang="en-US" i="1" dirty="0">
+                        <a:latin typeface="Cambria Math"/>
+                      </a:rPr>
+                      <m:t>)</m:t>
+                    </m:r>
+                    <m:sSub>
+                      <m:sSubPr>
+                        <m:ctrlPr>
+                          <a:rPr lang="en-US" i="1" dirty="0">
+                            <a:latin typeface="Cambria Math"/>
+                          </a:rPr>
+                        </m:ctrlPr>
+                      </m:sSubPr>
+                      <m:e>
+                        <m:r>
+                          <a:rPr lang="en-US" i="1" dirty="0">
+                            <a:latin typeface="Cambria Math"/>
+                          </a:rPr>
+                          <m:t>𝑐</m:t>
+                        </m:r>
+                      </m:e>
+                      <m:sub>
+                        <m:r>
+                          <a:rPr lang="en-US" b="0" i="1" dirty="0" smtClean="0">
+                            <a:latin typeface="Cambria Math"/>
+                          </a:rPr>
+                          <m:t>𝑖</m:t>
+                        </m:r>
+                        <m:r>
+                          <a:rPr lang="en-US" i="1" dirty="0">
+                            <a:latin typeface="Cambria Math"/>
+                          </a:rPr>
+                          <m:t>,</m:t>
+                        </m:r>
+                        <m:sSub>
+                          <m:sSubPr>
+                            <m:ctrlPr>
+                              <a:rPr lang="en-US" i="1" dirty="0">
+                                <a:latin typeface="Cambria Math"/>
+                              </a:rPr>
+                            </m:ctrlPr>
+                          </m:sSubPr>
+                          <m:e>
+                            <m:r>
+                              <a:rPr lang="en-US" i="1" dirty="0">
+                                <a:latin typeface="Cambria Math"/>
+                              </a:rPr>
+                              <m:t>𝐻</m:t>
+                            </m:r>
+                          </m:e>
+                          <m:sub>
+                            <m:r>
+                              <a:rPr lang="en-US" b="0" i="1" dirty="0" smtClean="0">
+                                <a:latin typeface="Cambria Math"/>
+                              </a:rPr>
+                              <m:t>𝑖</m:t>
+                            </m:r>
+                          </m:sub>
+                        </m:sSub>
+                        <m:d>
+                          <m:dPr>
+                            <m:ctrlPr>
+                              <a:rPr lang="en-US" i="1" dirty="0">
+                                <a:latin typeface="Cambria Math"/>
+                              </a:rPr>
+                            </m:ctrlPr>
+                          </m:dPr>
+                          <m:e>
+                            <m:r>
+                              <a:rPr lang="en-US" i="1" dirty="0">
+                                <a:latin typeface="Cambria Math"/>
+                              </a:rPr>
+                              <m:t>𝑥</m:t>
+                            </m:r>
+                          </m:e>
+                        </m:d>
+                      </m:sub>
+                    </m:sSub>
+                  </m:oMath>
+                </a14:m>
+                <a:r>
+                  <a:rPr lang="en-US" b="0" dirty="0" smtClean="0">
+                    <a:latin typeface="Cambria Math"/>
+                  </a:rPr>
+                  <a:t>] </a:t>
+                </a:r>
+                <a14:m>
+                  <m:oMath xmlns:m="http://schemas.openxmlformats.org/officeDocument/2006/math">
+                    <m:r>
+                      <a:rPr lang="en-US" b="0" i="1" dirty="0" smtClean="0">
+                        <a:latin typeface="Cambria Math"/>
+                      </a:rPr>
+                      <m:t>=</m:t>
+                    </m:r>
+                    <m:sSub>
+                      <m:sSubPr>
+                        <m:ctrlPr>
+                          <a:rPr lang="en-US" b="0" i="1" dirty="0" smtClean="0">
+                            <a:latin typeface="Cambria Math"/>
+                          </a:rPr>
+                        </m:ctrlPr>
+                      </m:sSubPr>
+                      <m:e>
+                        <m:r>
+                          <a:rPr lang="en-US" b="0" i="1" dirty="0" smtClean="0">
+                            <a:latin typeface="Cambria Math"/>
+                          </a:rPr>
+                          <m:t>𝑓</m:t>
+                        </m:r>
+                      </m:e>
+                      <m:sub>
+                        <m:r>
+                          <a:rPr lang="en-US" b="0" i="1" dirty="0" smtClean="0">
+                            <a:latin typeface="Cambria Math"/>
+                          </a:rPr>
+                          <m:t>𝑥</m:t>
+                        </m:r>
+                      </m:sub>
+                    </m:sSub>
+                  </m:oMath>
+                </a14:m>
+                <a:endParaRPr lang="en-US" b="0" dirty="0" smtClean="0">
+                  <a:latin typeface="Cambria Math"/>
+                </a:endParaRPr>
+              </a:p>
+              <a:p>
+                <a:r>
+                  <a:rPr lang="en-US" dirty="0" smtClean="0">
+                    <a:solidFill>
+                      <a:srgbClr val="0070C0"/>
+                    </a:solidFill>
+                    <a:latin typeface="Cambria Math"/>
+                  </a:rPr>
+                  <a:t>Lemma</a:t>
+                </a:r>
+                <a:r>
+                  <a:rPr lang="en-US" dirty="0" smtClean="0">
+                    <a:latin typeface="Cambria Math"/>
+                  </a:rPr>
+                  <a:t>: Var</a:t>
+                </a:r>
+                <a:r>
+                  <a:rPr lang="en-US" dirty="0">
+                    <a:latin typeface="Cambria Math"/>
+                  </a:rPr>
+                  <a:t>[</a:t>
+                </a:r>
+                <a14:m>
+                  <m:oMath xmlns:m="http://schemas.openxmlformats.org/officeDocument/2006/math">
+                    <m:sSub>
+                      <m:sSubPr>
+                        <m:ctrlPr>
+                          <a:rPr lang="en-US" i="1" dirty="0">
+                            <a:latin typeface="Cambria Math"/>
+                          </a:rPr>
+                        </m:ctrlPr>
+                      </m:sSubPr>
+                      <m:e>
+                        <m:r>
+                          <a:rPr lang="en-US" i="1" dirty="0">
+                            <a:latin typeface="Cambria Math"/>
+                          </a:rPr>
+                          <m:t>𝑟</m:t>
+                        </m:r>
+                      </m:e>
+                      <m:sub>
+                        <m:r>
+                          <a:rPr lang="en-US" i="1" dirty="0">
+                            <a:latin typeface="Cambria Math"/>
+                          </a:rPr>
+                          <m:t>𝑖</m:t>
+                        </m:r>
+                      </m:sub>
+                    </m:sSub>
+                    <m:r>
+                      <a:rPr lang="en-US" i="1" dirty="0">
+                        <a:latin typeface="Cambria Math"/>
+                      </a:rPr>
+                      <m:t>(</m:t>
+                    </m:r>
+                    <m:r>
+                      <a:rPr lang="en-US" i="1" dirty="0">
+                        <a:latin typeface="Cambria Math"/>
+                      </a:rPr>
+                      <m:t>𝑥</m:t>
+                    </m:r>
+                    <m:r>
+                      <a:rPr lang="en-US" i="1" dirty="0">
+                        <a:latin typeface="Cambria Math"/>
+                      </a:rPr>
+                      <m:t>)</m:t>
+                    </m:r>
+                    <m:sSub>
+                      <m:sSubPr>
+                        <m:ctrlPr>
+                          <a:rPr lang="en-US" i="1" dirty="0">
+                            <a:latin typeface="Cambria Math"/>
+                          </a:rPr>
+                        </m:ctrlPr>
+                      </m:sSubPr>
+                      <m:e>
+                        <m:r>
+                          <a:rPr lang="en-US" i="1" dirty="0">
+                            <a:latin typeface="Cambria Math"/>
+                          </a:rPr>
+                          <m:t>𝑐</m:t>
+                        </m:r>
+                      </m:e>
+                      <m:sub>
+                        <m:r>
+                          <a:rPr lang="en-US" i="1" dirty="0">
+                            <a:latin typeface="Cambria Math"/>
+                          </a:rPr>
+                          <m:t>𝑖</m:t>
+                        </m:r>
+                        <m:r>
+                          <a:rPr lang="en-US" i="1" dirty="0">
+                            <a:latin typeface="Cambria Math"/>
+                          </a:rPr>
+                          <m:t>,</m:t>
+                        </m:r>
+                        <m:sSub>
+                          <m:sSubPr>
+                            <m:ctrlPr>
+                              <a:rPr lang="en-US" i="1" dirty="0">
+                                <a:latin typeface="Cambria Math"/>
+                              </a:rPr>
+                            </m:ctrlPr>
+                          </m:sSubPr>
+                          <m:e>
+                            <m:r>
+                              <a:rPr lang="en-US" i="1" dirty="0">
+                                <a:latin typeface="Cambria Math"/>
+                              </a:rPr>
+                              <m:t>𝐻</m:t>
+                            </m:r>
+                          </m:e>
+                          <m:sub>
+                            <m:r>
+                              <a:rPr lang="en-US" i="1" dirty="0">
+                                <a:latin typeface="Cambria Math"/>
+                              </a:rPr>
+                              <m:t>𝑖</m:t>
+                            </m:r>
+                          </m:sub>
+                        </m:sSub>
+                        <m:d>
+                          <m:dPr>
+                            <m:ctrlPr>
+                              <a:rPr lang="en-US" i="1" dirty="0">
+                                <a:latin typeface="Cambria Math"/>
+                              </a:rPr>
+                            </m:ctrlPr>
+                          </m:dPr>
+                          <m:e>
+                            <m:r>
+                              <a:rPr lang="en-US" i="1" dirty="0">
+                                <a:latin typeface="Cambria Math"/>
+                              </a:rPr>
+                              <m:t>𝑥</m:t>
+                            </m:r>
+                          </m:e>
+                        </m:d>
+                      </m:sub>
+                    </m:sSub>
+                  </m:oMath>
+                </a14:m>
+                <a:r>
+                  <a:rPr lang="en-US" dirty="0">
+                    <a:latin typeface="Cambria Math"/>
+                  </a:rPr>
+                  <a:t>] </a:t>
+                </a:r>
+                <a14:m>
+                  <m:oMath xmlns:m="http://schemas.openxmlformats.org/officeDocument/2006/math">
+                    <m:r>
+                      <a:rPr lang="en-US" i="1" dirty="0" smtClean="0">
+                        <a:latin typeface="Cambria Math"/>
+                      </a:rPr>
+                      <m:t>≤</m:t>
+                    </m:r>
+                    <m:f>
+                      <m:fPr>
+                        <m:ctrlPr>
+                          <a:rPr lang="en-US" b="0" i="1" dirty="0" smtClean="0">
+                            <a:latin typeface="Cambria Math"/>
+                          </a:rPr>
+                        </m:ctrlPr>
+                      </m:fPr>
+                      <m:num>
+                        <m:sSub>
+                          <m:sSubPr>
+                            <m:ctrlPr>
+                              <a:rPr lang="en-US" b="0" i="1" dirty="0" smtClean="0">
+                                <a:latin typeface="Cambria Math"/>
+                              </a:rPr>
+                            </m:ctrlPr>
+                          </m:sSubPr>
+                          <m:e>
+                            <m:r>
+                              <a:rPr lang="en-US" b="0" i="1" dirty="0" smtClean="0">
+                                <a:latin typeface="Cambria Math"/>
+                              </a:rPr>
+                              <m:t>𝐹</m:t>
+                            </m:r>
+                          </m:e>
+                          <m:sub>
+                            <m:r>
+                              <a:rPr lang="en-US" b="0" i="1" dirty="0" smtClean="0">
+                                <a:latin typeface="Cambria Math"/>
+                              </a:rPr>
+                              <m:t>2</m:t>
+                            </m:r>
+                          </m:sub>
+                        </m:sSub>
+                      </m:num>
+                      <m:den>
+                        <m:r>
+                          <a:rPr lang="en-US" b="0" i="1" dirty="0" smtClean="0">
+                            <a:latin typeface="Cambria Math"/>
+                          </a:rPr>
+                          <m:t>𝑤</m:t>
+                        </m:r>
+                      </m:den>
+                    </m:f>
+                  </m:oMath>
+                </a14:m>
+                <a:endParaRPr lang="en-US" b="0" dirty="0" smtClean="0">
+                  <a:latin typeface="Cambria Math"/>
+                </a:endParaRPr>
+              </a:p>
+              <a:p>
+                <a:r>
+                  <a:rPr lang="en-US" dirty="0" smtClean="0">
+                    <a:latin typeface="Cambria Math"/>
+                  </a:rPr>
+                  <a:t>By </a:t>
+                </a:r>
+                <a:r>
+                  <a:rPr lang="en-US" dirty="0" err="1" smtClean="0">
+                    <a:latin typeface="Cambria Math"/>
+                  </a:rPr>
+                  <a:t>Chebyshev</a:t>
+                </a:r>
+                <a:r>
+                  <a:rPr lang="en-US" dirty="0" smtClean="0">
+                    <a:latin typeface="Cambria Math"/>
+                  </a:rPr>
+                  <a:t>: </a:t>
+                </a:r>
+                <a14:m>
+                  <m:oMath xmlns:m="http://schemas.openxmlformats.org/officeDocument/2006/math">
+                    <m:func>
+                      <m:funcPr>
+                        <m:ctrlPr>
+                          <a:rPr lang="en-US" b="0" i="1" smtClean="0">
+                            <a:latin typeface="Cambria Math"/>
+                          </a:rPr>
+                        </m:ctrlPr>
+                      </m:funcPr>
+                      <m:fName>
+                        <m:r>
+                          <m:rPr>
+                            <m:sty m:val="p"/>
+                          </m:rPr>
+                          <a:rPr lang="en-US" b="0" i="0" smtClean="0">
+                            <a:latin typeface="Cambria Math"/>
+                          </a:rPr>
+                          <m:t>Pr</m:t>
+                        </m:r>
+                      </m:fName>
+                      <m:e>
+                        <m:d>
+                          <m:dPr>
+                            <m:begChr m:val="["/>
+                            <m:endChr m:val="|"/>
+                            <m:ctrlPr>
+                              <a:rPr lang="en-US" b="0" i="1" smtClean="0">
+                                <a:latin typeface="Cambria Math"/>
+                              </a:rPr>
+                            </m:ctrlPr>
+                          </m:dPr>
+                          <m:e>
+                            <m:sSub>
+                              <m:sSubPr>
+                                <m:ctrlPr>
+                                  <a:rPr lang="en-US" i="1" dirty="0">
+                                    <a:latin typeface="Cambria Math"/>
+                                  </a:rPr>
+                                </m:ctrlPr>
+                              </m:sSubPr>
+                              <m:e>
+                                <m:r>
+                                  <a:rPr lang="en-US" b="0" i="1" dirty="0" smtClean="0">
+                                    <a:latin typeface="Cambria Math"/>
+                                  </a:rPr>
+                                  <m:t>|</m:t>
+                                </m:r>
+                                <m:r>
+                                  <a:rPr lang="en-US" i="1" dirty="0">
+                                    <a:latin typeface="Cambria Math"/>
+                                  </a:rPr>
+                                  <m:t>𝑟</m:t>
+                                </m:r>
+                              </m:e>
+                              <m:sub>
+                                <m:r>
+                                  <a:rPr lang="en-US" i="1" dirty="0">
+                                    <a:latin typeface="Cambria Math"/>
+                                  </a:rPr>
+                                  <m:t>𝑖</m:t>
+                                </m:r>
+                              </m:sub>
+                            </m:sSub>
+                            <m:d>
+                              <m:dPr>
+                                <m:ctrlPr>
+                                  <a:rPr lang="en-US" i="1" dirty="0">
+                                    <a:latin typeface="Cambria Math"/>
+                                  </a:rPr>
+                                </m:ctrlPr>
+                              </m:dPr>
+                              <m:e>
+                                <m:r>
+                                  <a:rPr lang="en-US" i="1" dirty="0">
+                                    <a:latin typeface="Cambria Math"/>
+                                  </a:rPr>
+                                  <m:t>𝑥</m:t>
+                                </m:r>
+                              </m:e>
+                            </m:d>
+                            <m:sSub>
+                              <m:sSubPr>
+                                <m:ctrlPr>
+                                  <a:rPr lang="en-US" i="1" dirty="0">
+                                    <a:latin typeface="Cambria Math"/>
+                                  </a:rPr>
+                                </m:ctrlPr>
+                              </m:sSubPr>
+                              <m:e>
+                                <m:r>
+                                  <a:rPr lang="en-US" i="1" dirty="0">
+                                    <a:latin typeface="Cambria Math"/>
+                                  </a:rPr>
+                                  <m:t>𝑐</m:t>
+                                </m:r>
+                              </m:e>
+                              <m:sub>
+                                <m:r>
+                                  <a:rPr lang="en-US" i="1" dirty="0">
+                                    <a:latin typeface="Cambria Math"/>
+                                  </a:rPr>
+                                  <m:t>𝑖</m:t>
+                                </m:r>
+                                <m:r>
+                                  <a:rPr lang="en-US" i="1" dirty="0">
+                                    <a:latin typeface="Cambria Math"/>
+                                  </a:rPr>
+                                  <m:t>,</m:t>
+                                </m:r>
+                                <m:sSub>
+                                  <m:sSubPr>
+                                    <m:ctrlPr>
+                                      <a:rPr lang="en-US" i="1" dirty="0">
+                                        <a:latin typeface="Cambria Math"/>
+                                      </a:rPr>
+                                    </m:ctrlPr>
+                                  </m:sSubPr>
+                                  <m:e>
+                                    <m:r>
+                                      <a:rPr lang="en-US" i="1" dirty="0">
+                                        <a:latin typeface="Cambria Math"/>
+                                      </a:rPr>
+                                      <m:t>𝐻</m:t>
+                                    </m:r>
+                                  </m:e>
+                                  <m:sub>
+                                    <m:r>
+                                      <a:rPr lang="en-US" i="1" dirty="0">
+                                        <a:latin typeface="Cambria Math"/>
+                                      </a:rPr>
+                                      <m:t>𝑖</m:t>
+                                    </m:r>
+                                  </m:sub>
+                                </m:sSub>
+                                <m:d>
+                                  <m:dPr>
+                                    <m:ctrlPr>
+                                      <a:rPr lang="en-US" i="1" dirty="0">
+                                        <a:latin typeface="Cambria Math"/>
+                                      </a:rPr>
+                                    </m:ctrlPr>
+                                  </m:dPr>
+                                  <m:e>
+                                    <m:r>
+                                      <a:rPr lang="en-US" i="1" dirty="0">
+                                        <a:latin typeface="Cambria Math"/>
+                                      </a:rPr>
+                                      <m:t>𝑥</m:t>
+                                    </m:r>
+                                  </m:e>
+                                </m:d>
+                              </m:sub>
+                            </m:sSub>
+                            <m:r>
+                              <a:rPr lang="en-US" b="0" i="1" dirty="0" smtClean="0">
+                                <a:latin typeface="Cambria Math"/>
+                              </a:rPr>
+                              <m:t>−</m:t>
+                            </m:r>
+                            <m:sSub>
+                              <m:sSubPr>
+                                <m:ctrlPr>
+                                  <a:rPr lang="en-US" b="0" i="1" dirty="0" smtClean="0">
+                                    <a:latin typeface="Cambria Math"/>
+                                  </a:rPr>
+                                </m:ctrlPr>
+                              </m:sSubPr>
+                              <m:e>
+                                <m:r>
+                                  <a:rPr lang="en-US" b="0" i="1" dirty="0" smtClean="0">
+                                    <a:latin typeface="Cambria Math"/>
+                                  </a:rPr>
+                                  <m:t>𝑓</m:t>
+                                </m:r>
+                              </m:e>
+                              <m:sub>
+                                <m:r>
+                                  <a:rPr lang="en-US" b="0" i="1" dirty="0" smtClean="0">
+                                    <a:latin typeface="Cambria Math"/>
+                                  </a:rPr>
+                                  <m:t>𝑥</m:t>
+                                </m:r>
+                              </m:sub>
+                            </m:sSub>
+                          </m:e>
+                        </m:d>
+                      </m:e>
+                    </m:func>
+                    <m:r>
+                      <a:rPr lang="en-US" b="0" i="1" smtClean="0">
+                        <a:latin typeface="Cambria Math"/>
+                      </a:rPr>
+                      <m:t>≥</m:t>
+                    </m:r>
+                    <m:r>
+                      <a:rPr lang="en-US" b="0" i="1" smtClean="0">
+                        <a:latin typeface="Cambria Math"/>
+                      </a:rPr>
+                      <m:t>𝜖</m:t>
+                    </m:r>
+                    <m:rad>
+                      <m:radPr>
+                        <m:degHide m:val="on"/>
+                        <m:ctrlPr>
+                          <a:rPr lang="en-US" b="0" i="1" smtClean="0">
+                            <a:latin typeface="Cambria Math"/>
+                          </a:rPr>
+                        </m:ctrlPr>
+                      </m:radPr>
+                      <m:deg/>
+                      <m:e>
+                        <m:sSub>
+                          <m:sSubPr>
+                            <m:ctrlPr>
+                              <a:rPr lang="en-US" b="0" i="1" smtClean="0">
+                                <a:latin typeface="Cambria Math"/>
+                              </a:rPr>
+                            </m:ctrlPr>
+                          </m:sSubPr>
+                          <m:e>
+                            <m:r>
+                              <a:rPr lang="en-US" b="0" i="1" smtClean="0">
+                                <a:latin typeface="Cambria Math"/>
+                              </a:rPr>
+                              <m:t>𝐹</m:t>
+                            </m:r>
+                          </m:e>
+                          <m:sub>
+                            <m:r>
+                              <a:rPr lang="en-US" b="0" i="1" smtClean="0">
+                                <a:latin typeface="Cambria Math"/>
+                              </a:rPr>
+                              <m:t>2</m:t>
+                            </m:r>
+                          </m:sub>
+                        </m:sSub>
+                      </m:e>
+                    </m:rad>
+                    <m:r>
+                      <a:rPr lang="en-US" b="0" i="1" smtClean="0">
+                        <a:latin typeface="Cambria Math"/>
+                      </a:rPr>
+                      <m:t>]≤1/3 </m:t>
+                    </m:r>
+                  </m:oMath>
+                </a14:m>
+                <a:endParaRPr lang="en-US" b="0" dirty="0" smtClean="0">
+                  <a:latin typeface="Cambria Math"/>
+                </a:endParaRPr>
+              </a:p>
+              <a:p>
+                <a:r>
+                  <a:rPr lang="en-US" b="0" dirty="0" smtClean="0">
+                    <a:latin typeface="Cambria Math"/>
+                  </a:rPr>
+                  <a:t>By </a:t>
+                </a:r>
+                <a:r>
+                  <a:rPr lang="en-US" b="0" dirty="0" err="1" smtClean="0">
+                    <a:latin typeface="Cambria Math"/>
+                  </a:rPr>
+                  <a:t>Chernoff</a:t>
+                </a:r>
+                <a:r>
+                  <a:rPr lang="en-US" b="0" dirty="0" smtClean="0">
+                    <a:latin typeface="Cambria Math"/>
+                  </a:rPr>
+                  <a:t> with </a:t>
+                </a:r>
+                <a14:m>
+                  <m:oMath xmlns:m="http://schemas.openxmlformats.org/officeDocument/2006/math">
+                    <m:r>
+                      <a:rPr lang="en-US" i="1">
+                        <a:latin typeface="Cambria Math"/>
+                      </a:rPr>
+                      <m:t>𝑑</m:t>
+                    </m:r>
+                    <m:r>
+                      <a:rPr lang="en-US" i="1">
+                        <a:latin typeface="Cambria Math"/>
+                      </a:rPr>
+                      <m:t>=</m:t>
+                    </m:r>
+                    <m:r>
+                      <a:rPr lang="en-US" i="1">
+                        <a:latin typeface="Cambria Math"/>
+                      </a:rPr>
+                      <m:t>𝑂</m:t>
+                    </m:r>
+                    <m:d>
+                      <m:dPr>
+                        <m:ctrlPr>
+                          <a:rPr lang="en-US" i="1">
+                            <a:latin typeface="Cambria Math"/>
+                          </a:rPr>
+                        </m:ctrlPr>
+                      </m:dPr>
+                      <m:e>
+                        <m:func>
+                          <m:funcPr>
+                            <m:ctrlPr>
+                              <a:rPr lang="en-US" i="1">
+                                <a:latin typeface="Cambria Math"/>
+                              </a:rPr>
+                            </m:ctrlPr>
+                          </m:funcPr>
+                          <m:fName>
+                            <m:r>
+                              <m:rPr>
+                                <m:sty m:val="p"/>
+                              </m:rPr>
+                              <a:rPr lang="en-US">
+                                <a:latin typeface="Cambria Math"/>
+                              </a:rPr>
+                              <m:t>log</m:t>
+                            </m:r>
+                          </m:fName>
+                          <m:e>
+                            <m:f>
+                              <m:fPr>
+                                <m:ctrlPr>
+                                  <a:rPr lang="en-US" i="1">
+                                    <a:latin typeface="Cambria Math"/>
+                                  </a:rPr>
+                                </m:ctrlPr>
+                              </m:fPr>
+                              <m:num>
+                                <m:r>
+                                  <a:rPr lang="en-US" i="1">
+                                    <a:latin typeface="Cambria Math"/>
+                                  </a:rPr>
+                                  <m:t>1</m:t>
+                                </m:r>
+                              </m:num>
+                              <m:den>
+                                <m:r>
+                                  <a:rPr lang="en-US" i="1">
+                                    <a:latin typeface="Cambria Math"/>
+                                  </a:rPr>
+                                  <m:t>𝛿</m:t>
+                                </m:r>
+                                <m:r>
+                                  <a:rPr lang="en-US" i="1">
+                                    <a:latin typeface="Cambria Math"/>
+                                  </a:rPr>
+                                  <m:t> </m:t>
+                                </m:r>
+                              </m:den>
+                            </m:f>
+                          </m:e>
+                        </m:func>
+                      </m:e>
+                    </m:d>
+                  </m:oMath>
+                </a14:m>
+                <a:r>
+                  <a:rPr lang="en-US" b="0" dirty="0" smtClean="0">
+                    <a:latin typeface="Cambria Math"/>
+                  </a:rPr>
+                  <a:t> error prob. </a:t>
+                </a:r>
+                <a14:m>
+                  <m:oMath xmlns:m="http://schemas.openxmlformats.org/officeDocument/2006/math">
+                    <m:r>
+                      <a:rPr lang="en-US" i="1">
+                        <a:latin typeface="Cambria Math"/>
+                      </a:rPr>
+                      <m:t>1 −</m:t>
+                    </m:r>
+                    <m:r>
+                      <a:rPr lang="en-US" i="1">
+                        <a:latin typeface="Cambria Math"/>
+                      </a:rPr>
+                      <m:t>𝛿</m:t>
+                    </m:r>
+                  </m:oMath>
+                </a14:m>
+                <a:r>
+                  <a:rPr lang="en-US" b="0" dirty="0" smtClean="0">
+                    <a:latin typeface="Cambria Math"/>
+                  </a:rPr>
+                  <a:t>.</a:t>
+                </a:r>
+              </a:p>
+              <a:p>
+                <a:endParaRPr lang="en-US" b="0" dirty="0" smtClean="0">
+                  <a:latin typeface="Cambria Math"/>
+                </a:endParaRPr>
+              </a:p>
+              <a:p>
+                <a:pPr marL="0" indent="0">
+                  <a:buNone/>
+                </a:pPr>
+                <a:endParaRPr lang="en-US" dirty="0"/>
+              </a:p>
+              <a:p>
+                <a:endParaRPr lang="en-US" dirty="0"/>
+              </a:p>
+            </p:txBody>
+          </p:sp>
+        </mc:Choice>
+        <mc:Fallback xmlns="">
+          <p:sp>
+            <p:nvSpPr>
+              <p:cNvPr id="3" name="Content Placeholder 2"/>
+              <p:cNvSpPr>
+                <a:spLocks noGrp="1" noRot="1" noChangeAspect="1" noMove="1" noResize="1" noEditPoints="1" noAdjustHandles="1" noChangeArrowheads="1" noChangeShapeType="1" noTextEdit="1"/>
+              </p:cNvSpPr>
+              <p:nvPr>
+                <p:ph idx="1"/>
+              </p:nvPr>
+            </p:nvSpPr>
+            <p:spPr>
+              <a:xfrm>
+                <a:off x="457200" y="1600200"/>
+                <a:ext cx="8229600" cy="4876800"/>
+              </a:xfrm>
+              <a:blipFill rotWithShape="1">
+                <a:blip r:embed="rId2"/>
+                <a:stretch>
+                  <a:fillRect l="-815" t="-2000"/>
+                </a:stretch>
+              </a:blipFill>
+            </p:spPr>
+            <p:txBody>
+              <a:bodyPr/>
+              <a:lstStyle/>
+              <a:p>
+                <a:r>
+                  <a:rPr lang="en-US">
+                    <a:noFill/>
+                  </a:rPr>
+                  <a:t> </a:t>
+                </a:r>
+              </a:p>
+            </p:txBody>
+          </p:sp>
+        </mc:Fallback>
+      </mc:AlternateContent>
+    </p:spTree>
+    <p:extLst>
+      <p:ext uri="{BB962C8B-B14F-4D97-AF65-F5344CB8AC3E}">
+        <p14:creationId xmlns:p14="http://schemas.microsoft.com/office/powerpoint/2010/main" val="3912482225"/>
+      </p:ext>
+    </p:extLst>
+  </p:cSld>
+  <p:clrMapOvr>
+    <a:masterClrMapping/>
+  </p:clrMapOvr>
+  <p:timing>
+    <p:tnLst>
+      <p:par>
+        <p:cTn id="1" dur="indefinite" restart="never" nodeType="tmRoot">
+          <p:childTnLst>
+            <p:seq concurrent="1" nextAc="seek">
+              <p:cTn id="2" dur="indefinite" nodeType="mainSeq">
+                <p:childTnLst>
+                  <p:par>
+                    <p:cTn id="3" fill="hold">
+                      <p:stCondLst>
+                        <p:cond delay="indefinite"/>
+                      </p:stCondLst>
+                      <p:childTnLst>
+                        <p:par>
+                          <p:cTn id="4" fill="hold">
+                            <p:stCondLst>
+                              <p:cond delay="0"/>
+                            </p:stCondLst>
+                            <p:childTnLst>
+                              <p:par>
+                                <p:cTn id="5" presetID="1" presetClass="entr" presetSubtype="0" fill="hold" grpId="0" nodeType="clickEffect">
+                                  <p:stCondLst>
+                                    <p:cond delay="0"/>
+                                  </p:stCondLst>
+                                  <p:childTnLst>
+                                    <p:set>
+                                      <p:cBhvr>
+                                        <p:cTn id="6" dur="1" fill="hold">
+                                          <p:stCondLst>
+                                            <p:cond delay="0"/>
+                                          </p:stCondLst>
+                                        </p:cTn>
+                                        <p:tgtEl>
+                                          <p:spTgt spid="3">
+                                            <p:txEl>
+                                              <p:pRg st="0" end="0"/>
+                                            </p:txEl>
+                                          </p:spTgt>
+                                        </p:tgtEl>
+                                        <p:attrNameLst>
+                                          <p:attrName>style.visibility</p:attrName>
+                                        </p:attrNameLst>
+                                      </p:cBhvr>
+                                      <p:to>
+                                        <p:strVal val="visible"/>
+                                      </p:to>
+                                    </p:set>
+                                  </p:childTnLst>
+                                </p:cTn>
+                              </p:par>
+                            </p:childTnLst>
+                          </p:cTn>
+                        </p:par>
+                      </p:childTnLst>
+                    </p:cTn>
+                  </p:par>
+                  <p:par>
+                    <p:cTn id="7" fill="hold">
+                      <p:stCondLst>
+                        <p:cond delay="indefinite"/>
+                      </p:stCondLst>
+                      <p:childTnLst>
+                        <p:par>
+                          <p:cTn id="8" fill="hold">
+                            <p:stCondLst>
+                              <p:cond delay="0"/>
+                            </p:stCondLst>
+                            <p:childTnLst>
+                              <p:par>
+                                <p:cTn id="9" presetID="1" presetClass="entr" presetSubtype="0" fill="hold" grpId="0" nodeType="clickEffect">
+                                  <p:stCondLst>
+                                    <p:cond delay="0"/>
+                                  </p:stCondLst>
+                                  <p:childTnLst>
+                                    <p:set>
+                                      <p:cBhvr>
+                                        <p:cTn id="10" dur="1" fill="hold">
+                                          <p:stCondLst>
+                                            <p:cond delay="0"/>
+                                          </p:stCondLst>
+                                        </p:cTn>
+                                        <p:tgtEl>
+                                          <p:spTgt spid="3">
+                                            <p:txEl>
+                                              <p:pRg st="1" end="1"/>
+                                            </p:txEl>
+                                          </p:spTgt>
+                                        </p:tgtEl>
+                                        <p:attrNameLst>
+                                          <p:attrName>style.visibility</p:attrName>
+                                        </p:attrNameLst>
+                                      </p:cBhvr>
+                                      <p:to>
+                                        <p:strVal val="visible"/>
+                                      </p:to>
+                                    </p:set>
+                                  </p:childTnLst>
+                                </p:cTn>
+                              </p:par>
+                            </p:childTnLst>
+                          </p:cTn>
+                        </p:par>
+                      </p:childTnLst>
+                    </p:cTn>
+                  </p:par>
+                  <p:par>
+                    <p:cTn id="11" fill="hold">
+                      <p:stCondLst>
+                        <p:cond delay="indefinite"/>
+                      </p:stCondLst>
+                      <p:childTnLst>
+                        <p:par>
+                          <p:cTn id="12" fill="hold">
+                            <p:stCondLst>
+                              <p:cond delay="0"/>
+                            </p:stCondLst>
+                            <p:childTnLst>
+                              <p:par>
+                                <p:cTn id="13" presetID="1" presetClass="entr" presetSubtype="0" fill="hold" grpId="0" nodeType="clickEffect">
+                                  <p:stCondLst>
+                                    <p:cond delay="0"/>
+                                  </p:stCondLst>
+                                  <p:childTnLst>
+                                    <p:set>
+                                      <p:cBhvr>
+                                        <p:cTn id="14" dur="1" fill="hold">
+                                          <p:stCondLst>
+                                            <p:cond delay="0"/>
+                                          </p:stCondLst>
+                                        </p:cTn>
+                                        <p:tgtEl>
+                                          <p:spTgt spid="3">
+                                            <p:txEl>
+                                              <p:pRg st="2" end="2"/>
+                                            </p:txEl>
+                                          </p:spTgt>
+                                        </p:tgtEl>
+                                        <p:attrNameLst>
+                                          <p:attrName>style.visibility</p:attrName>
+                                        </p:attrNameLst>
+                                      </p:cBhvr>
+                                      <p:to>
+                                        <p:strVal val="visible"/>
+                                      </p:to>
+                                    </p:set>
+                                  </p:childTnLst>
+                                </p:cTn>
+                              </p:par>
+                            </p:childTnLst>
+                          </p:cTn>
+                        </p:par>
+                      </p:childTnLst>
+                    </p:cTn>
+                  </p:par>
+                  <p:par>
+                    <p:cTn id="15" fill="hold">
+                      <p:stCondLst>
+                        <p:cond delay="indefinite"/>
+                      </p:stCondLst>
+                      <p:childTnLst>
+                        <p:par>
+                          <p:cTn id="16" fill="hold">
+                            <p:stCondLst>
+                              <p:cond delay="0"/>
+                            </p:stCondLst>
+                            <p:childTnLst>
+                              <p:par>
+                                <p:cTn id="17" presetID="1" presetClass="entr" presetSubtype="0" fill="hold" grpId="0" nodeType="clickEffect">
+                                  <p:stCondLst>
+                                    <p:cond delay="0"/>
+                                  </p:stCondLst>
+                                  <p:childTnLst>
+                                    <p:set>
+                                      <p:cBhvr>
+                                        <p:cTn id="18" dur="1" fill="hold">
+                                          <p:stCondLst>
+                                            <p:cond delay="0"/>
+                                          </p:stCondLst>
+                                        </p:cTn>
+                                        <p:tgtEl>
+                                          <p:spTgt spid="3">
+                                            <p:txEl>
+                                              <p:pRg st="3" end="3"/>
+                                            </p:txEl>
+                                          </p:spTgt>
+                                        </p:tgtEl>
+                                        <p:attrNameLst>
+                                          <p:attrName>style.visibility</p:attrName>
+                                        </p:attrNameLst>
+                                      </p:cBhvr>
+                                      <p:to>
+                                        <p:strVal val="visible"/>
+                                      </p:to>
+                                    </p:set>
+                                  </p:childTnLst>
+                                </p:cTn>
+                              </p:par>
+                            </p:childTnLst>
+                          </p:cTn>
+                        </p:par>
+                      </p:childTnLst>
+                    </p:cTn>
+                  </p:par>
+                  <p:par>
+                    <p:cTn id="19" fill="hold">
+                      <p:stCondLst>
+                        <p:cond delay="indefinite"/>
+                      </p:stCondLst>
+                      <p:childTnLst>
+                        <p:par>
+                          <p:cTn id="20" fill="hold">
+                            <p:stCondLst>
+                              <p:cond delay="0"/>
+                            </p:stCondLst>
+                            <p:childTnLst>
+                              <p:par>
+                                <p:cTn id="21" presetID="1" presetClass="entr" presetSubtype="0" fill="hold" grpId="0" nodeType="clickEffect">
+                                  <p:stCondLst>
+                                    <p:cond delay="0"/>
+                                  </p:stCondLst>
+                                  <p:childTnLst>
+                                    <p:set>
+                                      <p:cBhvr>
+                                        <p:cTn id="22" dur="1" fill="hold">
+                                          <p:stCondLst>
+                                            <p:cond delay="0"/>
+                                          </p:stCondLst>
+                                        </p:cTn>
+                                        <p:tgtEl>
+                                          <p:spTgt spid="3">
+                                            <p:txEl>
+                                              <p:pRg st="4" end="4"/>
+                                            </p:txEl>
+                                          </p:spTgt>
+                                        </p:tgtEl>
+                                        <p:attrNameLst>
+                                          <p:attrName>style.visibility</p:attrName>
+                                        </p:attrNameLst>
+                                      </p:cBhvr>
+                                      <p:to>
+                                        <p:strVal val="visible"/>
+                                      </p:to>
+                                    </p:set>
+                                  </p:childTnLst>
+                                </p:cTn>
+                              </p:par>
+                            </p:childTnLst>
+                          </p:cTn>
+                        </p:par>
+                      </p:childTnLst>
+                    </p:cTn>
+                  </p:par>
+                  <p:par>
+                    <p:cTn id="23" fill="hold">
+                      <p:stCondLst>
+                        <p:cond delay="indefinite"/>
+                      </p:stCondLst>
+                      <p:childTnLst>
+                        <p:par>
+                          <p:cTn id="24" fill="hold">
+                            <p:stCondLst>
+                              <p:cond delay="0"/>
+                            </p:stCondLst>
+                            <p:childTnLst>
+                              <p:par>
+                                <p:cTn id="25" presetID="1" presetClass="entr" presetSubtype="0" fill="hold" grpId="0" nodeType="clickEffect">
+                                  <p:stCondLst>
+                                    <p:cond delay="0"/>
+                                  </p:stCondLst>
+                                  <p:childTnLst>
+                                    <p:set>
+                                      <p:cBhvr>
+                                        <p:cTn id="26" dur="1" fill="hold">
+                                          <p:stCondLst>
+                                            <p:cond delay="0"/>
+                                          </p:stCondLst>
+                                        </p:cTn>
+                                        <p:tgtEl>
+                                          <p:spTgt spid="3">
+                                            <p:txEl>
+                                              <p:pRg st="5" end="5"/>
+                                            </p:txEl>
+                                          </p:spTgt>
+                                        </p:tgtEl>
+                                        <p:attrNameLst>
+                                          <p:attrName>style.visibility</p:attrName>
+                                        </p:attrNameLst>
+                                      </p:cBhvr>
+                                      <p:to>
+                                        <p:strVal val="visible"/>
+                                      </p:to>
+                                    </p:set>
+                                  </p:childTnLst>
+                                </p:cTn>
+                              </p:par>
+                            </p:childTnLst>
+                          </p:cTn>
+                        </p:par>
+                      </p:childTnLst>
+                    </p:cTn>
+                  </p:par>
+                  <p:par>
+                    <p:cTn id="27" fill="hold">
+                      <p:stCondLst>
+                        <p:cond delay="indefinite"/>
+                      </p:stCondLst>
+                      <p:childTnLst>
+                        <p:par>
+                          <p:cTn id="28" fill="hold">
+                            <p:stCondLst>
+                              <p:cond delay="0"/>
+                            </p:stCondLst>
+                            <p:childTnLst>
+                              <p:par>
+                                <p:cTn id="29" presetID="1" presetClass="entr" presetSubtype="0" fill="hold" grpId="0" nodeType="clickEffect">
+                                  <p:stCondLst>
+                                    <p:cond delay="0"/>
+                                  </p:stCondLst>
+                                  <p:childTnLst>
+                                    <p:set>
+                                      <p:cBhvr>
+                                        <p:cTn id="30" dur="1" fill="hold">
+                                          <p:stCondLst>
+                                            <p:cond delay="0"/>
+                                          </p:stCondLst>
+                                        </p:cTn>
+                                        <p:tgtEl>
+                                          <p:spTgt spid="3">
+                                            <p:txEl>
+                                              <p:pRg st="6" end="6"/>
+                                            </p:txEl>
+                                          </p:spTgt>
+                                        </p:tgtEl>
+                                        <p:attrNameLst>
+                                          <p:attrName>style.visibility</p:attrName>
+                                        </p:attrNameLst>
+                                      </p:cBhvr>
+                                      <p:to>
+                                        <p:strVal val="visible"/>
+                                      </p:to>
+                                    </p:set>
+                                  </p:childTnLst>
+                                </p:cTn>
+                              </p:par>
+                            </p:childTnLst>
+                          </p:cTn>
+                        </p:par>
+                      </p:childTnLst>
+                    </p:cTn>
+                  </p:par>
+                  <p:par>
+                    <p:cTn id="31" fill="hold">
+                      <p:stCondLst>
+                        <p:cond delay="indefinite"/>
+                      </p:stCondLst>
+                      <p:childTnLst>
+                        <p:par>
+                          <p:cTn id="32" fill="hold">
+                            <p:stCondLst>
+                              <p:cond delay="0"/>
+                            </p:stCondLst>
+                            <p:childTnLst>
+                              <p:par>
+                                <p:cTn id="33" presetID="1" presetClass="entr" presetSubtype="0" fill="hold" grpId="0" nodeType="clickEffect">
+                                  <p:stCondLst>
+                                    <p:cond delay="0"/>
+                                  </p:stCondLst>
+                                  <p:childTnLst>
+                                    <p:set>
+                                      <p:cBhvr>
+                                        <p:cTn id="34" dur="1" fill="hold">
+                                          <p:stCondLst>
+                                            <p:cond delay="0"/>
+                                          </p:stCondLst>
+                                        </p:cTn>
+                                        <p:tgtEl>
+                                          <p:spTgt spid="3">
+                                            <p:txEl>
+                                              <p:pRg st="7" end="7"/>
+                                            </p:txEl>
+                                          </p:spTgt>
+                                        </p:tgtEl>
+                                        <p:attrNameLst>
+                                          <p:attrName>style.visibility</p:attrName>
+                                        </p:attrNameLst>
+                                      </p:cBhvr>
+                                      <p:to>
+                                        <p:strVal val="visible"/>
+                                      </p:to>
+                                    </p:set>
+                                  </p:childTnLst>
+                                </p:cTn>
+                              </p:par>
+                            </p:childTnLst>
+                          </p:cTn>
+                        </p:par>
+                      </p:childTnLst>
+                    </p:cTn>
+                  </p:par>
+                  <p:par>
+                    <p:cTn id="35" fill="hold">
+                      <p:stCondLst>
+                        <p:cond delay="indefinite"/>
+                      </p:stCondLst>
+                      <p:childTnLst>
+                        <p:par>
+                          <p:cTn id="36" fill="hold">
+                            <p:stCondLst>
+                              <p:cond delay="0"/>
+                            </p:stCondLst>
+                            <p:childTnLst>
+                              <p:par>
+                                <p:cTn id="37" presetID="1" presetClass="entr" presetSubtype="0" fill="hold" grpId="0" nodeType="clickEffect">
+                                  <p:stCondLst>
+                                    <p:cond delay="0"/>
+                                  </p:stCondLst>
+                                  <p:childTnLst>
+                                    <p:set>
+                                      <p:cBhvr>
+                                        <p:cTn id="38" dur="1" fill="hold">
+                                          <p:stCondLst>
+                                            <p:cond delay="0"/>
+                                          </p:stCondLst>
+                                        </p:cTn>
+                                        <p:tgtEl>
+                                          <p:spTgt spid="3">
+                                            <p:txEl>
+                                              <p:pRg st="8" end="8"/>
+                                            </p:txEl>
+                                          </p:spTgt>
+                                        </p:tgtEl>
+                                        <p:attrNameLst>
+                                          <p:attrName>style.visibility</p:attrName>
+                                        </p:attrNameLst>
+                                      </p:cBhvr>
+                                      <p:to>
+                                        <p:strVal val="visible"/>
+                                      </p:to>
+                                    </p:set>
+                                  </p:childTnLst>
+                                </p:cTn>
+                              </p:par>
+                            </p:childTnLst>
+                          </p:cTn>
+                        </p:par>
+                      </p:childTnLst>
+                    </p:cTn>
+                  </p:par>
+                  <p:par>
+                    <p:cTn id="39" fill="hold">
+                      <p:stCondLst>
+                        <p:cond delay="indefinite"/>
+                      </p:stCondLst>
+                      <p:childTnLst>
+                        <p:par>
+                          <p:cTn id="40" fill="hold">
+                            <p:stCondLst>
+                              <p:cond delay="0"/>
+                            </p:stCondLst>
+                            <p:childTnLst>
+                              <p:par>
+                                <p:cTn id="41" presetID="1" presetClass="entr" presetSubtype="0" fill="hold" grpId="0" nodeType="clickEffect">
+                                  <p:stCondLst>
+                                    <p:cond delay="0"/>
+                                  </p:stCondLst>
+                                  <p:childTnLst>
+                                    <p:set>
+                                      <p:cBhvr>
+                                        <p:cTn id="42" dur="1" fill="hold">
+                                          <p:stCondLst>
+                                            <p:cond delay="0"/>
+                                          </p:stCondLst>
+                                        </p:cTn>
+                                        <p:tgtEl>
+                                          <p:spTgt spid="3">
+                                            <p:txEl>
+                                              <p:pRg st="9" end="9"/>
+                                            </p:txEl>
+                                          </p:spTgt>
+                                        </p:tgtEl>
+                                        <p:attrNameLst>
+                                          <p:attrName>style.visibility</p:attrName>
+                                        </p:attrNameLst>
+                                      </p:cBhvr>
+                                      <p:to>
+                                        <p:strVal val="visible"/>
+                                      </p:to>
+                                    </p:set>
+                                  </p:childTnLst>
+                                </p:cTn>
+                              </p:par>
+                            </p:childTnLst>
+                          </p:cTn>
+                        </p:par>
+                      </p:childTnLst>
+                    </p:cTn>
+                  </p:par>
+                </p:childTnLst>
+              </p:cTn>
+              <p:prevCondLst>
+                <p:cond evt="onPrev" delay="0">
+                  <p:tgtEl>
+                    <p:sldTgt/>
+                  </p:tgtEl>
+                </p:cond>
+              </p:prevCondLst>
+              <p:nextCondLst>
+                <p:cond evt="onNext" delay="0">
+                  <p:tgtEl>
+                    <p:sldTgt/>
+                  </p:tgtEl>
+                </p:cond>
+              </p:nextCondLst>
+            </p:seq>
+          </p:childTnLst>
+        </p:cTn>
+      </p:par>
+    </p:tnLst>
+    <p:bldLst>
+      <p:bldP spid="3" grpId="0" build="p"/>
+    </p:bldLst>
+  </p:timing>
+</p:sld>
+</file>
+
+<file path=ppt/slides/slide11.xml><?xml version="1.0" encoding="utf-8"?>
+<p:sld xmlns:a="http://schemas.openxmlformats.org/drawingml/2006/main" xmlns:r="http://schemas.openxmlformats.org/officeDocument/2006/relationships" xmlns:p="http://schemas.openxmlformats.org/presentationml/2006/main">
+  <p:cSld>
+    <p:spTree>
+      <p:nvGrpSpPr>
+        <p:cNvPr id="1" name=""/>
+        <p:cNvGrpSpPr/>
+        <p:nvPr/>
+      </p:nvGrpSpPr>
+      <p:grpSpPr>
+        <a:xfrm>
+          <a:off x="0" y="0"/>
+          <a:ext cx="0" cy="0"/>
+          <a:chOff x="0" y="0"/>
+          <a:chExt cx="0" cy="0"/>
+        </a:xfrm>
+      </p:grpSpPr>
+      <p:sp>
+        <p:nvSpPr>
+          <p:cNvPr id="2" name="Title 1"/>
+          <p:cNvSpPr>
+            <a:spLocks noGrp="1"/>
+          </p:cNvSpPr>
+          <p:nvPr>
+            <p:ph type="title"/>
+          </p:nvPr>
+        </p:nvSpPr>
+        <p:spPr/>
+        <p:txBody>
           <a:bodyPr/>
           <a:lstStyle/>
           <a:p>
@@ -6562,6 +9100,1653 @@
 </file>
 
 <file path=ppt/slides/slide4.xml><?xml version="1.0" encoding="utf-8"?>
+<p:sld xmlns:a="http://schemas.openxmlformats.org/drawingml/2006/main" xmlns:r="http://schemas.openxmlformats.org/officeDocument/2006/relationships" xmlns:p="http://schemas.openxmlformats.org/presentationml/2006/main">
+  <p:cSld>
+    <p:spTree>
+      <p:nvGrpSpPr>
+        <p:cNvPr id="1" name=""/>
+        <p:cNvGrpSpPr/>
+        <p:nvPr/>
+      </p:nvGrpSpPr>
+      <p:grpSpPr>
+        <a:xfrm>
+          <a:off x="0" y="0"/>
+          <a:ext cx="0" cy="0"/>
+          <a:chOff x="0" y="0"/>
+          <a:chExt cx="0" cy="0"/>
+        </a:xfrm>
+      </p:grpSpPr>
+      <mc:AlternateContent xmlns:mc="http://schemas.openxmlformats.org/markup-compatibility/2006" xmlns:a14="http://schemas.microsoft.com/office/drawing/2010/main">
+        <mc:Choice Requires="a14">
+          <p:sp>
+            <p:nvSpPr>
+              <p:cNvPr id="2" name="Title 1"/>
+              <p:cNvSpPr>
+                <a:spLocks noGrp="1"/>
+              </p:cNvSpPr>
+              <p:nvPr>
+                <p:ph type="title"/>
+              </p:nvPr>
+            </p:nvSpPr>
+            <p:spPr/>
+            <p:txBody>
+              <a:bodyPr/>
+              <a:lstStyle/>
+              <a:p>
+                <a14:m>
+                  <m:oMath xmlns:m="http://schemas.openxmlformats.org/officeDocument/2006/math">
+                    <m:sSub>
+                      <m:sSubPr>
+                        <m:ctrlPr>
+                          <a:rPr lang="en-US" b="0" i="1" smtClean="0">
+                            <a:solidFill>
+                              <a:srgbClr val="0070C0"/>
+                            </a:solidFill>
+                            <a:latin typeface="Cambria Math"/>
+                          </a:rPr>
+                        </m:ctrlPr>
+                      </m:sSubPr>
+                      <m:e>
+                        <m:r>
+                          <a:rPr lang="en-US" b="0" i="1" smtClean="0">
+                            <a:solidFill>
+                              <a:srgbClr val="0070C0"/>
+                            </a:solidFill>
+                            <a:latin typeface="Cambria Math"/>
+                          </a:rPr>
+                          <m:t>ℓ</m:t>
+                        </m:r>
+                      </m:e>
+                      <m:sub>
+                        <m:r>
+                          <a:rPr lang="en-US" b="0" i="1" smtClean="0">
+                            <a:solidFill>
+                              <a:srgbClr val="0070C0"/>
+                            </a:solidFill>
+                            <a:latin typeface="Cambria Math"/>
+                          </a:rPr>
+                          <m:t>0</m:t>
+                        </m:r>
+                      </m:sub>
+                    </m:sSub>
+                  </m:oMath>
+                </a14:m>
+                <a:r>
+                  <a:rPr lang="en-US" dirty="0" smtClean="0">
+                    <a:solidFill>
+                      <a:srgbClr val="0070C0"/>
+                    </a:solidFill>
+                  </a:rPr>
+                  <a:t>-sampling</a:t>
+                </a:r>
+                <a:endParaRPr lang="en-US" dirty="0">
+                  <a:solidFill>
+                    <a:srgbClr val="0070C0"/>
+                  </a:solidFill>
+                </a:endParaRPr>
+              </a:p>
+            </p:txBody>
+          </p:sp>
+        </mc:Choice>
+        <mc:Fallback xmlns="">
+          <p:sp>
+            <p:nvSpPr>
+              <p:cNvPr id="2" name="Title 1"/>
+              <p:cNvSpPr>
+                <a:spLocks noGrp="1" noRot="1" noChangeAspect="1" noMove="1" noResize="1" noEditPoints="1" noAdjustHandles="1" noChangeArrowheads="1" noChangeShapeType="1" noTextEdit="1"/>
+              </p:cNvSpPr>
+              <p:nvPr>
+                <p:ph type="title"/>
+              </p:nvPr>
+            </p:nvSpPr>
+            <p:spPr>
+              <a:blipFill rotWithShape="1">
+                <a:blip r:embed="rId2"/>
+                <a:stretch>
+                  <a:fillRect b="-8511"/>
+                </a:stretch>
+              </a:blipFill>
+            </p:spPr>
+            <p:txBody>
+              <a:bodyPr/>
+              <a:lstStyle/>
+              <a:p>
+                <a:r>
+                  <a:rPr lang="en-US">
+                    <a:noFill/>
+                  </a:rPr>
+                  <a:t> </a:t>
+                </a:r>
+              </a:p>
+            </p:txBody>
+          </p:sp>
+        </mc:Fallback>
+      </mc:AlternateContent>
+      <mc:AlternateContent xmlns:mc="http://schemas.openxmlformats.org/markup-compatibility/2006" xmlns:a14="http://schemas.microsoft.com/office/drawing/2010/main">
+        <mc:Choice Requires="a14">
+          <p:sp>
+            <p:nvSpPr>
+              <p:cNvPr id="3" name="Content Placeholder 2"/>
+              <p:cNvSpPr>
+                <a:spLocks noGrp="1"/>
+              </p:cNvSpPr>
+              <p:nvPr>
+                <p:ph idx="1"/>
+              </p:nvPr>
+            </p:nvSpPr>
+            <p:spPr>
+              <a:xfrm>
+                <a:off x="457200" y="1600200"/>
+                <a:ext cx="8229600" cy="5257800"/>
+              </a:xfrm>
+            </p:spPr>
+            <p:txBody>
+              <a:bodyPr>
+                <a:normAutofit fontScale="77500" lnSpcReduction="20000"/>
+              </a:bodyPr>
+              <a:lstStyle/>
+              <a:p>
+                <a:r>
+                  <a:rPr lang="en-US" dirty="0" smtClean="0"/>
+                  <a:t>Maintain </a:t>
+                </a:r>
+                <a14:m>
+                  <m:oMath xmlns:m="http://schemas.openxmlformats.org/officeDocument/2006/math">
+                    <m:acc>
+                      <m:accPr>
+                        <m:chr m:val="̃"/>
+                        <m:ctrlPr>
+                          <a:rPr lang="en-US" b="0" i="1" smtClean="0">
+                            <a:latin typeface="Cambria Math"/>
+                          </a:rPr>
+                        </m:ctrlPr>
+                      </m:accPr>
+                      <m:e>
+                        <m:sSub>
+                          <m:sSubPr>
+                            <m:ctrlPr>
+                              <a:rPr lang="en-US" b="0" i="1" smtClean="0">
+                                <a:latin typeface="Cambria Math"/>
+                              </a:rPr>
+                            </m:ctrlPr>
+                          </m:sSubPr>
+                          <m:e>
+                            <m:r>
+                              <a:rPr lang="en-US" b="0" i="1" smtClean="0">
+                                <a:latin typeface="Cambria Math"/>
+                              </a:rPr>
+                              <m:t>𝐹</m:t>
+                            </m:r>
+                          </m:e>
+                          <m:sub>
+                            <m:r>
+                              <a:rPr lang="en-US" b="0" i="1" smtClean="0">
+                                <a:latin typeface="Cambria Math"/>
+                              </a:rPr>
+                              <m:t>0</m:t>
+                            </m:r>
+                          </m:sub>
+                        </m:sSub>
+                      </m:e>
+                    </m:acc>
+                    <m:r>
+                      <a:rPr lang="en-US" b="0" i="0" dirty="0" smtClean="0">
+                        <a:latin typeface="Cambria Math"/>
+                      </a:rPr>
+                      <m:t>,</m:t>
+                    </m:r>
+                  </m:oMath>
+                </a14:m>
+                <a:r>
+                  <a:rPr lang="en-US" dirty="0" smtClean="0"/>
+                  <a:t> and </a:t>
+                </a:r>
+                <a14:m>
+                  <m:oMath xmlns:m="http://schemas.openxmlformats.org/officeDocument/2006/math">
+                    <m:d>
+                      <m:dPr>
+                        <m:ctrlPr>
+                          <a:rPr lang="en-US" b="0" i="1" smtClean="0">
+                            <a:latin typeface="Cambria Math"/>
+                          </a:rPr>
+                        </m:ctrlPr>
+                      </m:dPr>
+                      <m:e>
+                        <m:r>
+                          <a:rPr lang="en-US" b="0" i="1" smtClean="0">
+                            <a:latin typeface="Cambria Math"/>
+                          </a:rPr>
+                          <m:t>1±0.1</m:t>
+                        </m:r>
+                      </m:e>
+                    </m:d>
+                  </m:oMath>
+                </a14:m>
+                <a:r>
+                  <a:rPr lang="en-US" dirty="0" smtClean="0"/>
+                  <a:t>-approximation to </a:t>
+                </a:r>
+                <a14:m>
+                  <m:oMath xmlns:m="http://schemas.openxmlformats.org/officeDocument/2006/math">
+                    <m:sSub>
+                      <m:sSubPr>
+                        <m:ctrlPr>
+                          <a:rPr lang="en-US" b="0" i="1" smtClean="0">
+                            <a:latin typeface="Cambria Math"/>
+                          </a:rPr>
+                        </m:ctrlPr>
+                      </m:sSubPr>
+                      <m:e>
+                        <m:r>
+                          <a:rPr lang="en-US" b="0" i="1" smtClean="0">
+                            <a:latin typeface="Cambria Math"/>
+                          </a:rPr>
+                          <m:t>𝐹</m:t>
+                        </m:r>
+                      </m:e>
+                      <m:sub>
+                        <m:r>
+                          <a:rPr lang="en-US" b="0" i="1" smtClean="0">
+                            <a:latin typeface="Cambria Math"/>
+                          </a:rPr>
+                          <m:t>0</m:t>
+                        </m:r>
+                      </m:sub>
+                    </m:sSub>
+                    <m:r>
+                      <a:rPr lang="en-US" b="0" i="1" smtClean="0">
+                        <a:latin typeface="Cambria Math"/>
+                      </a:rPr>
+                      <m:t>.</m:t>
+                    </m:r>
+                  </m:oMath>
+                </a14:m>
+                <a:endParaRPr lang="en-US" dirty="0" smtClean="0"/>
+              </a:p>
+              <a:p>
+                <a:r>
+                  <a:rPr lang="en-US" dirty="0" smtClean="0"/>
+                  <a:t>Hash items using </a:t>
+                </a:r>
+                <a14:m>
+                  <m:oMath xmlns:m="http://schemas.openxmlformats.org/officeDocument/2006/math">
+                    <m:sSub>
+                      <m:sSubPr>
+                        <m:ctrlPr>
+                          <a:rPr lang="en-US" b="0" i="1" smtClean="0">
+                            <a:latin typeface="Cambria Math"/>
+                          </a:rPr>
+                        </m:ctrlPr>
+                      </m:sSubPr>
+                      <m:e>
+                        <m:r>
+                          <a:rPr lang="en-US" b="0" i="1" smtClean="0">
+                            <a:latin typeface="Cambria Math"/>
+                          </a:rPr>
+                          <m:t>h</m:t>
+                        </m:r>
+                      </m:e>
+                      <m:sub>
+                        <m:r>
+                          <a:rPr lang="en-US" b="0" i="1" smtClean="0">
+                            <a:latin typeface="Cambria Math"/>
+                          </a:rPr>
+                          <m:t>𝑗</m:t>
+                        </m:r>
+                      </m:sub>
+                    </m:sSub>
+                    <m:r>
+                      <a:rPr lang="en-US" b="0" i="1" smtClean="0">
+                        <a:latin typeface="Cambria Math"/>
+                      </a:rPr>
+                      <m:t>:</m:t>
+                    </m:r>
+                    <m:d>
+                      <m:dPr>
+                        <m:begChr m:val="["/>
+                        <m:endChr m:val="]"/>
+                        <m:ctrlPr>
+                          <a:rPr lang="en-US" b="0" i="1" smtClean="0">
+                            <a:latin typeface="Cambria Math"/>
+                          </a:rPr>
+                        </m:ctrlPr>
+                      </m:dPr>
+                      <m:e>
+                        <m:r>
+                          <a:rPr lang="en-US" b="0" i="1" smtClean="0">
+                            <a:latin typeface="Cambria Math"/>
+                          </a:rPr>
+                          <m:t>𝑛</m:t>
+                        </m:r>
+                      </m:e>
+                    </m:d>
+                    <m:r>
+                      <a:rPr lang="en-US" b="0" i="1" smtClean="0">
+                        <a:latin typeface="Cambria Math"/>
+                      </a:rPr>
+                      <m:t>→</m:t>
+                    </m:r>
+                    <m:d>
+                      <m:dPr>
+                        <m:begChr m:val="["/>
+                        <m:endChr m:val="]"/>
+                        <m:ctrlPr>
+                          <a:rPr lang="en-US" b="0" i="1" smtClean="0">
+                            <a:latin typeface="Cambria Math"/>
+                          </a:rPr>
+                        </m:ctrlPr>
+                      </m:dPr>
+                      <m:e>
+                        <m:sSup>
+                          <m:sSupPr>
+                            <m:ctrlPr>
+                              <a:rPr lang="en-US" b="0" i="1" smtClean="0">
+                                <a:latin typeface="Cambria Math"/>
+                              </a:rPr>
+                            </m:ctrlPr>
+                          </m:sSupPr>
+                          <m:e>
+                            <m:r>
+                              <a:rPr lang="en-US" b="0" i="1" smtClean="0">
+                                <a:latin typeface="Cambria Math"/>
+                              </a:rPr>
+                              <m:t>0,2</m:t>
+                            </m:r>
+                          </m:e>
+                          <m:sup>
+                            <m:r>
+                              <a:rPr lang="en-US" b="0" i="1" smtClean="0">
+                                <a:latin typeface="Cambria Math"/>
+                              </a:rPr>
+                              <m:t>𝑗</m:t>
+                            </m:r>
+                          </m:sup>
+                        </m:sSup>
+                        <m:r>
+                          <a:rPr lang="en-US" b="0" i="1" smtClean="0">
+                            <a:latin typeface="Cambria Math"/>
+                          </a:rPr>
+                          <m:t>−1</m:t>
+                        </m:r>
+                      </m:e>
+                    </m:d>
+                  </m:oMath>
+                </a14:m>
+                <a:r>
+                  <a:rPr lang="en-US" dirty="0" smtClean="0"/>
+                  <a:t> for </a:t>
+                </a:r>
+                <a14:m>
+                  <m:oMath xmlns:m="http://schemas.openxmlformats.org/officeDocument/2006/math">
+                    <m:r>
+                      <a:rPr lang="en-US" b="0" i="1" smtClean="0">
+                        <a:latin typeface="Cambria Math"/>
+                      </a:rPr>
+                      <m:t>𝑗</m:t>
+                    </m:r>
+                    <m:r>
+                      <a:rPr lang="en-US" b="0" i="1" smtClean="0">
+                        <a:latin typeface="Cambria Math"/>
+                      </a:rPr>
+                      <m:t>∈</m:t>
+                    </m:r>
+                    <m:d>
+                      <m:dPr>
+                        <m:begChr m:val="["/>
+                        <m:endChr m:val="]"/>
+                        <m:ctrlPr>
+                          <a:rPr lang="en-US" b="0" i="1" smtClean="0">
+                            <a:latin typeface="Cambria Math"/>
+                          </a:rPr>
+                        </m:ctrlPr>
+                      </m:dPr>
+                      <m:e>
+                        <m:func>
+                          <m:funcPr>
+                            <m:ctrlPr>
+                              <a:rPr lang="en-US" b="0" i="1" smtClean="0">
+                                <a:latin typeface="Cambria Math"/>
+                              </a:rPr>
+                            </m:ctrlPr>
+                          </m:funcPr>
+                          <m:fName>
+                            <m:r>
+                              <m:rPr>
+                                <m:sty m:val="p"/>
+                              </m:rPr>
+                              <a:rPr lang="en-US" b="0" i="0" smtClean="0">
+                                <a:latin typeface="Cambria Math"/>
+                              </a:rPr>
+                              <m:t>log</m:t>
+                            </m:r>
+                          </m:fName>
+                          <m:e>
+                            <m:r>
+                              <a:rPr lang="en-US" b="0" i="1" smtClean="0">
+                                <a:latin typeface="Cambria Math"/>
+                              </a:rPr>
+                              <m:t>𝑛</m:t>
+                            </m:r>
+                          </m:e>
+                        </m:func>
+                      </m:e>
+                    </m:d>
+                  </m:oMath>
+                </a14:m>
+                <a:endParaRPr lang="en-US" b="0" dirty="0" smtClean="0"/>
+              </a:p>
+              <a:p>
+                <a:r>
+                  <a:rPr lang="en-US" dirty="0" smtClean="0"/>
+                  <a:t>For each </a:t>
+                </a:r>
+                <a14:m>
+                  <m:oMath xmlns:m="http://schemas.openxmlformats.org/officeDocument/2006/math">
+                    <m:r>
+                      <a:rPr lang="en-US" b="0" i="1" smtClean="0">
+                        <a:latin typeface="Cambria Math"/>
+                      </a:rPr>
+                      <m:t>𝑗</m:t>
+                    </m:r>
+                  </m:oMath>
+                </a14:m>
+                <a:r>
+                  <a:rPr lang="en-US" dirty="0" smtClean="0"/>
+                  <a:t>, maintain:</a:t>
+                </a:r>
+              </a:p>
+              <a:p>
+                <a:pPr marL="0" indent="0" algn="ctr">
+                  <a:buNone/>
+                </a:pPr>
+                <a14:m>
+                  <m:oMathPara xmlns:m="http://schemas.openxmlformats.org/officeDocument/2006/math">
+                    <m:oMathParaPr>
+                      <m:jc m:val="centerGroup"/>
+                    </m:oMathParaPr>
+                    <m:oMath xmlns:m="http://schemas.openxmlformats.org/officeDocument/2006/math">
+                      <m:sSub>
+                        <m:sSubPr>
+                          <m:ctrlPr>
+                            <a:rPr lang="en-US" b="0" i="1" smtClean="0">
+                              <a:latin typeface="Cambria Math"/>
+                            </a:rPr>
+                          </m:ctrlPr>
+                        </m:sSubPr>
+                        <m:e>
+                          <m:r>
+                            <a:rPr lang="en-US" b="0" i="1" smtClean="0">
+                              <a:latin typeface="Cambria Math"/>
+                            </a:rPr>
+                            <m:t>𝐷</m:t>
+                          </m:r>
+                        </m:e>
+                        <m:sub>
+                          <m:r>
+                            <a:rPr lang="en-US" b="0" i="1" smtClean="0">
+                              <a:latin typeface="Cambria Math"/>
+                            </a:rPr>
+                            <m:t>𝑗</m:t>
+                          </m:r>
+                        </m:sub>
+                      </m:sSub>
+                      <m:r>
+                        <a:rPr lang="en-US" b="0" i="1" smtClean="0">
+                          <a:latin typeface="Cambria Math"/>
+                        </a:rPr>
+                        <m:t>=</m:t>
+                      </m:r>
+                      <m:d>
+                        <m:dPr>
+                          <m:ctrlPr>
+                            <a:rPr lang="en-US" b="0" i="1" smtClean="0">
+                              <a:latin typeface="Cambria Math"/>
+                            </a:rPr>
+                          </m:ctrlPr>
+                        </m:dPr>
+                        <m:e>
+                          <m:r>
+                            <a:rPr lang="en-US" b="0" i="1" smtClean="0">
+                              <a:latin typeface="Cambria Math"/>
+                            </a:rPr>
+                            <m:t>1±0.1</m:t>
+                          </m:r>
+                        </m:e>
+                      </m:d>
+                      <m:r>
+                        <a:rPr lang="en-US" b="0" i="1" smtClean="0">
+                          <a:latin typeface="Cambria Math"/>
+                        </a:rPr>
+                        <m:t>|{</m:t>
+                      </m:r>
+                      <m:r>
+                        <a:rPr lang="en-US" b="0" i="1" smtClean="0">
+                          <a:latin typeface="Cambria Math"/>
+                        </a:rPr>
+                        <m:t>𝑡</m:t>
+                      </m:r>
+                      <m:r>
+                        <a:rPr lang="en-US" b="0" i="1" smtClean="0">
+                          <a:latin typeface="Cambria Math"/>
+                        </a:rPr>
+                        <m:t>|</m:t>
+                      </m:r>
+                      <m:sSub>
+                        <m:sSubPr>
+                          <m:ctrlPr>
+                            <a:rPr lang="en-US" b="0" i="1" smtClean="0">
+                              <a:latin typeface="Cambria Math"/>
+                            </a:rPr>
+                          </m:ctrlPr>
+                        </m:sSubPr>
+                        <m:e>
+                          <m:r>
+                            <a:rPr lang="en-US" b="0" i="1" smtClean="0">
+                              <a:latin typeface="Cambria Math"/>
+                            </a:rPr>
+                            <m:t>h</m:t>
+                          </m:r>
+                        </m:e>
+                        <m:sub>
+                          <m:r>
+                            <a:rPr lang="en-US" b="0" i="1" smtClean="0">
+                              <a:latin typeface="Cambria Math"/>
+                            </a:rPr>
+                            <m:t>𝑗</m:t>
+                          </m:r>
+                        </m:sub>
+                      </m:sSub>
+                      <m:d>
+                        <m:dPr>
+                          <m:ctrlPr>
+                            <a:rPr lang="en-US" b="0" i="1" smtClean="0">
+                              <a:latin typeface="Cambria Math"/>
+                            </a:rPr>
+                          </m:ctrlPr>
+                        </m:dPr>
+                        <m:e>
+                          <m:r>
+                            <a:rPr lang="en-US" b="0" i="1" smtClean="0">
+                              <a:latin typeface="Cambria Math"/>
+                            </a:rPr>
+                            <m:t>𝑡</m:t>
+                          </m:r>
+                        </m:e>
+                      </m:d>
+                      <m:r>
+                        <a:rPr lang="en-US" b="0" i="1" smtClean="0">
+                          <a:latin typeface="Cambria Math"/>
+                        </a:rPr>
+                        <m:t>=0}|</m:t>
+                      </m:r>
+                    </m:oMath>
+                  </m:oMathPara>
+                </a14:m>
+                <a:endParaRPr lang="en-US" dirty="0" smtClean="0"/>
+              </a:p>
+              <a:p>
+                <a:pPr marL="0" indent="0" algn="ctr">
+                  <a:buNone/>
+                </a:pPr>
+                <a14:m>
+                  <m:oMathPara xmlns:m="http://schemas.openxmlformats.org/officeDocument/2006/math">
+                    <m:oMathParaPr>
+                      <m:jc m:val="centerGroup"/>
+                    </m:oMathParaPr>
+                    <m:oMath xmlns:m="http://schemas.openxmlformats.org/officeDocument/2006/math">
+                      <m:sSub>
+                        <m:sSubPr>
+                          <m:ctrlPr>
+                            <a:rPr lang="en-US" b="0" i="1" smtClean="0">
+                              <a:latin typeface="Cambria Math"/>
+                            </a:rPr>
+                          </m:ctrlPr>
+                        </m:sSubPr>
+                        <m:e>
+                          <m:r>
+                            <a:rPr lang="en-US" b="0" i="1" smtClean="0">
+                              <a:latin typeface="Cambria Math"/>
+                            </a:rPr>
+                            <m:t>𝑆</m:t>
+                          </m:r>
+                        </m:e>
+                        <m:sub>
+                          <m:r>
+                            <a:rPr lang="en-US" b="0" i="1" smtClean="0">
+                              <a:latin typeface="Cambria Math"/>
+                            </a:rPr>
+                            <m:t>𝑗</m:t>
+                          </m:r>
+                        </m:sub>
+                      </m:sSub>
+                      <m:r>
+                        <a:rPr lang="en-US" b="0" i="1" smtClean="0">
+                          <a:latin typeface="Cambria Math"/>
+                        </a:rPr>
+                        <m:t>=</m:t>
+                      </m:r>
+                      <m:nary>
+                        <m:naryPr>
+                          <m:chr m:val="∑"/>
+                          <m:supHide m:val="on"/>
+                          <m:ctrlPr>
+                            <a:rPr lang="en-US" b="0" i="1" smtClean="0">
+                              <a:latin typeface="Cambria Math"/>
+                            </a:rPr>
+                          </m:ctrlPr>
+                        </m:naryPr>
+                        <m:sub>
+                          <m:r>
+                            <a:rPr lang="en-US" b="0" i="1" smtClean="0">
+                              <a:latin typeface="Cambria Math"/>
+                            </a:rPr>
+                            <m:t>𝑡</m:t>
+                          </m:r>
+                          <m:r>
+                            <a:rPr lang="en-US" b="0" i="1" smtClean="0">
+                              <a:latin typeface="Cambria Math"/>
+                            </a:rPr>
+                            <m:t>, </m:t>
+                          </m:r>
+                          <m:sSub>
+                            <m:sSubPr>
+                              <m:ctrlPr>
+                                <a:rPr lang="en-US" b="0" i="1" smtClean="0">
+                                  <a:latin typeface="Cambria Math"/>
+                                </a:rPr>
+                              </m:ctrlPr>
+                            </m:sSubPr>
+                            <m:e>
+                              <m:r>
+                                <a:rPr lang="en-US" b="0" i="1" smtClean="0">
+                                  <a:latin typeface="Cambria Math"/>
+                                </a:rPr>
+                                <m:t>h</m:t>
+                              </m:r>
+                            </m:e>
+                            <m:sub>
+                              <m:r>
+                                <a:rPr lang="en-US" b="0" i="1" smtClean="0">
+                                  <a:latin typeface="Cambria Math"/>
+                                </a:rPr>
+                                <m:t>𝑗</m:t>
+                              </m:r>
+                              <m:d>
+                                <m:dPr>
+                                  <m:ctrlPr>
+                                    <a:rPr lang="en-US" b="0" i="1" smtClean="0">
+                                      <a:latin typeface="Cambria Math"/>
+                                    </a:rPr>
+                                  </m:ctrlPr>
+                                </m:dPr>
+                                <m:e>
+                                  <m:r>
+                                    <a:rPr lang="en-US" b="0" i="1" smtClean="0">
+                                      <a:latin typeface="Cambria Math"/>
+                                    </a:rPr>
+                                    <m:t>𝑡</m:t>
+                                  </m:r>
+                                </m:e>
+                              </m:d>
+                            </m:sub>
+                          </m:sSub>
+                          <m:r>
+                            <a:rPr lang="en-US" b="0" i="1" smtClean="0">
+                              <a:latin typeface="Cambria Math"/>
+                            </a:rPr>
+                            <m:t>=0</m:t>
+                          </m:r>
+                        </m:sub>
+                        <m:sup/>
+                        <m:e>
+                          <m:sSub>
+                            <m:sSubPr>
+                              <m:ctrlPr>
+                                <a:rPr lang="en-US" b="0" i="1" smtClean="0">
+                                  <a:latin typeface="Cambria Math"/>
+                                </a:rPr>
+                              </m:ctrlPr>
+                            </m:sSubPr>
+                            <m:e>
+                              <m:r>
+                                <a:rPr lang="en-US" b="0" i="1" smtClean="0">
+                                  <a:latin typeface="Cambria Math"/>
+                                </a:rPr>
+                                <m:t>𝑓</m:t>
+                              </m:r>
+                            </m:e>
+                            <m:sub>
+                              <m:r>
+                                <a:rPr lang="en-US" b="0" i="1" smtClean="0">
+                                  <a:latin typeface="Cambria Math"/>
+                                </a:rPr>
+                                <m:t>𝑡</m:t>
+                              </m:r>
+                            </m:sub>
+                          </m:sSub>
+                          <m:sSub>
+                            <m:sSubPr>
+                              <m:ctrlPr>
+                                <a:rPr lang="en-US" b="0" i="1" smtClean="0">
+                                  <a:latin typeface="Cambria Math"/>
+                                </a:rPr>
+                              </m:ctrlPr>
+                            </m:sSubPr>
+                            <m:e>
+                              <m:r>
+                                <a:rPr lang="en-US" b="0" i="1" smtClean="0">
+                                  <a:latin typeface="Cambria Math"/>
+                                </a:rPr>
+                                <m:t>𝑖</m:t>
+                              </m:r>
+                            </m:e>
+                            <m:sub>
+                              <m:r>
+                                <a:rPr lang="en-US" b="0" i="1" smtClean="0">
+                                  <a:latin typeface="Cambria Math"/>
+                                </a:rPr>
+                                <m:t>𝑡</m:t>
+                              </m:r>
+                            </m:sub>
+                          </m:sSub>
+                        </m:e>
+                      </m:nary>
+                    </m:oMath>
+                  </m:oMathPara>
+                </a14:m>
+                <a:endParaRPr lang="en-US" dirty="0" smtClean="0"/>
+              </a:p>
+              <a:p>
+                <a:pPr marL="0" indent="0" algn="ctr">
+                  <a:buNone/>
+                </a:pPr>
+                <a14:m>
+                  <m:oMathPara xmlns:m="http://schemas.openxmlformats.org/officeDocument/2006/math">
+                    <m:oMathParaPr>
+                      <m:jc m:val="centerGroup"/>
+                    </m:oMathParaPr>
+                    <m:oMath xmlns:m="http://schemas.openxmlformats.org/officeDocument/2006/math">
+                      <m:sSub>
+                        <m:sSubPr>
+                          <m:ctrlPr>
+                            <a:rPr lang="en-US" b="0" i="1" smtClean="0">
+                              <a:latin typeface="Cambria Math"/>
+                            </a:rPr>
+                          </m:ctrlPr>
+                        </m:sSubPr>
+                        <m:e>
+                          <m:r>
+                            <a:rPr lang="en-US" b="0" i="1" smtClean="0">
+                              <a:latin typeface="Cambria Math"/>
+                            </a:rPr>
+                            <m:t>𝐶</m:t>
+                          </m:r>
+                        </m:e>
+                        <m:sub>
+                          <m:r>
+                            <a:rPr lang="en-US" b="0" i="1" smtClean="0">
+                              <a:latin typeface="Cambria Math"/>
+                            </a:rPr>
+                            <m:t>𝑗</m:t>
+                          </m:r>
+                        </m:sub>
+                      </m:sSub>
+                      <m:r>
+                        <a:rPr lang="en-US" b="0" i="1" smtClean="0">
+                          <a:latin typeface="Cambria Math"/>
+                        </a:rPr>
+                        <m:t>=</m:t>
+                      </m:r>
+                      <m:nary>
+                        <m:naryPr>
+                          <m:chr m:val="∑"/>
+                          <m:supHide m:val="on"/>
+                          <m:ctrlPr>
+                            <a:rPr lang="en-US" b="0" i="1" smtClean="0">
+                              <a:latin typeface="Cambria Math"/>
+                            </a:rPr>
+                          </m:ctrlPr>
+                        </m:naryPr>
+                        <m:sub>
+                          <m:r>
+                            <a:rPr lang="en-US" b="0" i="1" smtClean="0">
+                              <a:latin typeface="Cambria Math"/>
+                            </a:rPr>
+                            <m:t>𝑡</m:t>
+                          </m:r>
+                          <m:r>
+                            <a:rPr lang="en-US" b="0" i="1" smtClean="0">
+                              <a:latin typeface="Cambria Math"/>
+                            </a:rPr>
+                            <m:t>, </m:t>
+                          </m:r>
+                          <m:sSub>
+                            <m:sSubPr>
+                              <m:ctrlPr>
+                                <a:rPr lang="en-US" b="0" i="1" smtClean="0">
+                                  <a:latin typeface="Cambria Math"/>
+                                </a:rPr>
+                              </m:ctrlPr>
+                            </m:sSubPr>
+                            <m:e>
+                              <m:r>
+                                <a:rPr lang="en-US" b="0" i="1" smtClean="0">
+                                  <a:latin typeface="Cambria Math"/>
+                                </a:rPr>
+                                <m:t>h</m:t>
+                              </m:r>
+                            </m:e>
+                            <m:sub>
+                              <m:r>
+                                <a:rPr lang="en-US" b="0" i="1" smtClean="0">
+                                  <a:latin typeface="Cambria Math"/>
+                                </a:rPr>
+                                <m:t>𝑗</m:t>
+                              </m:r>
+                            </m:sub>
+                          </m:sSub>
+                          <m:d>
+                            <m:dPr>
+                              <m:ctrlPr>
+                                <a:rPr lang="en-US" b="0" i="1" smtClean="0">
+                                  <a:latin typeface="Cambria Math"/>
+                                </a:rPr>
+                              </m:ctrlPr>
+                            </m:dPr>
+                            <m:e>
+                              <m:r>
+                                <a:rPr lang="en-US" b="0" i="1" smtClean="0">
+                                  <a:latin typeface="Cambria Math"/>
+                                </a:rPr>
+                                <m:t>𝑡</m:t>
+                              </m:r>
+                            </m:e>
+                          </m:d>
+                          <m:r>
+                            <a:rPr lang="en-US" b="0" i="1" smtClean="0">
+                              <a:latin typeface="Cambria Math"/>
+                            </a:rPr>
+                            <m:t>=0</m:t>
+                          </m:r>
+                        </m:sub>
+                        <m:sup/>
+                        <m:e>
+                          <m:sSub>
+                            <m:sSubPr>
+                              <m:ctrlPr>
+                                <a:rPr lang="en-US" b="0" i="1" smtClean="0">
+                                  <a:latin typeface="Cambria Math"/>
+                                </a:rPr>
+                              </m:ctrlPr>
+                            </m:sSubPr>
+                            <m:e>
+                              <m:r>
+                                <a:rPr lang="en-US" b="0" i="1" smtClean="0">
+                                  <a:latin typeface="Cambria Math"/>
+                                </a:rPr>
+                                <m:t>𝑓</m:t>
+                              </m:r>
+                            </m:e>
+                            <m:sub>
+                              <m:r>
+                                <a:rPr lang="en-US" b="0" i="1" smtClean="0">
+                                  <a:latin typeface="Cambria Math"/>
+                                </a:rPr>
+                                <m:t>𝑡</m:t>
+                              </m:r>
+                            </m:sub>
+                          </m:sSub>
+                        </m:e>
+                      </m:nary>
+                      <m:r>
+                        <a:rPr lang="en-US" b="0" i="1" smtClean="0">
+                          <a:latin typeface="Cambria Math"/>
+                        </a:rPr>
+                        <m:t> </m:t>
+                      </m:r>
+                    </m:oMath>
+                  </m:oMathPara>
+                </a14:m>
+                <a:endParaRPr lang="en-US" b="0" dirty="0" smtClean="0"/>
+              </a:p>
+              <a:p>
+                <a:r>
+                  <a:rPr lang="en-US" dirty="0" smtClean="0">
+                    <a:solidFill>
+                      <a:srgbClr val="0070C0"/>
+                    </a:solidFill>
+                  </a:rPr>
+                  <a:t>Lemma</a:t>
+                </a:r>
+                <a:r>
+                  <a:rPr lang="en-US" dirty="0" smtClean="0"/>
+                  <a:t>: At level </a:t>
+                </a:r>
+                <a14:m>
+                  <m:oMath xmlns:m="http://schemas.openxmlformats.org/officeDocument/2006/math">
+                    <m:r>
+                      <a:rPr lang="en-US" b="0" i="1" smtClean="0">
+                        <a:latin typeface="Cambria Math"/>
+                      </a:rPr>
+                      <m:t>𝑗</m:t>
+                    </m:r>
+                    <m:r>
+                      <a:rPr lang="en-US" b="0" i="1" smtClean="0">
+                        <a:latin typeface="Cambria Math"/>
+                      </a:rPr>
+                      <m:t>=2+⌈</m:t>
+                    </m:r>
+                    <m:func>
+                      <m:funcPr>
+                        <m:ctrlPr>
+                          <a:rPr lang="en-US" b="0" i="1" smtClean="0">
+                            <a:latin typeface="Cambria Math"/>
+                          </a:rPr>
+                        </m:ctrlPr>
+                      </m:funcPr>
+                      <m:fName>
+                        <m:r>
+                          <m:rPr>
+                            <m:sty m:val="p"/>
+                          </m:rPr>
+                          <a:rPr lang="en-US" b="0" i="0" smtClean="0">
+                            <a:latin typeface="Cambria Math"/>
+                          </a:rPr>
+                          <m:t>log</m:t>
+                        </m:r>
+                      </m:fName>
+                      <m:e>
+                        <m:acc>
+                          <m:accPr>
+                            <m:chr m:val="̃"/>
+                            <m:ctrlPr>
+                              <a:rPr lang="en-US" b="0" i="1" smtClean="0">
+                                <a:latin typeface="Cambria Math"/>
+                              </a:rPr>
+                            </m:ctrlPr>
+                          </m:accPr>
+                          <m:e>
+                            <m:sSub>
+                              <m:sSubPr>
+                                <m:ctrlPr>
+                                  <a:rPr lang="en-US" b="0" i="1" smtClean="0">
+                                    <a:latin typeface="Cambria Math"/>
+                                  </a:rPr>
+                                </m:ctrlPr>
+                              </m:sSubPr>
+                              <m:e>
+                                <m:r>
+                                  <a:rPr lang="en-US" b="0" i="1" smtClean="0">
+                                    <a:latin typeface="Cambria Math"/>
+                                  </a:rPr>
+                                  <m:t>𝐹</m:t>
+                                </m:r>
+                              </m:e>
+                              <m:sub>
+                                <m:r>
+                                  <a:rPr lang="en-US" b="0" i="1" smtClean="0">
+                                    <a:latin typeface="Cambria Math"/>
+                                  </a:rPr>
+                                  <m:t>0</m:t>
+                                </m:r>
+                              </m:sub>
+                            </m:sSub>
+                          </m:e>
+                        </m:acc>
+                      </m:e>
+                    </m:func>
+                    <m:r>
+                      <a:rPr lang="en-US" b="0" i="1" smtClean="0">
+                        <a:latin typeface="Cambria Math"/>
+                      </a:rPr>
+                      <m:t>⌉</m:t>
+                    </m:r>
+                  </m:oMath>
+                </a14:m>
+                <a:r>
+                  <a:rPr lang="en-US" dirty="0" smtClean="0"/>
+                  <a:t> there is a unique element in the streams that maps to </a:t>
+                </a:r>
+                <a14:m>
+                  <m:oMath xmlns:m="http://schemas.openxmlformats.org/officeDocument/2006/math">
+                    <m:r>
+                      <a:rPr lang="en-US" b="0" i="1" smtClean="0">
+                        <a:latin typeface="Cambria Math"/>
+                      </a:rPr>
+                      <m:t>0</m:t>
+                    </m:r>
+                  </m:oMath>
+                </a14:m>
+                <a:r>
+                  <a:rPr lang="en-US" dirty="0" smtClean="0"/>
+                  <a:t> (with constant probability)</a:t>
+                </a:r>
+              </a:p>
+              <a:p>
+                <a:r>
+                  <a:rPr lang="en-US" dirty="0" smtClean="0"/>
+                  <a:t>Uniqueness is verified if </a:t>
+                </a:r>
+                <a14:m>
+                  <m:oMath xmlns:m="http://schemas.openxmlformats.org/officeDocument/2006/math">
+                    <m:sSub>
+                      <m:sSubPr>
+                        <m:ctrlPr>
+                          <a:rPr lang="en-US" b="0" i="1" smtClean="0">
+                            <a:latin typeface="Cambria Math"/>
+                          </a:rPr>
+                        </m:ctrlPr>
+                      </m:sSubPr>
+                      <m:e>
+                        <m:r>
+                          <a:rPr lang="en-US" b="0" i="1" smtClean="0">
+                            <a:latin typeface="Cambria Math"/>
+                          </a:rPr>
+                          <m:t>𝐷</m:t>
+                        </m:r>
+                      </m:e>
+                      <m:sub>
+                        <m:r>
+                          <a:rPr lang="en-US" b="0" i="1" smtClean="0">
+                            <a:latin typeface="Cambria Math"/>
+                          </a:rPr>
+                          <m:t>𝑗</m:t>
+                        </m:r>
+                      </m:sub>
+                    </m:sSub>
+                    <m:r>
+                      <a:rPr lang="en-US" b="0" i="1" smtClean="0">
+                        <a:latin typeface="Cambria Math"/>
+                      </a:rPr>
+                      <m:t>=1±0.1</m:t>
+                    </m:r>
+                  </m:oMath>
+                </a14:m>
+                <a:r>
+                  <a:rPr lang="en-US" dirty="0" smtClean="0"/>
+                  <a:t>. If so, then output </a:t>
+                </a:r>
+                <a14:m>
+                  <m:oMath xmlns:m="http://schemas.openxmlformats.org/officeDocument/2006/math">
+                    <m:sSub>
+                      <m:sSubPr>
+                        <m:ctrlPr>
+                          <a:rPr lang="en-US" b="0" i="1" smtClean="0">
+                            <a:latin typeface="Cambria Math"/>
+                          </a:rPr>
+                        </m:ctrlPr>
+                      </m:sSubPr>
+                      <m:e>
+                        <m:r>
+                          <a:rPr lang="en-US" b="0" i="1" smtClean="0">
+                            <a:latin typeface="Cambria Math"/>
+                          </a:rPr>
+                          <m:t>𝑆</m:t>
+                        </m:r>
+                      </m:e>
+                      <m:sub>
+                        <m:r>
+                          <a:rPr lang="en-US" b="0" i="1" smtClean="0">
+                            <a:latin typeface="Cambria Math"/>
+                          </a:rPr>
+                          <m:t>𝑗</m:t>
+                        </m:r>
+                      </m:sub>
+                    </m:sSub>
+                    <m:r>
+                      <a:rPr lang="en-US" b="0" i="1" smtClean="0">
+                        <a:latin typeface="Cambria Math"/>
+                      </a:rPr>
+                      <m:t>/</m:t>
+                    </m:r>
+                    <m:sSub>
+                      <m:sSubPr>
+                        <m:ctrlPr>
+                          <a:rPr lang="en-US" b="0" i="1" smtClean="0">
+                            <a:latin typeface="Cambria Math"/>
+                          </a:rPr>
+                        </m:ctrlPr>
+                      </m:sSubPr>
+                      <m:e>
+                        <m:r>
+                          <a:rPr lang="en-US" b="0" i="1" smtClean="0">
+                            <a:latin typeface="Cambria Math"/>
+                          </a:rPr>
+                          <m:t>𝐶</m:t>
+                        </m:r>
+                      </m:e>
+                      <m:sub>
+                        <m:r>
+                          <a:rPr lang="en-US" b="0" i="1" smtClean="0">
+                            <a:latin typeface="Cambria Math"/>
+                          </a:rPr>
+                          <m:t>𝑗</m:t>
+                        </m:r>
+                      </m:sub>
+                    </m:sSub>
+                  </m:oMath>
+                </a14:m>
+                <a:r>
+                  <a:rPr lang="en-US" dirty="0" smtClean="0"/>
+                  <a:t> as the index and </a:t>
+                </a:r>
+                <a14:m>
+                  <m:oMath xmlns:m="http://schemas.openxmlformats.org/officeDocument/2006/math">
+                    <m:sSub>
+                      <m:sSubPr>
+                        <m:ctrlPr>
+                          <a:rPr lang="en-US" b="0" i="1" smtClean="0">
+                            <a:latin typeface="Cambria Math"/>
+                          </a:rPr>
+                        </m:ctrlPr>
+                      </m:sSubPr>
+                      <m:e>
+                        <m:r>
+                          <a:rPr lang="en-US" b="0" i="1" smtClean="0">
+                            <a:latin typeface="Cambria Math"/>
+                          </a:rPr>
+                          <m:t>𝐶</m:t>
+                        </m:r>
+                      </m:e>
+                      <m:sub>
+                        <m:r>
+                          <a:rPr lang="en-US" b="0" i="1" smtClean="0">
+                            <a:latin typeface="Cambria Math"/>
+                          </a:rPr>
+                          <m:t>𝑗</m:t>
+                        </m:r>
+                      </m:sub>
+                    </m:sSub>
+                  </m:oMath>
+                </a14:m>
+                <a:r>
+                  <a:rPr lang="en-US" dirty="0" smtClean="0"/>
+                  <a:t> as the count.</a:t>
+                </a:r>
+              </a:p>
+              <a:p>
+                <a:endParaRPr lang="en-US" dirty="0" smtClean="0"/>
+              </a:p>
+            </p:txBody>
+          </p:sp>
+        </mc:Choice>
+        <mc:Fallback xmlns="">
+          <p:sp>
+            <p:nvSpPr>
+              <p:cNvPr id="3" name="Content Placeholder 2"/>
+              <p:cNvSpPr>
+                <a:spLocks noGrp="1" noRot="1" noChangeAspect="1" noMove="1" noResize="1" noEditPoints="1" noAdjustHandles="1" noChangeArrowheads="1" noChangeShapeType="1" noTextEdit="1"/>
+              </p:cNvSpPr>
+              <p:nvPr>
+                <p:ph idx="1"/>
+              </p:nvPr>
+            </p:nvSpPr>
+            <p:spPr>
+              <a:xfrm>
+                <a:off x="457200" y="1600200"/>
+                <a:ext cx="8229600" cy="5257800"/>
+              </a:xfrm>
+              <a:blipFill rotWithShape="1">
+                <a:blip r:embed="rId3"/>
+                <a:stretch>
+                  <a:fillRect l="-1037" t="-1972" r="-667"/>
+                </a:stretch>
+              </a:blipFill>
+            </p:spPr>
+            <p:txBody>
+              <a:bodyPr/>
+              <a:lstStyle/>
+              <a:p>
+                <a:r>
+                  <a:rPr lang="en-US">
+                    <a:noFill/>
+                  </a:rPr>
+                  <a:t> </a:t>
+                </a:r>
+              </a:p>
+            </p:txBody>
+          </p:sp>
+        </mc:Fallback>
+      </mc:AlternateContent>
+    </p:spTree>
+    <p:extLst>
+      <p:ext uri="{BB962C8B-B14F-4D97-AF65-F5344CB8AC3E}">
+        <p14:creationId xmlns:p14="http://schemas.microsoft.com/office/powerpoint/2010/main" val="3360430450"/>
+      </p:ext>
+    </p:extLst>
+  </p:cSld>
+  <p:clrMapOvr>
+    <a:masterClrMapping/>
+  </p:clrMapOvr>
+  <p:timing>
+    <p:tnLst>
+      <p:par>
+        <p:cTn id="1" dur="indefinite" restart="never" nodeType="tmRoot">
+          <p:childTnLst>
+            <p:seq concurrent="1" nextAc="seek">
+              <p:cTn id="2" dur="indefinite" nodeType="mainSeq">
+                <p:childTnLst>
+                  <p:par>
+                    <p:cTn id="3" fill="hold">
+                      <p:stCondLst>
+                        <p:cond delay="indefinite"/>
+                      </p:stCondLst>
+                      <p:childTnLst>
+                        <p:par>
+                          <p:cTn id="4" fill="hold">
+                            <p:stCondLst>
+                              <p:cond delay="0"/>
+                            </p:stCondLst>
+                            <p:childTnLst>
+                              <p:par>
+                                <p:cTn id="5" presetID="1" presetClass="entr" presetSubtype="0" fill="hold" grpId="0" nodeType="clickEffect">
+                                  <p:stCondLst>
+                                    <p:cond delay="0"/>
+                                  </p:stCondLst>
+                                  <p:childTnLst>
+                                    <p:set>
+                                      <p:cBhvr>
+                                        <p:cTn id="6" dur="1" fill="hold">
+                                          <p:stCondLst>
+                                            <p:cond delay="0"/>
+                                          </p:stCondLst>
+                                        </p:cTn>
+                                        <p:tgtEl>
+                                          <p:spTgt spid="3">
+                                            <p:txEl>
+                                              <p:pRg st="0" end="0"/>
+                                            </p:txEl>
+                                          </p:spTgt>
+                                        </p:tgtEl>
+                                        <p:attrNameLst>
+                                          <p:attrName>style.visibility</p:attrName>
+                                        </p:attrNameLst>
+                                      </p:cBhvr>
+                                      <p:to>
+                                        <p:strVal val="visible"/>
+                                      </p:to>
+                                    </p:set>
+                                  </p:childTnLst>
+                                </p:cTn>
+                              </p:par>
+                            </p:childTnLst>
+                          </p:cTn>
+                        </p:par>
+                      </p:childTnLst>
+                    </p:cTn>
+                  </p:par>
+                  <p:par>
+                    <p:cTn id="7" fill="hold">
+                      <p:stCondLst>
+                        <p:cond delay="indefinite"/>
+                      </p:stCondLst>
+                      <p:childTnLst>
+                        <p:par>
+                          <p:cTn id="8" fill="hold">
+                            <p:stCondLst>
+                              <p:cond delay="0"/>
+                            </p:stCondLst>
+                            <p:childTnLst>
+                              <p:par>
+                                <p:cTn id="9" presetID="1" presetClass="entr" presetSubtype="0" fill="hold" grpId="0" nodeType="clickEffect">
+                                  <p:stCondLst>
+                                    <p:cond delay="0"/>
+                                  </p:stCondLst>
+                                  <p:childTnLst>
+                                    <p:set>
+                                      <p:cBhvr>
+                                        <p:cTn id="10" dur="1" fill="hold">
+                                          <p:stCondLst>
+                                            <p:cond delay="0"/>
+                                          </p:stCondLst>
+                                        </p:cTn>
+                                        <p:tgtEl>
+                                          <p:spTgt spid="3">
+                                            <p:txEl>
+                                              <p:pRg st="1" end="1"/>
+                                            </p:txEl>
+                                          </p:spTgt>
+                                        </p:tgtEl>
+                                        <p:attrNameLst>
+                                          <p:attrName>style.visibility</p:attrName>
+                                        </p:attrNameLst>
+                                      </p:cBhvr>
+                                      <p:to>
+                                        <p:strVal val="visible"/>
+                                      </p:to>
+                                    </p:set>
+                                  </p:childTnLst>
+                                </p:cTn>
+                              </p:par>
+                            </p:childTnLst>
+                          </p:cTn>
+                        </p:par>
+                      </p:childTnLst>
+                    </p:cTn>
+                  </p:par>
+                  <p:par>
+                    <p:cTn id="11" fill="hold">
+                      <p:stCondLst>
+                        <p:cond delay="indefinite"/>
+                      </p:stCondLst>
+                      <p:childTnLst>
+                        <p:par>
+                          <p:cTn id="12" fill="hold">
+                            <p:stCondLst>
+                              <p:cond delay="0"/>
+                            </p:stCondLst>
+                            <p:childTnLst>
+                              <p:par>
+                                <p:cTn id="13" presetID="1" presetClass="entr" presetSubtype="0" fill="hold" grpId="0" nodeType="clickEffect">
+                                  <p:stCondLst>
+                                    <p:cond delay="0"/>
+                                  </p:stCondLst>
+                                  <p:childTnLst>
+                                    <p:set>
+                                      <p:cBhvr>
+                                        <p:cTn id="14" dur="1" fill="hold">
+                                          <p:stCondLst>
+                                            <p:cond delay="0"/>
+                                          </p:stCondLst>
+                                        </p:cTn>
+                                        <p:tgtEl>
+                                          <p:spTgt spid="3">
+                                            <p:txEl>
+                                              <p:pRg st="2" end="2"/>
+                                            </p:txEl>
+                                          </p:spTgt>
+                                        </p:tgtEl>
+                                        <p:attrNameLst>
+                                          <p:attrName>style.visibility</p:attrName>
+                                        </p:attrNameLst>
+                                      </p:cBhvr>
+                                      <p:to>
+                                        <p:strVal val="visible"/>
+                                      </p:to>
+                                    </p:set>
+                                  </p:childTnLst>
+                                </p:cTn>
+                              </p:par>
+                            </p:childTnLst>
+                          </p:cTn>
+                        </p:par>
+                      </p:childTnLst>
+                    </p:cTn>
+                  </p:par>
+                  <p:par>
+                    <p:cTn id="15" fill="hold">
+                      <p:stCondLst>
+                        <p:cond delay="indefinite"/>
+                      </p:stCondLst>
+                      <p:childTnLst>
+                        <p:par>
+                          <p:cTn id="16" fill="hold">
+                            <p:stCondLst>
+                              <p:cond delay="0"/>
+                            </p:stCondLst>
+                            <p:childTnLst>
+                              <p:par>
+                                <p:cTn id="17" presetID="1" presetClass="entr" presetSubtype="0" fill="hold" grpId="0" nodeType="clickEffect">
+                                  <p:stCondLst>
+                                    <p:cond delay="0"/>
+                                  </p:stCondLst>
+                                  <p:childTnLst>
+                                    <p:set>
+                                      <p:cBhvr>
+                                        <p:cTn id="18" dur="1" fill="hold">
+                                          <p:stCondLst>
+                                            <p:cond delay="0"/>
+                                          </p:stCondLst>
+                                        </p:cTn>
+                                        <p:tgtEl>
+                                          <p:spTgt spid="3">
+                                            <p:txEl>
+                                              <p:pRg st="3" end="3"/>
+                                            </p:txEl>
+                                          </p:spTgt>
+                                        </p:tgtEl>
+                                        <p:attrNameLst>
+                                          <p:attrName>style.visibility</p:attrName>
+                                        </p:attrNameLst>
+                                      </p:cBhvr>
+                                      <p:to>
+                                        <p:strVal val="visible"/>
+                                      </p:to>
+                                    </p:set>
+                                  </p:childTnLst>
+                                </p:cTn>
+                              </p:par>
+                            </p:childTnLst>
+                          </p:cTn>
+                        </p:par>
+                      </p:childTnLst>
+                    </p:cTn>
+                  </p:par>
+                  <p:par>
+                    <p:cTn id="19" fill="hold">
+                      <p:stCondLst>
+                        <p:cond delay="indefinite"/>
+                      </p:stCondLst>
+                      <p:childTnLst>
+                        <p:par>
+                          <p:cTn id="20" fill="hold">
+                            <p:stCondLst>
+                              <p:cond delay="0"/>
+                            </p:stCondLst>
+                            <p:childTnLst>
+                              <p:par>
+                                <p:cTn id="21" presetID="1" presetClass="entr" presetSubtype="0" fill="hold" grpId="0" nodeType="clickEffect">
+                                  <p:stCondLst>
+                                    <p:cond delay="0"/>
+                                  </p:stCondLst>
+                                  <p:childTnLst>
+                                    <p:set>
+                                      <p:cBhvr>
+                                        <p:cTn id="22" dur="1" fill="hold">
+                                          <p:stCondLst>
+                                            <p:cond delay="0"/>
+                                          </p:stCondLst>
+                                        </p:cTn>
+                                        <p:tgtEl>
+                                          <p:spTgt spid="3">
+                                            <p:txEl>
+                                              <p:pRg st="4" end="4"/>
+                                            </p:txEl>
+                                          </p:spTgt>
+                                        </p:tgtEl>
+                                        <p:attrNameLst>
+                                          <p:attrName>style.visibility</p:attrName>
+                                        </p:attrNameLst>
+                                      </p:cBhvr>
+                                      <p:to>
+                                        <p:strVal val="visible"/>
+                                      </p:to>
+                                    </p:set>
+                                  </p:childTnLst>
+                                </p:cTn>
+                              </p:par>
+                            </p:childTnLst>
+                          </p:cTn>
+                        </p:par>
+                      </p:childTnLst>
+                    </p:cTn>
+                  </p:par>
+                  <p:par>
+                    <p:cTn id="23" fill="hold">
+                      <p:stCondLst>
+                        <p:cond delay="indefinite"/>
+                      </p:stCondLst>
+                      <p:childTnLst>
+                        <p:par>
+                          <p:cTn id="24" fill="hold">
+                            <p:stCondLst>
+                              <p:cond delay="0"/>
+                            </p:stCondLst>
+                            <p:childTnLst>
+                              <p:par>
+                                <p:cTn id="25" presetID="1" presetClass="entr" presetSubtype="0" fill="hold" grpId="0" nodeType="clickEffect">
+                                  <p:stCondLst>
+                                    <p:cond delay="0"/>
+                                  </p:stCondLst>
+                                  <p:childTnLst>
+                                    <p:set>
+                                      <p:cBhvr>
+                                        <p:cTn id="26" dur="1" fill="hold">
+                                          <p:stCondLst>
+                                            <p:cond delay="0"/>
+                                          </p:stCondLst>
+                                        </p:cTn>
+                                        <p:tgtEl>
+                                          <p:spTgt spid="3">
+                                            <p:txEl>
+                                              <p:pRg st="5" end="5"/>
+                                            </p:txEl>
+                                          </p:spTgt>
+                                        </p:tgtEl>
+                                        <p:attrNameLst>
+                                          <p:attrName>style.visibility</p:attrName>
+                                        </p:attrNameLst>
+                                      </p:cBhvr>
+                                      <p:to>
+                                        <p:strVal val="visible"/>
+                                      </p:to>
+                                    </p:set>
+                                  </p:childTnLst>
+                                </p:cTn>
+                              </p:par>
+                            </p:childTnLst>
+                          </p:cTn>
+                        </p:par>
+                      </p:childTnLst>
+                    </p:cTn>
+                  </p:par>
+                  <p:par>
+                    <p:cTn id="27" fill="hold">
+                      <p:stCondLst>
+                        <p:cond delay="indefinite"/>
+                      </p:stCondLst>
+                      <p:childTnLst>
+                        <p:par>
+                          <p:cTn id="28" fill="hold">
+                            <p:stCondLst>
+                              <p:cond delay="0"/>
+                            </p:stCondLst>
+                            <p:childTnLst>
+                              <p:par>
+                                <p:cTn id="29" presetID="1" presetClass="entr" presetSubtype="0" fill="hold" grpId="0" nodeType="clickEffect">
+                                  <p:stCondLst>
+                                    <p:cond delay="0"/>
+                                  </p:stCondLst>
+                                  <p:childTnLst>
+                                    <p:set>
+                                      <p:cBhvr>
+                                        <p:cTn id="30" dur="1" fill="hold">
+                                          <p:stCondLst>
+                                            <p:cond delay="0"/>
+                                          </p:stCondLst>
+                                        </p:cTn>
+                                        <p:tgtEl>
+                                          <p:spTgt spid="3">
+                                            <p:txEl>
+                                              <p:pRg st="6" end="6"/>
+                                            </p:txEl>
+                                          </p:spTgt>
+                                        </p:tgtEl>
+                                        <p:attrNameLst>
+                                          <p:attrName>style.visibility</p:attrName>
+                                        </p:attrNameLst>
+                                      </p:cBhvr>
+                                      <p:to>
+                                        <p:strVal val="visible"/>
+                                      </p:to>
+                                    </p:set>
+                                  </p:childTnLst>
+                                </p:cTn>
+                              </p:par>
+                            </p:childTnLst>
+                          </p:cTn>
+                        </p:par>
+                      </p:childTnLst>
+                    </p:cTn>
+                  </p:par>
+                  <p:par>
+                    <p:cTn id="31" fill="hold">
+                      <p:stCondLst>
+                        <p:cond delay="indefinite"/>
+                      </p:stCondLst>
+                      <p:childTnLst>
+                        <p:par>
+                          <p:cTn id="32" fill="hold">
+                            <p:stCondLst>
+                              <p:cond delay="0"/>
+                            </p:stCondLst>
+                            <p:childTnLst>
+                              <p:par>
+                                <p:cTn id="33" presetID="1" presetClass="entr" presetSubtype="0" fill="hold" grpId="0" nodeType="clickEffect">
+                                  <p:stCondLst>
+                                    <p:cond delay="0"/>
+                                  </p:stCondLst>
+                                  <p:childTnLst>
+                                    <p:set>
+                                      <p:cBhvr>
+                                        <p:cTn id="34" dur="1" fill="hold">
+                                          <p:stCondLst>
+                                            <p:cond delay="0"/>
+                                          </p:stCondLst>
+                                        </p:cTn>
+                                        <p:tgtEl>
+                                          <p:spTgt spid="3">
+                                            <p:txEl>
+                                              <p:pRg st="7" end="7"/>
+                                            </p:txEl>
+                                          </p:spTgt>
+                                        </p:tgtEl>
+                                        <p:attrNameLst>
+                                          <p:attrName>style.visibility</p:attrName>
+                                        </p:attrNameLst>
+                                      </p:cBhvr>
+                                      <p:to>
+                                        <p:strVal val="visible"/>
+                                      </p:to>
+                                    </p:set>
+                                  </p:childTnLst>
+                                </p:cTn>
+                              </p:par>
+                            </p:childTnLst>
+                          </p:cTn>
+                        </p:par>
+                      </p:childTnLst>
+                    </p:cTn>
+                  </p:par>
+                </p:childTnLst>
+              </p:cTn>
+              <p:prevCondLst>
+                <p:cond evt="onPrev" delay="0">
+                  <p:tgtEl>
+                    <p:sldTgt/>
+                  </p:tgtEl>
+                </p:cond>
+              </p:prevCondLst>
+              <p:nextCondLst>
+                <p:cond evt="onNext" delay="0">
+                  <p:tgtEl>
+                    <p:sldTgt/>
+                  </p:tgtEl>
+                </p:cond>
+              </p:nextCondLst>
+            </p:seq>
+          </p:childTnLst>
+        </p:cTn>
+      </p:par>
+    </p:tnLst>
+    <p:bldLst>
+      <p:bldP spid="3" grpId="0" build="p"/>
+    </p:bldLst>
+  </p:timing>
+</p:sld>
+</file>
+
+<file path=ppt/slides/slide5.xml><?xml version="1.0" encoding="utf-8"?>
 <p:sld xmlns:a="http://schemas.openxmlformats.org/drawingml/2006/main" xmlns:r="http://schemas.openxmlformats.org/officeDocument/2006/relationships" xmlns:p="http://schemas.openxmlformats.org/presentationml/2006/main">
   <p:cSld>
     <p:spTree>
@@ -8816,7 +13001,7 @@
 </p:sld>
 </file>
 
-<file path=ppt/slides/slide5.xml><?xml version="1.0" encoding="utf-8"?>
+<file path=ppt/slides/slide6.xml><?xml version="1.0" encoding="utf-8"?>
 <p:sld xmlns:a="http://schemas.openxmlformats.org/drawingml/2006/main" xmlns:r="http://schemas.openxmlformats.org/officeDocument/2006/relationships" xmlns:p="http://schemas.openxmlformats.org/presentationml/2006/main">
   <p:cSld>
     <p:spTree>
@@ -10192,7 +14377,7 @@
 </p:sld>
 </file>
 
-<file path=ppt/slides/slide6.xml><?xml version="1.0" encoding="utf-8"?>
+<file path=ppt/slides/slide7.xml><?xml version="1.0" encoding="utf-8"?>
 <p:sld xmlns:a="http://schemas.openxmlformats.org/drawingml/2006/main" xmlns:r="http://schemas.openxmlformats.org/officeDocument/2006/relationships" xmlns:p="http://schemas.openxmlformats.org/presentationml/2006/main">
   <p:cSld>
     <p:spTree>
@@ -12899,7 +17084,7 @@
 </p:sld>
 </file>
 
-<file path=ppt/slides/slide7.xml><?xml version="1.0" encoding="utf-8"?>
+<file path=ppt/slides/slide8.xml><?xml version="1.0" encoding="utf-8"?>
 <p:sld xmlns:a="http://schemas.openxmlformats.org/drawingml/2006/main" xmlns:r="http://schemas.openxmlformats.org/officeDocument/2006/relationships" xmlns:p="http://schemas.openxmlformats.org/presentationml/2006/main">
   <p:cSld>
     <p:spTree>
@@ -14001,7 +18186,7 @@
 </p:sld>
 </file>
 
-<file path=ppt/slides/slide8.xml><?xml version="1.0" encoding="utf-8"?>
+<file path=ppt/slides/slide9.xml><?xml version="1.0" encoding="utf-8"?>
 <p:sld xmlns:a="http://schemas.openxmlformats.org/drawingml/2006/main" xmlns:r="http://schemas.openxmlformats.org/officeDocument/2006/relationships" xmlns:p="http://schemas.openxmlformats.org/presentationml/2006/main">
   <p:cSld>
     <p:spTree>
@@ -17930,2543 +22115,6 @@
 </p:sld>
 </file>
 
-<file path=ppt/slides/slide9.xml><?xml version="1.0" encoding="utf-8"?>
-<p:sld xmlns:a="http://schemas.openxmlformats.org/drawingml/2006/main" xmlns:r="http://schemas.openxmlformats.org/officeDocument/2006/relationships" xmlns:p="http://schemas.openxmlformats.org/presentationml/2006/main">
-  <p:cSld>
-    <p:spTree>
-      <p:nvGrpSpPr>
-        <p:cNvPr id="1" name=""/>
-        <p:cNvGrpSpPr/>
-        <p:nvPr/>
-      </p:nvGrpSpPr>
-      <p:grpSpPr>
-        <a:xfrm>
-          <a:off x="0" y="0"/>
-          <a:ext cx="0" cy="0"/>
-          <a:chOff x="0" y="0"/>
-          <a:chExt cx="0" cy="0"/>
-        </a:xfrm>
-      </p:grpSpPr>
-      <p:sp>
-        <p:nvSpPr>
-          <p:cNvPr id="2" name="Title 1"/>
-          <p:cNvSpPr>
-            <a:spLocks noGrp="1"/>
-          </p:cNvSpPr>
-          <p:nvPr>
-            <p:ph type="title"/>
-          </p:nvPr>
-        </p:nvSpPr>
-        <p:spPr/>
-        <p:txBody>
-          <a:bodyPr>
-            <a:normAutofit fontScale="90000"/>
-          </a:bodyPr>
-          <a:lstStyle/>
-          <a:p>
-            <a:r>
-              <a:rPr lang="en-US" dirty="0" smtClean="0">
-                <a:solidFill>
-                  <a:srgbClr val="0070C0"/>
-                </a:solidFill>
-              </a:rPr>
-              <a:t>Count Sketch </a:t>
-            </a:r>
-            <a:r>
-              <a:rPr lang="en-US" sz="3600" dirty="0" smtClean="0">
-                <a:solidFill>
-                  <a:srgbClr val="0070C0"/>
-                </a:solidFill>
-              </a:rPr>
-              <a:t>[</a:t>
-            </a:r>
-            <a:r>
-              <a:rPr lang="en-US" sz="3600" dirty="0" err="1" smtClean="0">
-                <a:solidFill>
-                  <a:srgbClr val="0070C0"/>
-                </a:solidFill>
-              </a:rPr>
-              <a:t>Charikar</a:t>
-            </a:r>
-            <a:r>
-              <a:rPr lang="en-US" sz="3600" dirty="0" smtClean="0">
-                <a:solidFill>
-                  <a:srgbClr val="0070C0"/>
-                </a:solidFill>
-              </a:rPr>
-              <a:t>, Chen, </a:t>
-            </a:r>
-            <a:r>
-              <a:rPr lang="en-US" sz="3600" dirty="0" err="1" smtClean="0">
-                <a:solidFill>
-                  <a:srgbClr val="0070C0"/>
-                </a:solidFill>
-              </a:rPr>
-              <a:t>Farach</a:t>
-            </a:r>
-            <a:r>
-              <a:rPr lang="en-US" sz="3600" dirty="0" smtClean="0">
-                <a:solidFill>
-                  <a:srgbClr val="0070C0"/>
-                </a:solidFill>
-              </a:rPr>
-              <a:t>-Colton]</a:t>
-            </a:r>
-            <a:endParaRPr lang="en-US" sz="3600" dirty="0">
-              <a:solidFill>
-                <a:srgbClr val="0070C0"/>
-              </a:solidFill>
-            </a:endParaRPr>
-          </a:p>
-        </p:txBody>
-      </p:sp>
-      <mc:AlternateContent xmlns:mc="http://schemas.openxmlformats.org/markup-compatibility/2006" xmlns:a14="http://schemas.microsoft.com/office/drawing/2010/main">
-        <mc:Choice Requires="a14">
-          <p:sp>
-            <p:nvSpPr>
-              <p:cNvPr id="3" name="Content Placeholder 2"/>
-              <p:cNvSpPr>
-                <a:spLocks noGrp="1"/>
-              </p:cNvSpPr>
-              <p:nvPr>
-                <p:ph idx="1"/>
-              </p:nvPr>
-            </p:nvSpPr>
-            <p:spPr>
-              <a:xfrm>
-                <a:off x="457200" y="1600200"/>
-                <a:ext cx="8229600" cy="4876800"/>
-              </a:xfrm>
-            </p:spPr>
-            <p:txBody>
-              <a:bodyPr>
-                <a:normAutofit fontScale="70000" lnSpcReduction="20000"/>
-              </a:bodyPr>
-              <a:lstStyle/>
-              <a:p>
-                <a:r>
-                  <a:rPr lang="en-US" dirty="0" smtClean="0"/>
-                  <a:t>In addition to </a:t>
-                </a:r>
-                <a14:m>
-                  <m:oMath xmlns:m="http://schemas.openxmlformats.org/officeDocument/2006/math">
-                    <m:sSub>
-                      <m:sSubPr>
-                        <m:ctrlPr>
-                          <a:rPr lang="en-US" b="0" i="1" smtClean="0">
-                            <a:latin typeface="Cambria Math"/>
-                          </a:rPr>
-                        </m:ctrlPr>
-                      </m:sSubPr>
-                      <m:e>
-                        <m:r>
-                          <a:rPr lang="en-US" b="0" i="1" smtClean="0">
-                            <a:latin typeface="Cambria Math"/>
-                          </a:rPr>
-                          <m:t>𝐻</m:t>
-                        </m:r>
-                      </m:e>
-                      <m:sub>
-                        <m:r>
-                          <a:rPr lang="en-US" b="0" i="1" smtClean="0">
-                            <a:latin typeface="Cambria Math"/>
-                          </a:rPr>
-                          <m:t>𝑖</m:t>
-                        </m:r>
-                      </m:sub>
-                    </m:sSub>
-                    <m:r>
-                      <a:rPr lang="en-US" b="0" i="1" smtClean="0">
-                        <a:latin typeface="Cambria Math"/>
-                      </a:rPr>
-                      <m:t>:</m:t>
-                    </m:r>
-                    <m:d>
-                      <m:dPr>
-                        <m:begChr m:val="["/>
-                        <m:endChr m:val="]"/>
-                        <m:ctrlPr>
-                          <a:rPr lang="en-US" b="0" i="1" smtClean="0">
-                            <a:latin typeface="Cambria Math"/>
-                          </a:rPr>
-                        </m:ctrlPr>
-                      </m:dPr>
-                      <m:e>
-                        <m:r>
-                          <a:rPr lang="en-US" b="0" i="1" smtClean="0">
-                            <a:latin typeface="Cambria Math"/>
-                          </a:rPr>
-                          <m:t>𝑛</m:t>
-                        </m:r>
-                      </m:e>
-                    </m:d>
-                    <m:r>
-                      <a:rPr lang="en-US" b="0" i="1" smtClean="0">
-                        <a:latin typeface="Cambria Math"/>
-                      </a:rPr>
-                      <m:t>→[</m:t>
-                    </m:r>
-                    <m:r>
-                      <a:rPr lang="en-US" b="0" i="1" smtClean="0">
-                        <a:latin typeface="Cambria Math"/>
-                      </a:rPr>
-                      <m:t>𝑤</m:t>
-                    </m:r>
-                    <m:r>
-                      <a:rPr lang="en-US" b="0" i="1" smtClean="0">
-                        <a:latin typeface="Cambria Math"/>
-                      </a:rPr>
-                      <m:t>]</m:t>
-                    </m:r>
-                  </m:oMath>
-                </a14:m>
-                <a:r>
-                  <a:rPr lang="en-US" dirty="0" smtClean="0"/>
-                  <a:t> use random signs </a:t>
-                </a:r>
-                <a14:m>
-                  <m:oMath xmlns:m="http://schemas.openxmlformats.org/officeDocument/2006/math">
-                    <m:sSub>
-                      <m:sSubPr>
-                        <m:ctrlPr>
-                          <a:rPr lang="en-US" b="0" i="1" smtClean="0">
-                            <a:latin typeface="Cambria Math"/>
-                          </a:rPr>
-                        </m:ctrlPr>
-                      </m:sSubPr>
-                      <m:e>
-                        <m:r>
-                          <a:rPr lang="en-US" b="0" i="1" smtClean="0">
-                            <a:latin typeface="Cambria Math"/>
-                          </a:rPr>
-                          <m:t>𝑟</m:t>
-                        </m:r>
-                      </m:e>
-                      <m:sub>
-                        <m:r>
-                          <a:rPr lang="en-US" b="0" i="1" smtClean="0">
-                            <a:latin typeface="Cambria Math"/>
-                          </a:rPr>
-                          <m:t>𝑖</m:t>
-                        </m:r>
-                      </m:sub>
-                    </m:sSub>
-                    <m:d>
-                      <m:dPr>
-                        <m:begChr m:val="["/>
-                        <m:endChr m:val="]"/>
-                        <m:ctrlPr>
-                          <a:rPr lang="en-US" b="0" i="1" smtClean="0">
-                            <a:latin typeface="Cambria Math"/>
-                          </a:rPr>
-                        </m:ctrlPr>
-                      </m:dPr>
-                      <m:e>
-                        <m:r>
-                          <a:rPr lang="en-US" b="0" i="1" smtClean="0">
-                            <a:latin typeface="Cambria Math"/>
-                          </a:rPr>
-                          <m:t>𝑛</m:t>
-                        </m:r>
-                      </m:e>
-                    </m:d>
-                    <m:r>
-                      <a:rPr lang="en-US" b="0" i="1" smtClean="0">
-                        <a:latin typeface="Cambria Math"/>
-                      </a:rPr>
-                      <m:t>→</m:t>
-                    </m:r>
-                    <m:d>
-                      <m:dPr>
-                        <m:begChr m:val="{"/>
-                        <m:endChr m:val="}"/>
-                        <m:ctrlPr>
-                          <a:rPr lang="en-US" b="0" i="1" smtClean="0">
-                            <a:latin typeface="Cambria Math"/>
-                          </a:rPr>
-                        </m:ctrlPr>
-                      </m:dPr>
-                      <m:e>
-                        <m:r>
-                          <a:rPr lang="en-US" b="0" i="1" smtClean="0">
-                            <a:latin typeface="Cambria Math"/>
-                          </a:rPr>
-                          <m:t>−1,1</m:t>
-                        </m:r>
-                      </m:e>
-                    </m:d>
-                  </m:oMath>
-                </a14:m>
-                <a:endParaRPr lang="en-US" b="0" dirty="0" smtClean="0"/>
-              </a:p>
-              <a:p>
-                <a:pPr marL="0" indent="0" algn="ctr">
-                  <a:buNone/>
-                </a:pPr>
-                <a14:m>
-                  <m:oMathPara xmlns:m="http://schemas.openxmlformats.org/officeDocument/2006/math">
-                    <m:oMathParaPr>
-                      <m:jc m:val="centerGroup"/>
-                    </m:oMathParaPr>
-                    <m:oMath xmlns:m="http://schemas.openxmlformats.org/officeDocument/2006/math">
-                      <m:sSub>
-                        <m:sSubPr>
-                          <m:ctrlPr>
-                            <a:rPr lang="en-US" b="0" i="1" smtClean="0">
-                              <a:latin typeface="Cambria Math"/>
-                            </a:rPr>
-                          </m:ctrlPr>
-                        </m:sSubPr>
-                        <m:e>
-                          <m:r>
-                            <a:rPr lang="en-US" b="0" i="1" smtClean="0">
-                              <a:latin typeface="Cambria Math"/>
-                            </a:rPr>
-                            <m:t>𝑐</m:t>
-                          </m:r>
-                        </m:e>
-                        <m:sub>
-                          <m:r>
-                            <a:rPr lang="en-US" b="0" i="1" smtClean="0">
-                              <a:latin typeface="Cambria Math"/>
-                            </a:rPr>
-                            <m:t>𝑖</m:t>
-                          </m:r>
-                          <m:r>
-                            <a:rPr lang="en-US" b="0" i="1" smtClean="0">
-                              <a:latin typeface="Cambria Math"/>
-                            </a:rPr>
-                            <m:t>,</m:t>
-                          </m:r>
-                          <m:r>
-                            <a:rPr lang="en-US" b="0" i="1" smtClean="0">
-                              <a:latin typeface="Cambria Math"/>
-                            </a:rPr>
-                            <m:t>𝑗</m:t>
-                          </m:r>
-                        </m:sub>
-                      </m:sSub>
-                      <m:r>
-                        <a:rPr lang="en-US" b="0" i="1" smtClean="0">
-                          <a:latin typeface="Cambria Math"/>
-                        </a:rPr>
-                        <m:t>=</m:t>
-                      </m:r>
-                      <m:nary>
-                        <m:naryPr>
-                          <m:chr m:val="∑"/>
-                          <m:supHide m:val="on"/>
-                          <m:ctrlPr>
-                            <a:rPr lang="en-US" b="0" i="1" smtClean="0">
-                              <a:latin typeface="Cambria Math"/>
-                            </a:rPr>
-                          </m:ctrlPr>
-                        </m:naryPr>
-                        <m:sub>
-                          <m:r>
-                            <a:rPr lang="en-US" b="0" i="1" smtClean="0">
-                              <a:latin typeface="Cambria Math"/>
-                            </a:rPr>
-                            <m:t>𝑥</m:t>
-                          </m:r>
-                          <m:r>
-                            <a:rPr lang="en-US" b="0" i="1" smtClean="0">
-                              <a:latin typeface="Cambria Math"/>
-                            </a:rPr>
-                            <m:t>:</m:t>
-                          </m:r>
-                          <m:sSub>
-                            <m:sSubPr>
-                              <m:ctrlPr>
-                                <a:rPr lang="en-US" b="0" i="1" smtClean="0">
-                                  <a:latin typeface="Cambria Math"/>
-                                </a:rPr>
-                              </m:ctrlPr>
-                            </m:sSubPr>
-                            <m:e>
-                              <m:r>
-                                <a:rPr lang="en-US" b="0" i="1" smtClean="0">
-                                  <a:latin typeface="Cambria Math"/>
-                                </a:rPr>
-                                <m:t>𝐻</m:t>
-                              </m:r>
-                            </m:e>
-                            <m:sub>
-                              <m:r>
-                                <a:rPr lang="en-US" b="0" i="1" smtClean="0">
-                                  <a:latin typeface="Cambria Math"/>
-                                </a:rPr>
-                                <m:t>𝑖</m:t>
-                              </m:r>
-                            </m:sub>
-                          </m:sSub>
-                          <m:d>
-                            <m:dPr>
-                              <m:ctrlPr>
-                                <a:rPr lang="en-US" b="0" i="1" smtClean="0">
-                                  <a:latin typeface="Cambria Math"/>
-                                </a:rPr>
-                              </m:ctrlPr>
-                            </m:dPr>
-                            <m:e>
-                              <m:r>
-                                <a:rPr lang="en-US" b="0" i="1" smtClean="0">
-                                  <a:latin typeface="Cambria Math"/>
-                                </a:rPr>
-                                <m:t>𝑥</m:t>
-                              </m:r>
-                            </m:e>
-                          </m:d>
-                          <m:r>
-                            <a:rPr lang="en-US" b="0" i="1" smtClean="0">
-                              <a:latin typeface="Cambria Math"/>
-                            </a:rPr>
-                            <m:t>=</m:t>
-                          </m:r>
-                          <m:r>
-                            <a:rPr lang="en-US" b="0" i="1" smtClean="0">
-                              <a:latin typeface="Cambria Math"/>
-                            </a:rPr>
-                            <m:t>𝑗</m:t>
-                          </m:r>
-                        </m:sub>
-                        <m:sup/>
-                        <m:e>
-                          <m:sSub>
-                            <m:sSubPr>
-                              <m:ctrlPr>
-                                <a:rPr lang="en-US" b="0" i="1" smtClean="0">
-                                  <a:latin typeface="Cambria Math"/>
-                                </a:rPr>
-                              </m:ctrlPr>
-                            </m:sSubPr>
-                            <m:e>
-                              <m:r>
-                                <a:rPr lang="en-US" b="0" i="1" smtClean="0">
-                                  <a:latin typeface="Cambria Math"/>
-                                </a:rPr>
-                                <m:t>𝑟</m:t>
-                              </m:r>
-                            </m:e>
-                            <m:sub>
-                              <m:r>
-                                <a:rPr lang="en-US" b="0" i="1" smtClean="0">
-                                  <a:latin typeface="Cambria Math"/>
-                                </a:rPr>
-                                <m:t>𝑖</m:t>
-                              </m:r>
-                            </m:sub>
-                          </m:sSub>
-                          <m:d>
-                            <m:dPr>
-                              <m:ctrlPr>
-                                <a:rPr lang="en-US" b="0" i="1" smtClean="0">
-                                  <a:latin typeface="Cambria Math"/>
-                                </a:rPr>
-                              </m:ctrlPr>
-                            </m:dPr>
-                            <m:e>
-                              <m:r>
-                                <a:rPr lang="en-US" b="0" i="1" smtClean="0">
-                                  <a:latin typeface="Cambria Math"/>
-                                </a:rPr>
-                                <m:t>𝑥</m:t>
-                              </m:r>
-                            </m:e>
-                          </m:d>
-                          <m:sSub>
-                            <m:sSubPr>
-                              <m:ctrlPr>
-                                <a:rPr lang="en-US" b="0" i="1" smtClean="0">
-                                  <a:latin typeface="Cambria Math"/>
-                                </a:rPr>
-                              </m:ctrlPr>
-                            </m:sSubPr>
-                            <m:e>
-                              <m:r>
-                                <a:rPr lang="en-US" b="0" i="1" smtClean="0">
-                                  <a:latin typeface="Cambria Math"/>
-                                </a:rPr>
-                                <m:t>𝑓</m:t>
-                              </m:r>
-                            </m:e>
-                            <m:sub>
-                              <m:r>
-                                <a:rPr lang="en-US" b="0" i="1" smtClean="0">
-                                  <a:latin typeface="Cambria Math"/>
-                                </a:rPr>
-                                <m:t>𝑥</m:t>
-                              </m:r>
-                            </m:sub>
-                          </m:sSub>
-                        </m:e>
-                      </m:nary>
-                    </m:oMath>
-                  </m:oMathPara>
-                </a14:m>
-                <a:endParaRPr lang="en-US" dirty="0" smtClean="0"/>
-              </a:p>
-              <a:p>
-                <a:r>
-                  <a:rPr lang="en-US" dirty="0" smtClean="0"/>
-                  <a:t>Estimate: </a:t>
-                </a:r>
-                <a:endParaRPr lang="en-US" b="0" i="1" dirty="0" smtClean="0">
-                  <a:latin typeface="Cambria Math"/>
-                </a:endParaRPr>
-              </a:p>
-              <a:p>
-                <a:pPr marL="0" indent="0">
-                  <a:buNone/>
-                </a:pPr>
-                <a14:m>
-                  <m:oMathPara xmlns:m="http://schemas.openxmlformats.org/officeDocument/2006/math">
-                    <m:oMathParaPr>
-                      <m:jc m:val="centerGroup"/>
-                    </m:oMathParaPr>
-                    <m:oMath xmlns:m="http://schemas.openxmlformats.org/officeDocument/2006/math">
-                      <m:sSub>
-                        <m:sSubPr>
-                          <m:ctrlPr>
-                            <a:rPr lang="en-US" b="0" i="1" dirty="0" smtClean="0">
-                              <a:latin typeface="Cambria Math"/>
-                            </a:rPr>
-                          </m:ctrlPr>
-                        </m:sSubPr>
-                        <m:e>
-                          <m:acc>
-                            <m:accPr>
-                              <m:chr m:val="̂"/>
-                              <m:ctrlPr>
-                                <a:rPr lang="en-US" b="0" i="1" smtClean="0">
-                                  <a:latin typeface="Cambria Math"/>
-                                </a:rPr>
-                              </m:ctrlPr>
-                            </m:accPr>
-                            <m:e>
-                              <m:r>
-                                <a:rPr lang="en-US" b="0" i="1" smtClean="0">
-                                  <a:latin typeface="Cambria Math"/>
-                                </a:rPr>
-                                <m:t>𝑓</m:t>
-                              </m:r>
-                            </m:e>
-                          </m:acc>
-                        </m:e>
-                        <m:sub>
-                          <m:r>
-                            <a:rPr lang="en-US" b="0" i="1" dirty="0" smtClean="0">
-                              <a:latin typeface="Cambria Math"/>
-                            </a:rPr>
-                            <m:t>𝑥</m:t>
-                          </m:r>
-                        </m:sub>
-                      </m:sSub>
-                      <m:r>
-                        <a:rPr lang="en-US" b="0" i="1" dirty="0" smtClean="0">
-                          <a:latin typeface="Cambria Math"/>
-                        </a:rPr>
-                        <m:t>=</m:t>
-                      </m:r>
-                      <m:r>
-                        <a:rPr lang="en-US" b="0" i="1" dirty="0" smtClean="0">
-                          <a:latin typeface="Cambria Math"/>
-                        </a:rPr>
-                        <m:t>𝑚𝑒𝑑𝑖𝑎𝑛</m:t>
-                      </m:r>
-                      <m:r>
-                        <a:rPr lang="en-US" b="0" i="1" dirty="0" smtClean="0">
-                          <a:latin typeface="Cambria Math"/>
-                        </a:rPr>
-                        <m:t>(</m:t>
-                      </m:r>
-                      <m:sSub>
-                        <m:sSubPr>
-                          <m:ctrlPr>
-                            <a:rPr lang="en-US" b="0" i="1" dirty="0" smtClean="0">
-                              <a:latin typeface="Cambria Math"/>
-                            </a:rPr>
-                          </m:ctrlPr>
-                        </m:sSubPr>
-                        <m:e>
-                          <m:r>
-                            <a:rPr lang="en-US" b="0" i="1" dirty="0" smtClean="0">
-                              <a:latin typeface="Cambria Math"/>
-                            </a:rPr>
-                            <m:t>𝑟</m:t>
-                          </m:r>
-                        </m:e>
-                        <m:sub>
-                          <m:r>
-                            <a:rPr lang="en-US" b="0" i="1" dirty="0" smtClean="0">
-                              <a:latin typeface="Cambria Math"/>
-                            </a:rPr>
-                            <m:t>1</m:t>
-                          </m:r>
-                        </m:sub>
-                      </m:sSub>
-                      <m:r>
-                        <a:rPr lang="en-US" b="0" i="1" dirty="0" smtClean="0">
-                          <a:latin typeface="Cambria Math"/>
-                        </a:rPr>
-                        <m:t>(</m:t>
-                      </m:r>
-                      <m:r>
-                        <a:rPr lang="en-US" b="0" i="1" dirty="0" smtClean="0">
-                          <a:latin typeface="Cambria Math"/>
-                        </a:rPr>
-                        <m:t>𝑥</m:t>
-                      </m:r>
-                      <m:r>
-                        <a:rPr lang="en-US" b="0" i="1" dirty="0" smtClean="0">
-                          <a:latin typeface="Cambria Math"/>
-                        </a:rPr>
-                        <m:t>)</m:t>
-                      </m:r>
-                      <m:sSub>
-                        <m:sSubPr>
-                          <m:ctrlPr>
-                            <a:rPr lang="en-US" b="0" i="1" dirty="0" smtClean="0">
-                              <a:latin typeface="Cambria Math"/>
-                            </a:rPr>
-                          </m:ctrlPr>
-                        </m:sSubPr>
-                        <m:e>
-                          <m:r>
-                            <a:rPr lang="en-US" b="0" i="1" dirty="0" smtClean="0">
-                              <a:latin typeface="Cambria Math"/>
-                            </a:rPr>
-                            <m:t>𝑐</m:t>
-                          </m:r>
-                        </m:e>
-                        <m:sub>
-                          <m:r>
-                            <a:rPr lang="en-US" b="0" i="1" dirty="0" smtClean="0">
-                              <a:latin typeface="Cambria Math"/>
-                            </a:rPr>
-                            <m:t>1,</m:t>
-                          </m:r>
-                          <m:sSub>
-                            <m:sSubPr>
-                              <m:ctrlPr>
-                                <a:rPr lang="en-US" b="0" i="1" dirty="0" smtClean="0">
-                                  <a:latin typeface="Cambria Math"/>
-                                </a:rPr>
-                              </m:ctrlPr>
-                            </m:sSubPr>
-                            <m:e>
-                              <m:r>
-                                <a:rPr lang="en-US" b="0" i="1" dirty="0" smtClean="0">
-                                  <a:latin typeface="Cambria Math"/>
-                                </a:rPr>
-                                <m:t>𝐻</m:t>
-                              </m:r>
-                            </m:e>
-                            <m:sub>
-                              <m:r>
-                                <a:rPr lang="en-US" b="0" i="1" dirty="0" smtClean="0">
-                                  <a:latin typeface="Cambria Math"/>
-                                </a:rPr>
-                                <m:t>1</m:t>
-                              </m:r>
-                            </m:sub>
-                          </m:sSub>
-                          <m:d>
-                            <m:dPr>
-                              <m:ctrlPr>
-                                <a:rPr lang="en-US" b="0" i="1" dirty="0" smtClean="0">
-                                  <a:latin typeface="Cambria Math"/>
-                                </a:rPr>
-                              </m:ctrlPr>
-                            </m:dPr>
-                            <m:e>
-                              <m:r>
-                                <a:rPr lang="en-US" b="0" i="1" dirty="0" smtClean="0">
-                                  <a:latin typeface="Cambria Math"/>
-                                </a:rPr>
-                                <m:t>𝑥</m:t>
-                              </m:r>
-                            </m:e>
-                          </m:d>
-                        </m:sub>
-                      </m:sSub>
-                      <m:r>
-                        <a:rPr lang="en-US" b="0" i="1" dirty="0" smtClean="0">
-                          <a:latin typeface="Cambria Math"/>
-                        </a:rPr>
-                        <m:t>, …,</m:t>
-                      </m:r>
-                      <m:sSub>
-                        <m:sSubPr>
-                          <m:ctrlPr>
-                            <a:rPr lang="en-US" b="0" i="1" dirty="0" smtClean="0">
-                              <a:latin typeface="Cambria Math"/>
-                            </a:rPr>
-                          </m:ctrlPr>
-                        </m:sSubPr>
-                        <m:e>
-                          <m:r>
-                            <a:rPr lang="en-US" b="0" i="1" dirty="0" smtClean="0">
-                              <a:latin typeface="Cambria Math"/>
-                            </a:rPr>
-                            <m:t>𝑟</m:t>
-                          </m:r>
-                        </m:e>
-                        <m:sub>
-                          <m:r>
-                            <a:rPr lang="en-US" b="0" i="1" dirty="0" smtClean="0">
-                              <a:latin typeface="Cambria Math"/>
-                            </a:rPr>
-                            <m:t>𝑑</m:t>
-                          </m:r>
-                        </m:sub>
-                      </m:sSub>
-                      <m:d>
-                        <m:dPr>
-                          <m:ctrlPr>
-                            <a:rPr lang="en-US" b="0" i="1" dirty="0" smtClean="0">
-                              <a:latin typeface="Cambria Math"/>
-                            </a:rPr>
-                          </m:ctrlPr>
-                        </m:dPr>
-                        <m:e>
-                          <m:r>
-                            <a:rPr lang="en-US" b="0" i="1" dirty="0" smtClean="0">
-                              <a:latin typeface="Cambria Math"/>
-                            </a:rPr>
-                            <m:t>𝑥</m:t>
-                          </m:r>
-                        </m:e>
-                      </m:d>
-                      <m:sSub>
-                        <m:sSubPr>
-                          <m:ctrlPr>
-                            <a:rPr lang="en-US" b="0" i="1" dirty="0" smtClean="0">
-                              <a:latin typeface="Cambria Math"/>
-                            </a:rPr>
-                          </m:ctrlPr>
-                        </m:sSubPr>
-                        <m:e>
-                          <m:r>
-                            <a:rPr lang="en-US" b="0" i="1" dirty="0" smtClean="0">
-                              <a:latin typeface="Cambria Math"/>
-                            </a:rPr>
-                            <m:t>𝑐</m:t>
-                          </m:r>
-                        </m:e>
-                        <m:sub>
-                          <m:r>
-                            <a:rPr lang="en-US" b="0" i="1" dirty="0" smtClean="0">
-                              <a:latin typeface="Cambria Math"/>
-                            </a:rPr>
-                            <m:t>𝑑</m:t>
-                          </m:r>
-                          <m:r>
-                            <a:rPr lang="en-US" b="0" i="1" dirty="0" smtClean="0">
-                              <a:latin typeface="Cambria Math"/>
-                            </a:rPr>
-                            <m:t>,</m:t>
-                          </m:r>
-                          <m:sSub>
-                            <m:sSubPr>
-                              <m:ctrlPr>
-                                <a:rPr lang="en-US" b="0" i="1" dirty="0" smtClean="0">
-                                  <a:latin typeface="Cambria Math"/>
-                                </a:rPr>
-                              </m:ctrlPr>
-                            </m:sSubPr>
-                            <m:e>
-                              <m:r>
-                                <a:rPr lang="en-US" b="0" i="1" dirty="0" smtClean="0">
-                                  <a:latin typeface="Cambria Math"/>
-                                </a:rPr>
-                                <m:t>𝐻</m:t>
-                              </m:r>
-                            </m:e>
-                            <m:sub>
-                              <m:r>
-                                <a:rPr lang="en-US" b="0" i="1" dirty="0" smtClean="0">
-                                  <a:latin typeface="Cambria Math"/>
-                                </a:rPr>
-                                <m:t>𝑑</m:t>
-                              </m:r>
-                            </m:sub>
-                          </m:sSub>
-                          <m:r>
-                            <a:rPr lang="en-US" b="0" i="1" dirty="0" smtClean="0">
-                              <a:latin typeface="Cambria Math"/>
-                            </a:rPr>
-                            <m:t>(</m:t>
-                          </m:r>
-                          <m:r>
-                            <a:rPr lang="en-US" b="0" i="1" dirty="0" smtClean="0">
-                              <a:latin typeface="Cambria Math"/>
-                            </a:rPr>
-                            <m:t>𝑥</m:t>
-                          </m:r>
-                          <m:r>
-                            <a:rPr lang="en-US" b="0" i="1" dirty="0" smtClean="0">
-                              <a:latin typeface="Cambria Math"/>
-                            </a:rPr>
-                            <m:t>)</m:t>
-                          </m:r>
-                        </m:sub>
-                      </m:sSub>
-                      <m:r>
-                        <a:rPr lang="en-US" b="0" i="1" dirty="0" smtClean="0">
-                          <a:latin typeface="Cambria Math"/>
-                        </a:rPr>
-                        <m:t>)</m:t>
-                      </m:r>
-                    </m:oMath>
-                  </m:oMathPara>
-                </a14:m>
-                <a:endParaRPr lang="en-US" dirty="0" smtClean="0"/>
-              </a:p>
-              <a:p>
-                <a:r>
-                  <a:rPr lang="en-US" b="0" dirty="0" smtClean="0">
-                    <a:latin typeface="Cambria Math"/>
-                  </a:rPr>
-                  <a:t>Parameters: </a:t>
-                </a:r>
-                <a14:m>
-                  <m:oMath xmlns:m="http://schemas.openxmlformats.org/officeDocument/2006/math">
-                    <m:r>
-                      <a:rPr lang="en-US" b="0" i="1" smtClean="0">
-                        <a:latin typeface="Cambria Math"/>
-                      </a:rPr>
-                      <m:t>𝑑</m:t>
-                    </m:r>
-                    <m:r>
-                      <a:rPr lang="en-US" b="0" i="1" smtClean="0">
-                        <a:latin typeface="Cambria Math"/>
-                      </a:rPr>
-                      <m:t>=</m:t>
-                    </m:r>
-                    <m:r>
-                      <a:rPr lang="en-US" b="0" i="1" smtClean="0">
-                        <a:latin typeface="Cambria Math"/>
-                      </a:rPr>
-                      <m:t>𝑂</m:t>
-                    </m:r>
-                    <m:d>
-                      <m:dPr>
-                        <m:ctrlPr>
-                          <a:rPr lang="en-US" b="0" i="1" smtClean="0">
-                            <a:latin typeface="Cambria Math"/>
-                          </a:rPr>
-                        </m:ctrlPr>
-                      </m:dPr>
-                      <m:e>
-                        <m:func>
-                          <m:funcPr>
-                            <m:ctrlPr>
-                              <a:rPr lang="en-US" b="0" i="1" smtClean="0">
-                                <a:latin typeface="Cambria Math"/>
-                              </a:rPr>
-                            </m:ctrlPr>
-                          </m:funcPr>
-                          <m:fName>
-                            <m:r>
-                              <m:rPr>
-                                <m:sty m:val="p"/>
-                              </m:rPr>
-                              <a:rPr lang="en-US" b="0" i="0" smtClean="0">
-                                <a:latin typeface="Cambria Math"/>
-                              </a:rPr>
-                              <m:t>log</m:t>
-                            </m:r>
-                          </m:fName>
-                          <m:e>
-                            <m:f>
-                              <m:fPr>
-                                <m:ctrlPr>
-                                  <a:rPr lang="en-US" b="0" i="1" smtClean="0">
-                                    <a:latin typeface="Cambria Math"/>
-                                  </a:rPr>
-                                </m:ctrlPr>
-                              </m:fPr>
-                              <m:num>
-                                <m:r>
-                                  <a:rPr lang="en-US" b="0" i="1" smtClean="0">
-                                    <a:latin typeface="Cambria Math"/>
-                                  </a:rPr>
-                                  <m:t>1</m:t>
-                                </m:r>
-                              </m:num>
-                              <m:den>
-                                <m:r>
-                                  <a:rPr lang="en-US" b="0" i="1" smtClean="0">
-                                    <a:latin typeface="Cambria Math"/>
-                                  </a:rPr>
-                                  <m:t>𝛿</m:t>
-                                </m:r>
-                                <m:r>
-                                  <a:rPr lang="en-US" b="0" i="1" smtClean="0">
-                                    <a:latin typeface="Cambria Math"/>
-                                  </a:rPr>
-                                  <m:t> </m:t>
-                                </m:r>
-                              </m:den>
-                            </m:f>
-                          </m:e>
-                        </m:func>
-                      </m:e>
-                    </m:d>
-                    <m:r>
-                      <a:rPr lang="en-US" b="0" i="1" smtClean="0">
-                        <a:latin typeface="Cambria Math"/>
-                      </a:rPr>
-                      <m:t>, </m:t>
-                    </m:r>
-                    <m:r>
-                      <a:rPr lang="en-US" b="0" i="1" smtClean="0">
-                        <a:latin typeface="Cambria Math"/>
-                      </a:rPr>
-                      <m:t>𝑤</m:t>
-                    </m:r>
-                    <m:r>
-                      <a:rPr lang="en-US" b="0" i="1" smtClean="0">
-                        <a:latin typeface="Cambria Math"/>
-                      </a:rPr>
-                      <m:t>=</m:t>
-                    </m:r>
-                    <m:f>
-                      <m:fPr>
-                        <m:ctrlPr>
-                          <a:rPr lang="en-US" b="0" i="1" smtClean="0">
-                            <a:latin typeface="Cambria Math"/>
-                          </a:rPr>
-                        </m:ctrlPr>
-                      </m:fPr>
-                      <m:num>
-                        <m:r>
-                          <a:rPr lang="en-US" b="0" i="1" smtClean="0">
-                            <a:latin typeface="Cambria Math"/>
-                          </a:rPr>
-                          <m:t>3</m:t>
-                        </m:r>
-                      </m:num>
-                      <m:den>
-                        <m:sSup>
-                          <m:sSupPr>
-                            <m:ctrlPr>
-                              <a:rPr lang="en-US" b="0" i="1" smtClean="0">
-                                <a:latin typeface="Cambria Math"/>
-                              </a:rPr>
-                            </m:ctrlPr>
-                          </m:sSupPr>
-                          <m:e>
-                            <m:r>
-                              <a:rPr lang="en-US" b="0" i="1" smtClean="0">
-                                <a:latin typeface="Cambria Math"/>
-                              </a:rPr>
-                              <m:t>𝜖</m:t>
-                            </m:r>
-                          </m:e>
-                          <m:sup>
-                            <m:r>
-                              <a:rPr lang="en-US" b="1" i="1" smtClean="0">
-                                <a:solidFill>
-                                  <a:srgbClr val="FF0000"/>
-                                </a:solidFill>
-                                <a:latin typeface="Cambria Math"/>
-                              </a:rPr>
-                              <m:t>𝟐</m:t>
-                            </m:r>
-                          </m:sup>
-                        </m:sSup>
-                      </m:den>
-                    </m:f>
-                  </m:oMath>
-                </a14:m>
-                <a:endParaRPr lang="en-US" b="0" dirty="0" smtClean="0">
-                  <a:latin typeface="Cambria Math"/>
-                </a:endParaRPr>
-              </a:p>
-              <a:p>
-                <a:pPr marL="0" indent="0">
-                  <a:buNone/>
-                </a:pPr>
-                <a14:m>
-                  <m:oMathPara xmlns:m="http://schemas.openxmlformats.org/officeDocument/2006/math">
-                    <m:oMathParaPr>
-                      <m:jc m:val="centerGroup"/>
-                    </m:oMathParaPr>
-                    <m:oMath xmlns:m="http://schemas.openxmlformats.org/officeDocument/2006/math">
-                      <m:func>
-                        <m:funcPr>
-                          <m:ctrlPr>
-                            <a:rPr lang="en-US" i="1">
-                              <a:latin typeface="Cambria Math"/>
-                            </a:rPr>
-                          </m:ctrlPr>
-                        </m:funcPr>
-                        <m:fName>
-                          <m:r>
-                            <m:rPr>
-                              <m:sty m:val="p"/>
-                            </m:rPr>
-                            <a:rPr lang="en-US">
-                              <a:latin typeface="Cambria Math"/>
-                            </a:rPr>
-                            <m:t>Pr</m:t>
-                          </m:r>
-                        </m:fName>
-                        <m:e>
-                          <m:d>
-                            <m:dPr>
-                              <m:begChr m:val="["/>
-                              <m:endChr m:val="]"/>
-                              <m:ctrlPr>
-                                <a:rPr lang="en-US" i="1">
-                                  <a:latin typeface="Cambria Math"/>
-                                </a:rPr>
-                              </m:ctrlPr>
-                            </m:dPr>
-                            <m:e>
-                              <m:acc>
-                                <m:accPr>
-                                  <m:chr m:val="̃"/>
-                                  <m:ctrlPr>
-                                    <a:rPr lang="en-US" i="1">
-                                      <a:latin typeface="Cambria Math"/>
-                                    </a:rPr>
-                                  </m:ctrlPr>
-                                </m:accPr>
-                                <m:e>
-                                  <m:r>
-                                    <a:rPr lang="en-US" i="1">
-                                      <a:latin typeface="Cambria Math"/>
-                                    </a:rPr>
-                                    <m:t>|</m:t>
-                                  </m:r>
-                                  <m:sSub>
-                                    <m:sSubPr>
-                                      <m:ctrlPr>
-                                        <a:rPr lang="en-US" i="1">
-                                          <a:latin typeface="Cambria Math"/>
-                                        </a:rPr>
-                                      </m:ctrlPr>
-                                    </m:sSubPr>
-                                    <m:e>
-                                      <m:r>
-                                        <a:rPr lang="en-US" i="1">
-                                          <a:latin typeface="Cambria Math"/>
-                                        </a:rPr>
-                                        <m:t>𝑓</m:t>
-                                      </m:r>
-                                    </m:e>
-                                    <m:sub>
-                                      <m:r>
-                                        <a:rPr lang="en-US" i="1">
-                                          <a:latin typeface="Cambria Math"/>
-                                        </a:rPr>
-                                        <m:t>𝑥</m:t>
-                                      </m:r>
-                                    </m:sub>
-                                  </m:sSub>
-                                </m:e>
-                              </m:acc>
-                              <m:r>
-                                <a:rPr lang="en-US" i="1">
-                                  <a:latin typeface="Cambria Math"/>
-                                </a:rPr>
-                                <m:t>−</m:t>
-                              </m:r>
-                              <m:sSub>
-                                <m:sSubPr>
-                                  <m:ctrlPr>
-                                    <a:rPr lang="en-US" i="1">
-                                      <a:latin typeface="Cambria Math"/>
-                                    </a:rPr>
-                                  </m:ctrlPr>
-                                </m:sSubPr>
-                                <m:e>
-                                  <m:r>
-                                    <a:rPr lang="en-US" i="1">
-                                      <a:latin typeface="Cambria Math"/>
-                                    </a:rPr>
-                                    <m:t>𝑓</m:t>
-                                  </m:r>
-                                </m:e>
-                                <m:sub>
-                                  <m:r>
-                                    <a:rPr lang="en-US" i="1">
-                                      <a:latin typeface="Cambria Math"/>
-                                    </a:rPr>
-                                    <m:t>𝑥</m:t>
-                                  </m:r>
-                                </m:sub>
-                              </m:sSub>
-                              <m:r>
-                                <a:rPr lang="en-US" i="1">
-                                  <a:latin typeface="Cambria Math"/>
-                                </a:rPr>
-                                <m:t>|+</m:t>
-                              </m:r>
-                              <m:r>
-                                <a:rPr lang="en-US" i="1">
-                                  <a:latin typeface="Cambria Math"/>
-                                </a:rPr>
-                                <m:t>𝜖</m:t>
-                              </m:r>
-                              <m:sSub>
-                                <m:sSubPr>
-                                  <m:ctrlPr>
-                                    <a:rPr lang="en-US" i="1">
-                                      <a:latin typeface="Cambria Math"/>
-                                    </a:rPr>
-                                  </m:ctrlPr>
-                                </m:sSubPr>
-                                <m:e>
-                                  <m:r>
-                                    <a:rPr lang="en-US" i="1">
-                                      <a:latin typeface="Cambria Math"/>
-                                    </a:rPr>
-                                    <m:t>|</m:t>
-                                  </m:r>
-                                  <m:d>
-                                    <m:dPr>
-                                      <m:begChr m:val="|"/>
-                                      <m:endChr m:val="|"/>
-                                      <m:ctrlPr>
-                                        <a:rPr lang="en-US" i="1">
-                                          <a:latin typeface="Cambria Math"/>
-                                        </a:rPr>
-                                      </m:ctrlPr>
-                                    </m:dPr>
-                                    <m:e>
-                                      <m:r>
-                                        <a:rPr lang="en-US" i="1">
-                                          <a:latin typeface="Cambria Math"/>
-                                        </a:rPr>
-                                        <m:t>𝑓</m:t>
-                                      </m:r>
-                                    </m:e>
-                                  </m:d>
-                                  <m:r>
-                                    <a:rPr lang="en-US" i="1">
-                                      <a:latin typeface="Cambria Math"/>
-                                    </a:rPr>
-                                    <m:t>|</m:t>
-                                  </m:r>
-                                </m:e>
-                                <m:sub>
-                                  <m:r>
-                                    <a:rPr lang="en-US" i="1">
-                                      <a:latin typeface="Cambria Math"/>
-                                    </a:rPr>
-                                    <m:t>2</m:t>
-                                  </m:r>
-                                </m:sub>
-                              </m:sSub>
-                            </m:e>
-                          </m:d>
-                        </m:e>
-                      </m:func>
-                      <m:r>
-                        <a:rPr lang="en-US" i="1">
-                          <a:latin typeface="Cambria Math"/>
-                        </a:rPr>
-                        <m:t>≥1 −</m:t>
-                      </m:r>
-                      <m:r>
-                        <a:rPr lang="en-US" i="1">
-                          <a:latin typeface="Cambria Math"/>
-                        </a:rPr>
-                        <m:t>𝛿</m:t>
-                      </m:r>
-                    </m:oMath>
-                  </m:oMathPara>
-                </a14:m>
-                <a:endParaRPr lang="en-US" b="0" dirty="0" smtClean="0">
-                  <a:latin typeface="Cambria Math"/>
-                </a:endParaRPr>
-              </a:p>
-              <a:p>
-                <a:r>
-                  <a:rPr lang="en-US" b="0" dirty="0" smtClean="0">
-                    <a:solidFill>
-                      <a:srgbClr val="0070C0"/>
-                    </a:solidFill>
-                    <a:latin typeface="Cambria Math"/>
-                  </a:rPr>
-                  <a:t>Lemma</a:t>
-                </a:r>
-                <a:r>
-                  <a:rPr lang="en-US" b="0" dirty="0" smtClean="0">
-                    <a:latin typeface="Cambria Math"/>
-                  </a:rPr>
-                  <a:t>: E[</a:t>
-                </a:r>
-                <a14:m>
-                  <m:oMath xmlns:m="http://schemas.openxmlformats.org/officeDocument/2006/math">
-                    <m:sSub>
-                      <m:sSubPr>
-                        <m:ctrlPr>
-                          <a:rPr lang="en-US" i="1" dirty="0">
-                            <a:latin typeface="Cambria Math"/>
-                          </a:rPr>
-                        </m:ctrlPr>
-                      </m:sSubPr>
-                      <m:e>
-                        <m:r>
-                          <a:rPr lang="en-US" i="1" dirty="0">
-                            <a:latin typeface="Cambria Math"/>
-                          </a:rPr>
-                          <m:t>𝑟</m:t>
-                        </m:r>
-                      </m:e>
-                      <m:sub>
-                        <m:r>
-                          <a:rPr lang="en-US" b="0" i="1" dirty="0" smtClean="0">
-                            <a:latin typeface="Cambria Math"/>
-                          </a:rPr>
-                          <m:t>𝑖</m:t>
-                        </m:r>
-                      </m:sub>
-                    </m:sSub>
-                    <m:r>
-                      <a:rPr lang="en-US" i="1" dirty="0">
-                        <a:latin typeface="Cambria Math"/>
-                      </a:rPr>
-                      <m:t>(</m:t>
-                    </m:r>
-                    <m:r>
-                      <a:rPr lang="en-US" i="1" dirty="0">
-                        <a:latin typeface="Cambria Math"/>
-                      </a:rPr>
-                      <m:t>𝑥</m:t>
-                    </m:r>
-                    <m:r>
-                      <a:rPr lang="en-US" i="1" dirty="0">
-                        <a:latin typeface="Cambria Math"/>
-                      </a:rPr>
-                      <m:t>)</m:t>
-                    </m:r>
-                    <m:sSub>
-                      <m:sSubPr>
-                        <m:ctrlPr>
-                          <a:rPr lang="en-US" i="1" dirty="0">
-                            <a:latin typeface="Cambria Math"/>
-                          </a:rPr>
-                        </m:ctrlPr>
-                      </m:sSubPr>
-                      <m:e>
-                        <m:r>
-                          <a:rPr lang="en-US" i="1" dirty="0">
-                            <a:latin typeface="Cambria Math"/>
-                          </a:rPr>
-                          <m:t>𝑐</m:t>
-                        </m:r>
-                      </m:e>
-                      <m:sub>
-                        <m:r>
-                          <a:rPr lang="en-US" b="0" i="1" dirty="0" smtClean="0">
-                            <a:latin typeface="Cambria Math"/>
-                          </a:rPr>
-                          <m:t>𝑖</m:t>
-                        </m:r>
-                        <m:r>
-                          <a:rPr lang="en-US" i="1" dirty="0">
-                            <a:latin typeface="Cambria Math"/>
-                          </a:rPr>
-                          <m:t>,</m:t>
-                        </m:r>
-                        <m:sSub>
-                          <m:sSubPr>
-                            <m:ctrlPr>
-                              <a:rPr lang="en-US" i="1" dirty="0">
-                                <a:latin typeface="Cambria Math"/>
-                              </a:rPr>
-                            </m:ctrlPr>
-                          </m:sSubPr>
-                          <m:e>
-                            <m:r>
-                              <a:rPr lang="en-US" i="1" dirty="0">
-                                <a:latin typeface="Cambria Math"/>
-                              </a:rPr>
-                              <m:t>𝐻</m:t>
-                            </m:r>
-                          </m:e>
-                          <m:sub>
-                            <m:r>
-                              <a:rPr lang="en-US" b="0" i="1" dirty="0" smtClean="0">
-                                <a:latin typeface="Cambria Math"/>
-                              </a:rPr>
-                              <m:t>𝑖</m:t>
-                            </m:r>
-                          </m:sub>
-                        </m:sSub>
-                        <m:d>
-                          <m:dPr>
-                            <m:ctrlPr>
-                              <a:rPr lang="en-US" i="1" dirty="0">
-                                <a:latin typeface="Cambria Math"/>
-                              </a:rPr>
-                            </m:ctrlPr>
-                          </m:dPr>
-                          <m:e>
-                            <m:r>
-                              <a:rPr lang="en-US" i="1" dirty="0">
-                                <a:latin typeface="Cambria Math"/>
-                              </a:rPr>
-                              <m:t>𝑥</m:t>
-                            </m:r>
-                          </m:e>
-                        </m:d>
-                      </m:sub>
-                    </m:sSub>
-                  </m:oMath>
-                </a14:m>
-                <a:r>
-                  <a:rPr lang="en-US" b="0" dirty="0" smtClean="0">
-                    <a:latin typeface="Cambria Math"/>
-                  </a:rPr>
-                  <a:t>] </a:t>
-                </a:r>
-                <a14:m>
-                  <m:oMath xmlns:m="http://schemas.openxmlformats.org/officeDocument/2006/math">
-                    <m:r>
-                      <a:rPr lang="en-US" b="0" i="1" dirty="0" smtClean="0">
-                        <a:latin typeface="Cambria Math"/>
-                      </a:rPr>
-                      <m:t>=</m:t>
-                    </m:r>
-                    <m:sSub>
-                      <m:sSubPr>
-                        <m:ctrlPr>
-                          <a:rPr lang="en-US" b="0" i="1" dirty="0" smtClean="0">
-                            <a:latin typeface="Cambria Math"/>
-                          </a:rPr>
-                        </m:ctrlPr>
-                      </m:sSubPr>
-                      <m:e>
-                        <m:r>
-                          <a:rPr lang="en-US" b="0" i="1" dirty="0" smtClean="0">
-                            <a:latin typeface="Cambria Math"/>
-                          </a:rPr>
-                          <m:t>𝑓</m:t>
-                        </m:r>
-                      </m:e>
-                      <m:sub>
-                        <m:r>
-                          <a:rPr lang="en-US" b="0" i="1" dirty="0" smtClean="0">
-                            <a:latin typeface="Cambria Math"/>
-                          </a:rPr>
-                          <m:t>𝑥</m:t>
-                        </m:r>
-                      </m:sub>
-                    </m:sSub>
-                  </m:oMath>
-                </a14:m>
-                <a:endParaRPr lang="en-US" b="0" dirty="0" smtClean="0">
-                  <a:latin typeface="Cambria Math"/>
-                </a:endParaRPr>
-              </a:p>
-              <a:p>
-                <a:r>
-                  <a:rPr lang="en-US" dirty="0" smtClean="0">
-                    <a:solidFill>
-                      <a:srgbClr val="0070C0"/>
-                    </a:solidFill>
-                    <a:latin typeface="Cambria Math"/>
-                  </a:rPr>
-                  <a:t>Lemma</a:t>
-                </a:r>
-                <a:r>
-                  <a:rPr lang="en-US" dirty="0" smtClean="0">
-                    <a:latin typeface="Cambria Math"/>
-                  </a:rPr>
-                  <a:t>: Var</a:t>
-                </a:r>
-                <a:r>
-                  <a:rPr lang="en-US" dirty="0">
-                    <a:latin typeface="Cambria Math"/>
-                  </a:rPr>
-                  <a:t>[</a:t>
-                </a:r>
-                <a14:m>
-                  <m:oMath xmlns:m="http://schemas.openxmlformats.org/officeDocument/2006/math">
-                    <m:sSub>
-                      <m:sSubPr>
-                        <m:ctrlPr>
-                          <a:rPr lang="en-US" i="1" dirty="0">
-                            <a:latin typeface="Cambria Math"/>
-                          </a:rPr>
-                        </m:ctrlPr>
-                      </m:sSubPr>
-                      <m:e>
-                        <m:r>
-                          <a:rPr lang="en-US" i="1" dirty="0">
-                            <a:latin typeface="Cambria Math"/>
-                          </a:rPr>
-                          <m:t>𝑟</m:t>
-                        </m:r>
-                      </m:e>
-                      <m:sub>
-                        <m:r>
-                          <a:rPr lang="en-US" i="1" dirty="0">
-                            <a:latin typeface="Cambria Math"/>
-                          </a:rPr>
-                          <m:t>𝑖</m:t>
-                        </m:r>
-                      </m:sub>
-                    </m:sSub>
-                    <m:r>
-                      <a:rPr lang="en-US" i="1" dirty="0">
-                        <a:latin typeface="Cambria Math"/>
-                      </a:rPr>
-                      <m:t>(</m:t>
-                    </m:r>
-                    <m:r>
-                      <a:rPr lang="en-US" i="1" dirty="0">
-                        <a:latin typeface="Cambria Math"/>
-                      </a:rPr>
-                      <m:t>𝑥</m:t>
-                    </m:r>
-                    <m:r>
-                      <a:rPr lang="en-US" i="1" dirty="0">
-                        <a:latin typeface="Cambria Math"/>
-                      </a:rPr>
-                      <m:t>)</m:t>
-                    </m:r>
-                    <m:sSub>
-                      <m:sSubPr>
-                        <m:ctrlPr>
-                          <a:rPr lang="en-US" i="1" dirty="0">
-                            <a:latin typeface="Cambria Math"/>
-                          </a:rPr>
-                        </m:ctrlPr>
-                      </m:sSubPr>
-                      <m:e>
-                        <m:r>
-                          <a:rPr lang="en-US" i="1" dirty="0">
-                            <a:latin typeface="Cambria Math"/>
-                          </a:rPr>
-                          <m:t>𝑐</m:t>
-                        </m:r>
-                      </m:e>
-                      <m:sub>
-                        <m:r>
-                          <a:rPr lang="en-US" i="1" dirty="0">
-                            <a:latin typeface="Cambria Math"/>
-                          </a:rPr>
-                          <m:t>𝑖</m:t>
-                        </m:r>
-                        <m:r>
-                          <a:rPr lang="en-US" i="1" dirty="0">
-                            <a:latin typeface="Cambria Math"/>
-                          </a:rPr>
-                          <m:t>,</m:t>
-                        </m:r>
-                        <m:sSub>
-                          <m:sSubPr>
-                            <m:ctrlPr>
-                              <a:rPr lang="en-US" i="1" dirty="0">
-                                <a:latin typeface="Cambria Math"/>
-                              </a:rPr>
-                            </m:ctrlPr>
-                          </m:sSubPr>
-                          <m:e>
-                            <m:r>
-                              <a:rPr lang="en-US" i="1" dirty="0">
-                                <a:latin typeface="Cambria Math"/>
-                              </a:rPr>
-                              <m:t>𝐻</m:t>
-                            </m:r>
-                          </m:e>
-                          <m:sub>
-                            <m:r>
-                              <a:rPr lang="en-US" i="1" dirty="0">
-                                <a:latin typeface="Cambria Math"/>
-                              </a:rPr>
-                              <m:t>𝑖</m:t>
-                            </m:r>
-                          </m:sub>
-                        </m:sSub>
-                        <m:d>
-                          <m:dPr>
-                            <m:ctrlPr>
-                              <a:rPr lang="en-US" i="1" dirty="0">
-                                <a:latin typeface="Cambria Math"/>
-                              </a:rPr>
-                            </m:ctrlPr>
-                          </m:dPr>
-                          <m:e>
-                            <m:r>
-                              <a:rPr lang="en-US" i="1" dirty="0">
-                                <a:latin typeface="Cambria Math"/>
-                              </a:rPr>
-                              <m:t>𝑥</m:t>
-                            </m:r>
-                          </m:e>
-                        </m:d>
-                      </m:sub>
-                    </m:sSub>
-                  </m:oMath>
-                </a14:m>
-                <a:r>
-                  <a:rPr lang="en-US" dirty="0">
-                    <a:latin typeface="Cambria Math"/>
-                  </a:rPr>
-                  <a:t>] </a:t>
-                </a:r>
-                <a14:m>
-                  <m:oMath xmlns:m="http://schemas.openxmlformats.org/officeDocument/2006/math">
-                    <m:r>
-                      <a:rPr lang="en-US" i="1" dirty="0" smtClean="0">
-                        <a:latin typeface="Cambria Math"/>
-                      </a:rPr>
-                      <m:t>≤</m:t>
-                    </m:r>
-                    <m:f>
-                      <m:fPr>
-                        <m:ctrlPr>
-                          <a:rPr lang="en-US" b="0" i="1" dirty="0" smtClean="0">
-                            <a:latin typeface="Cambria Math"/>
-                          </a:rPr>
-                        </m:ctrlPr>
-                      </m:fPr>
-                      <m:num>
-                        <m:sSub>
-                          <m:sSubPr>
-                            <m:ctrlPr>
-                              <a:rPr lang="en-US" b="0" i="1" dirty="0" smtClean="0">
-                                <a:latin typeface="Cambria Math"/>
-                              </a:rPr>
-                            </m:ctrlPr>
-                          </m:sSubPr>
-                          <m:e>
-                            <m:r>
-                              <a:rPr lang="en-US" b="0" i="1" dirty="0" smtClean="0">
-                                <a:latin typeface="Cambria Math"/>
-                              </a:rPr>
-                              <m:t>𝐹</m:t>
-                            </m:r>
-                          </m:e>
-                          <m:sub>
-                            <m:r>
-                              <a:rPr lang="en-US" b="0" i="1" dirty="0" smtClean="0">
-                                <a:latin typeface="Cambria Math"/>
-                              </a:rPr>
-                              <m:t>2</m:t>
-                            </m:r>
-                          </m:sub>
-                        </m:sSub>
-                      </m:num>
-                      <m:den>
-                        <m:r>
-                          <a:rPr lang="en-US" b="0" i="1" dirty="0" smtClean="0">
-                            <a:latin typeface="Cambria Math"/>
-                          </a:rPr>
-                          <m:t>𝑤</m:t>
-                        </m:r>
-                      </m:den>
-                    </m:f>
-                  </m:oMath>
-                </a14:m>
-                <a:endParaRPr lang="en-US" b="0" dirty="0" smtClean="0">
-                  <a:latin typeface="Cambria Math"/>
-                </a:endParaRPr>
-              </a:p>
-              <a:p>
-                <a:r>
-                  <a:rPr lang="en-US" dirty="0" smtClean="0">
-                    <a:latin typeface="Cambria Math"/>
-                  </a:rPr>
-                  <a:t>By </a:t>
-                </a:r>
-                <a:r>
-                  <a:rPr lang="en-US" dirty="0" err="1" smtClean="0">
-                    <a:latin typeface="Cambria Math"/>
-                  </a:rPr>
-                  <a:t>Chebyshev</a:t>
-                </a:r>
-                <a:r>
-                  <a:rPr lang="en-US" dirty="0" smtClean="0">
-                    <a:latin typeface="Cambria Math"/>
-                  </a:rPr>
-                  <a:t>: </a:t>
-                </a:r>
-                <a14:m>
-                  <m:oMath xmlns:m="http://schemas.openxmlformats.org/officeDocument/2006/math">
-                    <m:func>
-                      <m:funcPr>
-                        <m:ctrlPr>
-                          <a:rPr lang="en-US" b="0" i="1" smtClean="0">
-                            <a:latin typeface="Cambria Math"/>
-                          </a:rPr>
-                        </m:ctrlPr>
-                      </m:funcPr>
-                      <m:fName>
-                        <m:r>
-                          <m:rPr>
-                            <m:sty m:val="p"/>
-                          </m:rPr>
-                          <a:rPr lang="en-US" b="0" i="0" smtClean="0">
-                            <a:latin typeface="Cambria Math"/>
-                          </a:rPr>
-                          <m:t>Pr</m:t>
-                        </m:r>
-                      </m:fName>
-                      <m:e>
-                        <m:d>
-                          <m:dPr>
-                            <m:begChr m:val="["/>
-                            <m:endChr m:val="|"/>
-                            <m:ctrlPr>
-                              <a:rPr lang="en-US" b="0" i="1" smtClean="0">
-                                <a:latin typeface="Cambria Math"/>
-                              </a:rPr>
-                            </m:ctrlPr>
-                          </m:dPr>
-                          <m:e>
-                            <m:sSub>
-                              <m:sSubPr>
-                                <m:ctrlPr>
-                                  <a:rPr lang="en-US" i="1" dirty="0">
-                                    <a:latin typeface="Cambria Math"/>
-                                  </a:rPr>
-                                </m:ctrlPr>
-                              </m:sSubPr>
-                              <m:e>
-                                <m:r>
-                                  <a:rPr lang="en-US" b="0" i="1" dirty="0" smtClean="0">
-                                    <a:latin typeface="Cambria Math"/>
-                                  </a:rPr>
-                                  <m:t>|</m:t>
-                                </m:r>
-                                <m:r>
-                                  <a:rPr lang="en-US" i="1" dirty="0">
-                                    <a:latin typeface="Cambria Math"/>
-                                  </a:rPr>
-                                  <m:t>𝑟</m:t>
-                                </m:r>
-                              </m:e>
-                              <m:sub>
-                                <m:r>
-                                  <a:rPr lang="en-US" i="1" dirty="0">
-                                    <a:latin typeface="Cambria Math"/>
-                                  </a:rPr>
-                                  <m:t>𝑖</m:t>
-                                </m:r>
-                              </m:sub>
-                            </m:sSub>
-                            <m:d>
-                              <m:dPr>
-                                <m:ctrlPr>
-                                  <a:rPr lang="en-US" i="1" dirty="0">
-                                    <a:latin typeface="Cambria Math"/>
-                                  </a:rPr>
-                                </m:ctrlPr>
-                              </m:dPr>
-                              <m:e>
-                                <m:r>
-                                  <a:rPr lang="en-US" i="1" dirty="0">
-                                    <a:latin typeface="Cambria Math"/>
-                                  </a:rPr>
-                                  <m:t>𝑥</m:t>
-                                </m:r>
-                              </m:e>
-                            </m:d>
-                            <m:sSub>
-                              <m:sSubPr>
-                                <m:ctrlPr>
-                                  <a:rPr lang="en-US" i="1" dirty="0">
-                                    <a:latin typeface="Cambria Math"/>
-                                  </a:rPr>
-                                </m:ctrlPr>
-                              </m:sSubPr>
-                              <m:e>
-                                <m:r>
-                                  <a:rPr lang="en-US" i="1" dirty="0">
-                                    <a:latin typeface="Cambria Math"/>
-                                  </a:rPr>
-                                  <m:t>𝑐</m:t>
-                                </m:r>
-                              </m:e>
-                              <m:sub>
-                                <m:r>
-                                  <a:rPr lang="en-US" i="1" dirty="0">
-                                    <a:latin typeface="Cambria Math"/>
-                                  </a:rPr>
-                                  <m:t>𝑖</m:t>
-                                </m:r>
-                                <m:r>
-                                  <a:rPr lang="en-US" i="1" dirty="0">
-                                    <a:latin typeface="Cambria Math"/>
-                                  </a:rPr>
-                                  <m:t>,</m:t>
-                                </m:r>
-                                <m:sSub>
-                                  <m:sSubPr>
-                                    <m:ctrlPr>
-                                      <a:rPr lang="en-US" i="1" dirty="0">
-                                        <a:latin typeface="Cambria Math"/>
-                                      </a:rPr>
-                                    </m:ctrlPr>
-                                  </m:sSubPr>
-                                  <m:e>
-                                    <m:r>
-                                      <a:rPr lang="en-US" i="1" dirty="0">
-                                        <a:latin typeface="Cambria Math"/>
-                                      </a:rPr>
-                                      <m:t>𝐻</m:t>
-                                    </m:r>
-                                  </m:e>
-                                  <m:sub>
-                                    <m:r>
-                                      <a:rPr lang="en-US" i="1" dirty="0">
-                                        <a:latin typeface="Cambria Math"/>
-                                      </a:rPr>
-                                      <m:t>𝑖</m:t>
-                                    </m:r>
-                                  </m:sub>
-                                </m:sSub>
-                                <m:d>
-                                  <m:dPr>
-                                    <m:ctrlPr>
-                                      <a:rPr lang="en-US" i="1" dirty="0">
-                                        <a:latin typeface="Cambria Math"/>
-                                      </a:rPr>
-                                    </m:ctrlPr>
-                                  </m:dPr>
-                                  <m:e>
-                                    <m:r>
-                                      <a:rPr lang="en-US" i="1" dirty="0">
-                                        <a:latin typeface="Cambria Math"/>
-                                      </a:rPr>
-                                      <m:t>𝑥</m:t>
-                                    </m:r>
-                                  </m:e>
-                                </m:d>
-                              </m:sub>
-                            </m:sSub>
-                            <m:r>
-                              <a:rPr lang="en-US" b="0" i="1" dirty="0" smtClean="0">
-                                <a:latin typeface="Cambria Math"/>
-                              </a:rPr>
-                              <m:t>−</m:t>
-                            </m:r>
-                            <m:sSub>
-                              <m:sSubPr>
-                                <m:ctrlPr>
-                                  <a:rPr lang="en-US" b="0" i="1" dirty="0" smtClean="0">
-                                    <a:latin typeface="Cambria Math"/>
-                                  </a:rPr>
-                                </m:ctrlPr>
-                              </m:sSubPr>
-                              <m:e>
-                                <m:r>
-                                  <a:rPr lang="en-US" b="0" i="1" dirty="0" smtClean="0">
-                                    <a:latin typeface="Cambria Math"/>
-                                  </a:rPr>
-                                  <m:t>𝑓</m:t>
-                                </m:r>
-                              </m:e>
-                              <m:sub>
-                                <m:r>
-                                  <a:rPr lang="en-US" b="0" i="1" dirty="0" smtClean="0">
-                                    <a:latin typeface="Cambria Math"/>
-                                  </a:rPr>
-                                  <m:t>𝑥</m:t>
-                                </m:r>
-                              </m:sub>
-                            </m:sSub>
-                          </m:e>
-                        </m:d>
-                      </m:e>
-                    </m:func>
-                    <m:r>
-                      <a:rPr lang="en-US" b="0" i="1" smtClean="0">
-                        <a:latin typeface="Cambria Math"/>
-                      </a:rPr>
-                      <m:t>≥</m:t>
-                    </m:r>
-                    <m:r>
-                      <a:rPr lang="en-US" b="0" i="1" smtClean="0">
-                        <a:latin typeface="Cambria Math"/>
-                      </a:rPr>
-                      <m:t>𝜖</m:t>
-                    </m:r>
-                    <m:rad>
-                      <m:radPr>
-                        <m:degHide m:val="on"/>
-                        <m:ctrlPr>
-                          <a:rPr lang="en-US" b="0" i="1" smtClean="0">
-                            <a:latin typeface="Cambria Math"/>
-                          </a:rPr>
-                        </m:ctrlPr>
-                      </m:radPr>
-                      <m:deg/>
-                      <m:e>
-                        <m:sSub>
-                          <m:sSubPr>
-                            <m:ctrlPr>
-                              <a:rPr lang="en-US" b="0" i="1" smtClean="0">
-                                <a:latin typeface="Cambria Math"/>
-                              </a:rPr>
-                            </m:ctrlPr>
-                          </m:sSubPr>
-                          <m:e>
-                            <m:r>
-                              <a:rPr lang="en-US" b="0" i="1" smtClean="0">
-                                <a:latin typeface="Cambria Math"/>
-                              </a:rPr>
-                              <m:t>𝐹</m:t>
-                            </m:r>
-                          </m:e>
-                          <m:sub>
-                            <m:r>
-                              <a:rPr lang="en-US" b="0" i="1" smtClean="0">
-                                <a:latin typeface="Cambria Math"/>
-                              </a:rPr>
-                              <m:t>2</m:t>
-                            </m:r>
-                          </m:sub>
-                        </m:sSub>
-                      </m:e>
-                    </m:rad>
-                    <m:r>
-                      <a:rPr lang="en-US" b="0" i="1" smtClean="0">
-                        <a:latin typeface="Cambria Math"/>
-                      </a:rPr>
-                      <m:t>]≤1/3 </m:t>
-                    </m:r>
-                  </m:oMath>
-                </a14:m>
-                <a:endParaRPr lang="en-US" b="0" dirty="0" smtClean="0">
-                  <a:latin typeface="Cambria Math"/>
-                </a:endParaRPr>
-              </a:p>
-              <a:p>
-                <a:r>
-                  <a:rPr lang="en-US" b="0" dirty="0" smtClean="0">
-                    <a:latin typeface="Cambria Math"/>
-                  </a:rPr>
-                  <a:t>By </a:t>
-                </a:r>
-                <a:r>
-                  <a:rPr lang="en-US" b="0" dirty="0" err="1" smtClean="0">
-                    <a:latin typeface="Cambria Math"/>
-                  </a:rPr>
-                  <a:t>Chernoff</a:t>
-                </a:r>
-                <a:r>
-                  <a:rPr lang="en-US" b="0" dirty="0" smtClean="0">
-                    <a:latin typeface="Cambria Math"/>
-                  </a:rPr>
-                  <a:t> with </a:t>
-                </a:r>
-                <a14:m>
-                  <m:oMath xmlns:m="http://schemas.openxmlformats.org/officeDocument/2006/math">
-                    <m:r>
-                      <a:rPr lang="en-US" i="1">
-                        <a:latin typeface="Cambria Math"/>
-                      </a:rPr>
-                      <m:t>𝑑</m:t>
-                    </m:r>
-                    <m:r>
-                      <a:rPr lang="en-US" i="1">
-                        <a:latin typeface="Cambria Math"/>
-                      </a:rPr>
-                      <m:t>=</m:t>
-                    </m:r>
-                    <m:r>
-                      <a:rPr lang="en-US" i="1">
-                        <a:latin typeface="Cambria Math"/>
-                      </a:rPr>
-                      <m:t>𝑂</m:t>
-                    </m:r>
-                    <m:d>
-                      <m:dPr>
-                        <m:ctrlPr>
-                          <a:rPr lang="en-US" i="1">
-                            <a:latin typeface="Cambria Math"/>
-                          </a:rPr>
-                        </m:ctrlPr>
-                      </m:dPr>
-                      <m:e>
-                        <m:func>
-                          <m:funcPr>
-                            <m:ctrlPr>
-                              <a:rPr lang="en-US" i="1">
-                                <a:latin typeface="Cambria Math"/>
-                              </a:rPr>
-                            </m:ctrlPr>
-                          </m:funcPr>
-                          <m:fName>
-                            <m:r>
-                              <m:rPr>
-                                <m:sty m:val="p"/>
-                              </m:rPr>
-                              <a:rPr lang="en-US">
-                                <a:latin typeface="Cambria Math"/>
-                              </a:rPr>
-                              <m:t>log</m:t>
-                            </m:r>
-                          </m:fName>
-                          <m:e>
-                            <m:f>
-                              <m:fPr>
-                                <m:ctrlPr>
-                                  <a:rPr lang="en-US" i="1">
-                                    <a:latin typeface="Cambria Math"/>
-                                  </a:rPr>
-                                </m:ctrlPr>
-                              </m:fPr>
-                              <m:num>
-                                <m:r>
-                                  <a:rPr lang="en-US" i="1">
-                                    <a:latin typeface="Cambria Math"/>
-                                  </a:rPr>
-                                  <m:t>1</m:t>
-                                </m:r>
-                              </m:num>
-                              <m:den>
-                                <m:r>
-                                  <a:rPr lang="en-US" i="1">
-                                    <a:latin typeface="Cambria Math"/>
-                                  </a:rPr>
-                                  <m:t>𝛿</m:t>
-                                </m:r>
-                                <m:r>
-                                  <a:rPr lang="en-US" i="1">
-                                    <a:latin typeface="Cambria Math"/>
-                                  </a:rPr>
-                                  <m:t> </m:t>
-                                </m:r>
-                              </m:den>
-                            </m:f>
-                          </m:e>
-                        </m:func>
-                      </m:e>
-                    </m:d>
-                  </m:oMath>
-                </a14:m>
-                <a:r>
-                  <a:rPr lang="en-US" b="0" dirty="0" smtClean="0">
-                    <a:latin typeface="Cambria Math"/>
-                  </a:rPr>
-                  <a:t> error prob. </a:t>
-                </a:r>
-                <a14:m>
-                  <m:oMath xmlns:m="http://schemas.openxmlformats.org/officeDocument/2006/math">
-                    <m:r>
-                      <a:rPr lang="en-US" i="1">
-                        <a:latin typeface="Cambria Math"/>
-                      </a:rPr>
-                      <m:t>1 −</m:t>
-                    </m:r>
-                    <m:r>
-                      <a:rPr lang="en-US" i="1">
-                        <a:latin typeface="Cambria Math"/>
-                      </a:rPr>
-                      <m:t>𝛿</m:t>
-                    </m:r>
-                  </m:oMath>
-                </a14:m>
-                <a:r>
-                  <a:rPr lang="en-US" b="0" dirty="0" smtClean="0">
-                    <a:latin typeface="Cambria Math"/>
-                  </a:rPr>
-                  <a:t>.</a:t>
-                </a:r>
-              </a:p>
-              <a:p>
-                <a:endParaRPr lang="en-US" b="0" dirty="0" smtClean="0">
-                  <a:latin typeface="Cambria Math"/>
-                </a:endParaRPr>
-              </a:p>
-              <a:p>
-                <a:pPr marL="0" indent="0">
-                  <a:buNone/>
-                </a:pPr>
-                <a:endParaRPr lang="en-US" dirty="0"/>
-              </a:p>
-              <a:p>
-                <a:endParaRPr lang="en-US" dirty="0"/>
-              </a:p>
-            </p:txBody>
-          </p:sp>
-        </mc:Choice>
-        <mc:Fallback xmlns="">
-          <p:sp>
-            <p:nvSpPr>
-              <p:cNvPr id="3" name="Content Placeholder 2"/>
-              <p:cNvSpPr>
-                <a:spLocks noGrp="1" noRot="1" noChangeAspect="1" noMove="1" noResize="1" noEditPoints="1" noAdjustHandles="1" noChangeArrowheads="1" noChangeShapeType="1" noTextEdit="1"/>
-              </p:cNvSpPr>
-              <p:nvPr>
-                <p:ph idx="1"/>
-              </p:nvPr>
-            </p:nvSpPr>
-            <p:spPr>
-              <a:xfrm>
-                <a:off x="457200" y="1600200"/>
-                <a:ext cx="8229600" cy="4876800"/>
-              </a:xfrm>
-              <a:blipFill rotWithShape="1">
-                <a:blip r:embed="rId2"/>
-                <a:stretch>
-                  <a:fillRect l="-815" t="-2000"/>
-                </a:stretch>
-              </a:blipFill>
-            </p:spPr>
-            <p:txBody>
-              <a:bodyPr/>
-              <a:lstStyle/>
-              <a:p>
-                <a:r>
-                  <a:rPr lang="en-US">
-                    <a:noFill/>
-                  </a:rPr>
-                  <a:t> </a:t>
-                </a:r>
-              </a:p>
-            </p:txBody>
-          </p:sp>
-        </mc:Fallback>
-      </mc:AlternateContent>
-    </p:spTree>
-    <p:extLst>
-      <p:ext uri="{BB962C8B-B14F-4D97-AF65-F5344CB8AC3E}">
-        <p14:creationId xmlns:p14="http://schemas.microsoft.com/office/powerpoint/2010/main" val="3912482225"/>
-      </p:ext>
-    </p:extLst>
-  </p:cSld>
-  <p:clrMapOvr>
-    <a:masterClrMapping/>
-  </p:clrMapOvr>
-  <p:timing>
-    <p:tnLst>
-      <p:par>
-        <p:cTn id="1" dur="indefinite" restart="never" nodeType="tmRoot">
-          <p:childTnLst>
-            <p:seq concurrent="1" nextAc="seek">
-              <p:cTn id="2" dur="indefinite" nodeType="mainSeq">
-                <p:childTnLst>
-                  <p:par>
-                    <p:cTn id="3" fill="hold">
-                      <p:stCondLst>
-                        <p:cond delay="indefinite"/>
-                      </p:stCondLst>
-                      <p:childTnLst>
-                        <p:par>
-                          <p:cTn id="4" fill="hold">
-                            <p:stCondLst>
-                              <p:cond delay="0"/>
-                            </p:stCondLst>
-                            <p:childTnLst>
-                              <p:par>
-                                <p:cTn id="5" presetID="1" presetClass="entr" presetSubtype="0" fill="hold" grpId="0" nodeType="clickEffect">
-                                  <p:stCondLst>
-                                    <p:cond delay="0"/>
-                                  </p:stCondLst>
-                                  <p:childTnLst>
-                                    <p:set>
-                                      <p:cBhvr>
-                                        <p:cTn id="6" dur="1" fill="hold">
-                                          <p:stCondLst>
-                                            <p:cond delay="0"/>
-                                          </p:stCondLst>
-                                        </p:cTn>
-                                        <p:tgtEl>
-                                          <p:spTgt spid="3">
-                                            <p:txEl>
-                                              <p:pRg st="0" end="0"/>
-                                            </p:txEl>
-                                          </p:spTgt>
-                                        </p:tgtEl>
-                                        <p:attrNameLst>
-                                          <p:attrName>style.visibility</p:attrName>
-                                        </p:attrNameLst>
-                                      </p:cBhvr>
-                                      <p:to>
-                                        <p:strVal val="visible"/>
-                                      </p:to>
-                                    </p:set>
-                                  </p:childTnLst>
-                                </p:cTn>
-                              </p:par>
-                            </p:childTnLst>
-                          </p:cTn>
-                        </p:par>
-                      </p:childTnLst>
-                    </p:cTn>
-                  </p:par>
-                  <p:par>
-                    <p:cTn id="7" fill="hold">
-                      <p:stCondLst>
-                        <p:cond delay="indefinite"/>
-                      </p:stCondLst>
-                      <p:childTnLst>
-                        <p:par>
-                          <p:cTn id="8" fill="hold">
-                            <p:stCondLst>
-                              <p:cond delay="0"/>
-                            </p:stCondLst>
-                            <p:childTnLst>
-                              <p:par>
-                                <p:cTn id="9" presetID="1" presetClass="entr" presetSubtype="0" fill="hold" grpId="0" nodeType="clickEffect">
-                                  <p:stCondLst>
-                                    <p:cond delay="0"/>
-                                  </p:stCondLst>
-                                  <p:childTnLst>
-                                    <p:set>
-                                      <p:cBhvr>
-                                        <p:cTn id="10" dur="1" fill="hold">
-                                          <p:stCondLst>
-                                            <p:cond delay="0"/>
-                                          </p:stCondLst>
-                                        </p:cTn>
-                                        <p:tgtEl>
-                                          <p:spTgt spid="3">
-                                            <p:txEl>
-                                              <p:pRg st="1" end="1"/>
-                                            </p:txEl>
-                                          </p:spTgt>
-                                        </p:tgtEl>
-                                        <p:attrNameLst>
-                                          <p:attrName>style.visibility</p:attrName>
-                                        </p:attrNameLst>
-                                      </p:cBhvr>
-                                      <p:to>
-                                        <p:strVal val="visible"/>
-                                      </p:to>
-                                    </p:set>
-                                  </p:childTnLst>
-                                </p:cTn>
-                              </p:par>
-                            </p:childTnLst>
-                          </p:cTn>
-                        </p:par>
-                      </p:childTnLst>
-                    </p:cTn>
-                  </p:par>
-                  <p:par>
-                    <p:cTn id="11" fill="hold">
-                      <p:stCondLst>
-                        <p:cond delay="indefinite"/>
-                      </p:stCondLst>
-                      <p:childTnLst>
-                        <p:par>
-                          <p:cTn id="12" fill="hold">
-                            <p:stCondLst>
-                              <p:cond delay="0"/>
-                            </p:stCondLst>
-                            <p:childTnLst>
-                              <p:par>
-                                <p:cTn id="13" presetID="1" presetClass="entr" presetSubtype="0" fill="hold" grpId="0" nodeType="clickEffect">
-                                  <p:stCondLst>
-                                    <p:cond delay="0"/>
-                                  </p:stCondLst>
-                                  <p:childTnLst>
-                                    <p:set>
-                                      <p:cBhvr>
-                                        <p:cTn id="14" dur="1" fill="hold">
-                                          <p:stCondLst>
-                                            <p:cond delay="0"/>
-                                          </p:stCondLst>
-                                        </p:cTn>
-                                        <p:tgtEl>
-                                          <p:spTgt spid="3">
-                                            <p:txEl>
-                                              <p:pRg st="2" end="2"/>
-                                            </p:txEl>
-                                          </p:spTgt>
-                                        </p:tgtEl>
-                                        <p:attrNameLst>
-                                          <p:attrName>style.visibility</p:attrName>
-                                        </p:attrNameLst>
-                                      </p:cBhvr>
-                                      <p:to>
-                                        <p:strVal val="visible"/>
-                                      </p:to>
-                                    </p:set>
-                                  </p:childTnLst>
-                                </p:cTn>
-                              </p:par>
-                            </p:childTnLst>
-                          </p:cTn>
-                        </p:par>
-                      </p:childTnLst>
-                    </p:cTn>
-                  </p:par>
-                  <p:par>
-                    <p:cTn id="15" fill="hold">
-                      <p:stCondLst>
-                        <p:cond delay="indefinite"/>
-                      </p:stCondLst>
-                      <p:childTnLst>
-                        <p:par>
-                          <p:cTn id="16" fill="hold">
-                            <p:stCondLst>
-                              <p:cond delay="0"/>
-                            </p:stCondLst>
-                            <p:childTnLst>
-                              <p:par>
-                                <p:cTn id="17" presetID="1" presetClass="entr" presetSubtype="0" fill="hold" grpId="0" nodeType="clickEffect">
-                                  <p:stCondLst>
-                                    <p:cond delay="0"/>
-                                  </p:stCondLst>
-                                  <p:childTnLst>
-                                    <p:set>
-                                      <p:cBhvr>
-                                        <p:cTn id="18" dur="1" fill="hold">
-                                          <p:stCondLst>
-                                            <p:cond delay="0"/>
-                                          </p:stCondLst>
-                                        </p:cTn>
-                                        <p:tgtEl>
-                                          <p:spTgt spid="3">
-                                            <p:txEl>
-                                              <p:pRg st="3" end="3"/>
-                                            </p:txEl>
-                                          </p:spTgt>
-                                        </p:tgtEl>
-                                        <p:attrNameLst>
-                                          <p:attrName>style.visibility</p:attrName>
-                                        </p:attrNameLst>
-                                      </p:cBhvr>
-                                      <p:to>
-                                        <p:strVal val="visible"/>
-                                      </p:to>
-                                    </p:set>
-                                  </p:childTnLst>
-                                </p:cTn>
-                              </p:par>
-                            </p:childTnLst>
-                          </p:cTn>
-                        </p:par>
-                      </p:childTnLst>
-                    </p:cTn>
-                  </p:par>
-                  <p:par>
-                    <p:cTn id="19" fill="hold">
-                      <p:stCondLst>
-                        <p:cond delay="indefinite"/>
-                      </p:stCondLst>
-                      <p:childTnLst>
-                        <p:par>
-                          <p:cTn id="20" fill="hold">
-                            <p:stCondLst>
-                              <p:cond delay="0"/>
-                            </p:stCondLst>
-                            <p:childTnLst>
-                              <p:par>
-                                <p:cTn id="21" presetID="1" presetClass="entr" presetSubtype="0" fill="hold" grpId="0" nodeType="clickEffect">
-                                  <p:stCondLst>
-                                    <p:cond delay="0"/>
-                                  </p:stCondLst>
-                                  <p:childTnLst>
-                                    <p:set>
-                                      <p:cBhvr>
-                                        <p:cTn id="22" dur="1" fill="hold">
-                                          <p:stCondLst>
-                                            <p:cond delay="0"/>
-                                          </p:stCondLst>
-                                        </p:cTn>
-                                        <p:tgtEl>
-                                          <p:spTgt spid="3">
-                                            <p:txEl>
-                                              <p:pRg st="4" end="4"/>
-                                            </p:txEl>
-                                          </p:spTgt>
-                                        </p:tgtEl>
-                                        <p:attrNameLst>
-                                          <p:attrName>style.visibility</p:attrName>
-                                        </p:attrNameLst>
-                                      </p:cBhvr>
-                                      <p:to>
-                                        <p:strVal val="visible"/>
-                                      </p:to>
-                                    </p:set>
-                                  </p:childTnLst>
-                                </p:cTn>
-                              </p:par>
-                            </p:childTnLst>
-                          </p:cTn>
-                        </p:par>
-                      </p:childTnLst>
-                    </p:cTn>
-                  </p:par>
-                  <p:par>
-                    <p:cTn id="23" fill="hold">
-                      <p:stCondLst>
-                        <p:cond delay="indefinite"/>
-                      </p:stCondLst>
-                      <p:childTnLst>
-                        <p:par>
-                          <p:cTn id="24" fill="hold">
-                            <p:stCondLst>
-                              <p:cond delay="0"/>
-                            </p:stCondLst>
-                            <p:childTnLst>
-                              <p:par>
-                                <p:cTn id="25" presetID="1" presetClass="entr" presetSubtype="0" fill="hold" grpId="0" nodeType="clickEffect">
-                                  <p:stCondLst>
-                                    <p:cond delay="0"/>
-                                  </p:stCondLst>
-                                  <p:childTnLst>
-                                    <p:set>
-                                      <p:cBhvr>
-                                        <p:cTn id="26" dur="1" fill="hold">
-                                          <p:stCondLst>
-                                            <p:cond delay="0"/>
-                                          </p:stCondLst>
-                                        </p:cTn>
-                                        <p:tgtEl>
-                                          <p:spTgt spid="3">
-                                            <p:txEl>
-                                              <p:pRg st="5" end="5"/>
-                                            </p:txEl>
-                                          </p:spTgt>
-                                        </p:tgtEl>
-                                        <p:attrNameLst>
-                                          <p:attrName>style.visibility</p:attrName>
-                                        </p:attrNameLst>
-                                      </p:cBhvr>
-                                      <p:to>
-                                        <p:strVal val="visible"/>
-                                      </p:to>
-                                    </p:set>
-                                  </p:childTnLst>
-                                </p:cTn>
-                              </p:par>
-                            </p:childTnLst>
-                          </p:cTn>
-                        </p:par>
-                      </p:childTnLst>
-                    </p:cTn>
-                  </p:par>
-                  <p:par>
-                    <p:cTn id="27" fill="hold">
-                      <p:stCondLst>
-                        <p:cond delay="indefinite"/>
-                      </p:stCondLst>
-                      <p:childTnLst>
-                        <p:par>
-                          <p:cTn id="28" fill="hold">
-                            <p:stCondLst>
-                              <p:cond delay="0"/>
-                            </p:stCondLst>
-                            <p:childTnLst>
-                              <p:par>
-                                <p:cTn id="29" presetID="1" presetClass="entr" presetSubtype="0" fill="hold" grpId="0" nodeType="clickEffect">
-                                  <p:stCondLst>
-                                    <p:cond delay="0"/>
-                                  </p:stCondLst>
-                                  <p:childTnLst>
-                                    <p:set>
-                                      <p:cBhvr>
-                                        <p:cTn id="30" dur="1" fill="hold">
-                                          <p:stCondLst>
-                                            <p:cond delay="0"/>
-                                          </p:stCondLst>
-                                        </p:cTn>
-                                        <p:tgtEl>
-                                          <p:spTgt spid="3">
-                                            <p:txEl>
-                                              <p:pRg st="6" end="6"/>
-                                            </p:txEl>
-                                          </p:spTgt>
-                                        </p:tgtEl>
-                                        <p:attrNameLst>
-                                          <p:attrName>style.visibility</p:attrName>
-                                        </p:attrNameLst>
-                                      </p:cBhvr>
-                                      <p:to>
-                                        <p:strVal val="visible"/>
-                                      </p:to>
-                                    </p:set>
-                                  </p:childTnLst>
-                                </p:cTn>
-                              </p:par>
-                            </p:childTnLst>
-                          </p:cTn>
-                        </p:par>
-                      </p:childTnLst>
-                    </p:cTn>
-                  </p:par>
-                  <p:par>
-                    <p:cTn id="31" fill="hold">
-                      <p:stCondLst>
-                        <p:cond delay="indefinite"/>
-                      </p:stCondLst>
-                      <p:childTnLst>
-                        <p:par>
-                          <p:cTn id="32" fill="hold">
-                            <p:stCondLst>
-                              <p:cond delay="0"/>
-                            </p:stCondLst>
-                            <p:childTnLst>
-                              <p:par>
-                                <p:cTn id="33" presetID="1" presetClass="entr" presetSubtype="0" fill="hold" grpId="0" nodeType="clickEffect">
-                                  <p:stCondLst>
-                                    <p:cond delay="0"/>
-                                  </p:stCondLst>
-                                  <p:childTnLst>
-                                    <p:set>
-                                      <p:cBhvr>
-                                        <p:cTn id="34" dur="1" fill="hold">
-                                          <p:stCondLst>
-                                            <p:cond delay="0"/>
-                                          </p:stCondLst>
-                                        </p:cTn>
-                                        <p:tgtEl>
-                                          <p:spTgt spid="3">
-                                            <p:txEl>
-                                              <p:pRg st="7" end="7"/>
-                                            </p:txEl>
-                                          </p:spTgt>
-                                        </p:tgtEl>
-                                        <p:attrNameLst>
-                                          <p:attrName>style.visibility</p:attrName>
-                                        </p:attrNameLst>
-                                      </p:cBhvr>
-                                      <p:to>
-                                        <p:strVal val="visible"/>
-                                      </p:to>
-                                    </p:set>
-                                  </p:childTnLst>
-                                </p:cTn>
-                              </p:par>
-                            </p:childTnLst>
-                          </p:cTn>
-                        </p:par>
-                      </p:childTnLst>
-                    </p:cTn>
-                  </p:par>
-                  <p:par>
-                    <p:cTn id="35" fill="hold">
-                      <p:stCondLst>
-                        <p:cond delay="indefinite"/>
-                      </p:stCondLst>
-                      <p:childTnLst>
-                        <p:par>
-                          <p:cTn id="36" fill="hold">
-                            <p:stCondLst>
-                              <p:cond delay="0"/>
-                            </p:stCondLst>
-                            <p:childTnLst>
-                              <p:par>
-                                <p:cTn id="37" presetID="1" presetClass="entr" presetSubtype="0" fill="hold" grpId="0" nodeType="clickEffect">
-                                  <p:stCondLst>
-                                    <p:cond delay="0"/>
-                                  </p:stCondLst>
-                                  <p:childTnLst>
-                                    <p:set>
-                                      <p:cBhvr>
-                                        <p:cTn id="38" dur="1" fill="hold">
-                                          <p:stCondLst>
-                                            <p:cond delay="0"/>
-                                          </p:stCondLst>
-                                        </p:cTn>
-                                        <p:tgtEl>
-                                          <p:spTgt spid="3">
-                                            <p:txEl>
-                                              <p:pRg st="8" end="8"/>
-                                            </p:txEl>
-                                          </p:spTgt>
-                                        </p:tgtEl>
-                                        <p:attrNameLst>
-                                          <p:attrName>style.visibility</p:attrName>
-                                        </p:attrNameLst>
-                                      </p:cBhvr>
-                                      <p:to>
-                                        <p:strVal val="visible"/>
-                                      </p:to>
-                                    </p:set>
-                                  </p:childTnLst>
-                                </p:cTn>
-                              </p:par>
-                            </p:childTnLst>
-                          </p:cTn>
-                        </p:par>
-                      </p:childTnLst>
-                    </p:cTn>
-                  </p:par>
-                  <p:par>
-                    <p:cTn id="39" fill="hold">
-                      <p:stCondLst>
-                        <p:cond delay="indefinite"/>
-                      </p:stCondLst>
-                      <p:childTnLst>
-                        <p:par>
-                          <p:cTn id="40" fill="hold">
-                            <p:stCondLst>
-                              <p:cond delay="0"/>
-                            </p:stCondLst>
-                            <p:childTnLst>
-                              <p:par>
-                                <p:cTn id="41" presetID="1" presetClass="entr" presetSubtype="0" fill="hold" grpId="0" nodeType="clickEffect">
-                                  <p:stCondLst>
-                                    <p:cond delay="0"/>
-                                  </p:stCondLst>
-                                  <p:childTnLst>
-                                    <p:set>
-                                      <p:cBhvr>
-                                        <p:cTn id="42" dur="1" fill="hold">
-                                          <p:stCondLst>
-                                            <p:cond delay="0"/>
-                                          </p:stCondLst>
-                                        </p:cTn>
-                                        <p:tgtEl>
-                                          <p:spTgt spid="3">
-                                            <p:txEl>
-                                              <p:pRg st="9" end="9"/>
-                                            </p:txEl>
-                                          </p:spTgt>
-                                        </p:tgtEl>
-                                        <p:attrNameLst>
-                                          <p:attrName>style.visibility</p:attrName>
-                                        </p:attrNameLst>
-                                      </p:cBhvr>
-                                      <p:to>
-                                        <p:strVal val="visible"/>
-                                      </p:to>
-                                    </p:set>
-                                  </p:childTnLst>
-                                </p:cTn>
-                              </p:par>
-                            </p:childTnLst>
-                          </p:cTn>
-                        </p:par>
-                      </p:childTnLst>
-                    </p:cTn>
-                  </p:par>
-                </p:childTnLst>
-              </p:cTn>
-              <p:prevCondLst>
-                <p:cond evt="onPrev" delay="0">
-                  <p:tgtEl>
-                    <p:sldTgt/>
-                  </p:tgtEl>
-                </p:cond>
-              </p:prevCondLst>
-              <p:nextCondLst>
-                <p:cond evt="onNext" delay="0">
-                  <p:tgtEl>
-                    <p:sldTgt/>
-                  </p:tgtEl>
-                </p:cond>
-              </p:nextCondLst>
-            </p:seq>
-          </p:childTnLst>
-        </p:cTn>
-      </p:par>
-    </p:tnLst>
-    <p:bldLst>
-      <p:bldP spid="3" grpId="0" build="p"/>
-    </p:bldLst>
-  </p:timing>
-</p:sld>
-</file>
-
 <file path=ppt/theme/theme1.xml><?xml version="1.0" encoding="utf-8"?>
 <a:theme xmlns:a="http://schemas.openxmlformats.org/drawingml/2006/main" name="Office Theme">
   <a:themeElements>

--- a/b609/lec11.pptx
+++ b/b609/lec11.pptx
@@ -9222,8 +9222,8 @@
           </p:sp>
         </mc:Fallback>
       </mc:AlternateContent>
-      <mc:AlternateContent xmlns:mc="http://schemas.openxmlformats.org/markup-compatibility/2006" xmlns:a14="http://schemas.microsoft.com/office/drawing/2010/main">
-        <mc:Choice Requires="a14">
+      <mc:AlternateContent xmlns:mc="http://schemas.openxmlformats.org/markup-compatibility/2006">
+        <mc:Choice xmlns:a14="http://schemas.microsoft.com/office/drawing/2010/main" Requires="a14">
           <p:sp>
             <p:nvSpPr>
               <p:cNvPr id="3" name="Content Placeholder 2"/>
@@ -9824,31 +9824,18 @@
                               </m:r>
                             </m:sub>
                           </m:sSub>
-                          <m:sSub>
-                            <m:sSubPr>
-                              <m:ctrlPr>
-                                <a:rPr lang="en-US" b="0" i="1" smtClean="0">
-                                  <a:latin typeface="Cambria Math"/>
-                                </a:rPr>
-                              </m:ctrlPr>
-                            </m:sSubPr>
-                            <m:e>
-                              <m:r>
-                                <a:rPr lang="en-US" b="0" i="1" smtClean="0">
-                                  <a:latin typeface="Cambria Math"/>
-                                </a:rPr>
-                                <m:t>𝑖</m:t>
-                              </m:r>
-                            </m:e>
-                            <m:sub>
-                              <m:r>
-                                <a:rPr lang="en-US" b="0" i="1" smtClean="0">
-                                  <a:latin typeface="Cambria Math"/>
-                                </a:rPr>
-                                <m:t>𝑡</m:t>
-                              </m:r>
-                            </m:sub>
-                          </m:sSub>
+                          <m:r>
+                            <a:rPr lang="en-US" b="0" i="1" smtClean="0">
+                              <a:latin typeface="Cambria Math"/>
+                            </a:rPr>
+                            <m:t>×</m:t>
+                          </m:r>
+                          <m:r>
+                            <a:rPr lang="en-US" b="0" i="1" smtClean="0">
+                              <a:latin typeface="Cambria Math"/>
+                            </a:rPr>
+                            <m:t>𝑡</m:t>
+                          </m:r>
                         </m:e>
                       </m:nary>
                     </m:oMath>
@@ -10270,7 +10257,7 @@
             </p:txBody>
           </p:sp>
         </mc:Choice>
-        <mc:Fallback xmlns="">
+        <mc:Fallback>
           <p:sp>
             <p:nvSpPr>
               <p:cNvPr id="3" name="Content Placeholder 2"/>
@@ -10794,8 +10781,8 @@
           </a:p>
         </p:txBody>
       </p:sp>
-      <mc:AlternateContent xmlns:mc="http://schemas.openxmlformats.org/markup-compatibility/2006" xmlns:a14="http://schemas.microsoft.com/office/drawing/2010/main">
-        <mc:Choice Requires="a14">
+      <mc:AlternateContent xmlns:mc="http://schemas.openxmlformats.org/markup-compatibility/2006">
+        <mc:Choice xmlns:a14="http://schemas.microsoft.com/office/drawing/2010/main" Requires="a14">
           <p:sp>
             <p:nvSpPr>
               <p:cNvPr id="3" name="Content Placeholder 2"/>
@@ -10834,7 +10821,7 @@
                       <a:rPr lang="en-US" b="0" i="1" smtClean="0">
                         <a:latin typeface="Cambria Math"/>
                       </a:rPr>
-                      <m:t>=⌈</m:t>
+                      <m:t>=2+ ⌈</m:t>
                     </m:r>
                     <m:func>
                       <m:funcPr>
@@ -10909,12 +10896,6 @@
                 </a:r>
                 <a14:m>
                   <m:oMath xmlns:m="http://schemas.openxmlformats.org/officeDocument/2006/math">
-                    <m:r>
-                      <a:rPr lang="en-US" b="0" i="1" smtClean="0">
-                        <a:latin typeface="Cambria Math"/>
-                      </a:rPr>
-                      <m:t>2</m:t>
-                    </m:r>
                     <m:sSub>
                       <m:sSubPr>
                         <m:ctrlPr>
@@ -10924,6 +10905,12 @@
                         </m:ctrlPr>
                       </m:sSubPr>
                       <m:e>
+                        <m:r>
+                          <a:rPr lang="en-US" b="0" i="1" smtClean="0">
+                            <a:latin typeface="Cambria Math"/>
+                          </a:rPr>
+                          <m:t>2</m:t>
+                        </m:r>
                         <m:r>
                           <a:rPr lang="en-US" b="0" i="1" smtClean="0">
                             <a:latin typeface="Cambria Math"/>
@@ -11697,30 +11684,25 @@
                                 </a:rPr>
                                 <m:t>𝑗</m:t>
                               </m:r>
-                              <m:d>
-                                <m:dPr>
-                                  <m:ctrlPr>
-                                    <a:rPr lang="en-US" b="0" i="1" smtClean="0">
-                                      <a:latin typeface="Cambria Math"/>
-                                    </a:rPr>
-                                  </m:ctrlPr>
-                                </m:dPr>
-                                <m:e>
-                                  <m:r>
-                                    <a:rPr lang="en-US" b="0" i="1" smtClean="0">
-                                      <a:latin typeface="Cambria Math"/>
-                                    </a:rPr>
-                                    <m:t>𝑖</m:t>
-                                  </m:r>
-                                </m:e>
-                              </m:d>
                             </m:sub>
                           </m:sSub>
                           <m:r>
                             <a:rPr lang="en-US" b="0" i="1" smtClean="0">
                               <a:latin typeface="Cambria Math"/>
                             </a:rPr>
-                            <m:t>=0]</m:t>
+                            <m:t>(</m:t>
+                          </m:r>
+                          <m:r>
+                            <a:rPr lang="en-US" b="0" i="1" smtClean="0">
+                              <a:latin typeface="Cambria Math"/>
+                            </a:rPr>
+                            <m:t>𝑖</m:t>
+                          </m:r>
+                          <m:r>
+                            <a:rPr lang="en-US" b="0" i="1" smtClean="0">
+                              <a:latin typeface="Cambria Math"/>
+                            </a:rPr>
+                            <m:t>)=0]</m:t>
                           </m:r>
                         </m:e>
                       </m:nary>
@@ -12525,7 +12507,7 @@
             </p:txBody>
           </p:sp>
         </mc:Choice>
-        <mc:Fallback xmlns="">
+        <mc:Fallback>
           <p:sp>
             <p:nvSpPr>
               <p:cNvPr id="3" name="Content Placeholder 2"/>
@@ -14425,8 +14407,8 @@
           </a:p>
         </p:txBody>
       </p:sp>
-      <mc:AlternateContent xmlns:mc="http://schemas.openxmlformats.org/markup-compatibility/2006" xmlns:a14="http://schemas.microsoft.com/office/drawing/2010/main">
-        <mc:Choice Requires="a14">
+      <mc:AlternateContent xmlns:mc="http://schemas.openxmlformats.org/markup-compatibility/2006">
+        <mc:Choice xmlns:a14="http://schemas.microsoft.com/office/drawing/2010/main" Requires="a14">
           <p:sp>
             <p:nvSpPr>
               <p:cNvPr id="3" name="Content Placeholder 2"/>
@@ -14894,10 +14876,13 @@
                 <a14:m>
                   <m:oMath xmlns:m="http://schemas.openxmlformats.org/officeDocument/2006/math">
                     <m:r>
-                      <a:rPr lang="en-US" b="0" i="1" smtClean="0">
+                      <m:rPr>
+                        <m:sty m:val="p"/>
+                      </m:rPr>
+                      <a:rPr lang="en-US" b="0" i="0" smtClean="0">
                         <a:latin typeface="Cambria Math"/>
                       </a:rPr>
-                      <m:t>𝑘</m:t>
+                      <m:t>t</m:t>
                     </m:r>
                     <m:r>
                       <a:rPr lang="en-US" b="0" i="1" smtClean="0">
@@ -14915,7 +14900,7 @@
                       <a:rPr lang="en-US" b="0" i="1" smtClean="0">
                         <a:latin typeface="Cambria Math"/>
                       </a:rPr>
-                      <m:t>/</m:t>
+                      <m:t>∖</m:t>
                     </m:r>
                     <m:r>
                       <a:rPr lang="en-US" b="0" i="1" smtClean="0">
@@ -15014,7 +14999,7 @@
                       <a:rPr lang="en-US" b="0" i="1" smtClean="0">
                         <a:latin typeface="Cambria Math"/>
                       </a:rPr>
-                      <m:t>𝑘</m:t>
+                      <m:t>𝑡</m:t>
                     </m:r>
                     <m:r>
                       <a:rPr lang="en-US" b="0" i="1" smtClean="0">
@@ -16559,7 +16544,7 @@
             </p:txBody>
           </p:sp>
         </mc:Choice>
-        <mc:Fallback xmlns="">
+        <mc:Fallback>
           <p:sp>
             <p:nvSpPr>
               <p:cNvPr id="3" name="Content Placeholder 2"/>

--- a/b609/lec11.pptx
+++ b/b609/lec11.pptx
@@ -298,7 +298,7 @@
           <a:p>
             <a:fld id="{E0596030-EBE1-4BF2-835F-D6EF128B4E6D}" type="datetimeFigureOut">
               <a:rPr lang="en-US" smtClean="0"/>
-              <a:t>11/14/2016</a:t>
+              <a:t>11/21/2016</a:t>
             </a:fld>
             <a:endParaRPr lang="en-US"/>
           </a:p>
@@ -468,7 +468,7 @@
           <a:p>
             <a:fld id="{E0596030-EBE1-4BF2-835F-D6EF128B4E6D}" type="datetimeFigureOut">
               <a:rPr lang="en-US" smtClean="0"/>
-              <a:t>11/14/2016</a:t>
+              <a:t>11/21/2016</a:t>
             </a:fld>
             <a:endParaRPr lang="en-US"/>
           </a:p>
@@ -648,7 +648,7 @@
           <a:p>
             <a:fld id="{E0596030-EBE1-4BF2-835F-D6EF128B4E6D}" type="datetimeFigureOut">
               <a:rPr lang="en-US" smtClean="0"/>
-              <a:t>11/14/2016</a:t>
+              <a:t>11/21/2016</a:t>
             </a:fld>
             <a:endParaRPr lang="en-US"/>
           </a:p>
@@ -818,7 +818,7 @@
           <a:p>
             <a:fld id="{E0596030-EBE1-4BF2-835F-D6EF128B4E6D}" type="datetimeFigureOut">
               <a:rPr lang="en-US" smtClean="0"/>
-              <a:t>11/14/2016</a:t>
+              <a:t>11/21/2016</a:t>
             </a:fld>
             <a:endParaRPr lang="en-US"/>
           </a:p>
@@ -1064,7 +1064,7 @@
           <a:p>
             <a:fld id="{E0596030-EBE1-4BF2-835F-D6EF128B4E6D}" type="datetimeFigureOut">
               <a:rPr lang="en-US" smtClean="0"/>
-              <a:t>11/14/2016</a:t>
+              <a:t>11/21/2016</a:t>
             </a:fld>
             <a:endParaRPr lang="en-US"/>
           </a:p>
@@ -1352,7 +1352,7 @@
           <a:p>
             <a:fld id="{E0596030-EBE1-4BF2-835F-D6EF128B4E6D}" type="datetimeFigureOut">
               <a:rPr lang="en-US" smtClean="0"/>
-              <a:t>11/14/2016</a:t>
+              <a:t>11/21/2016</a:t>
             </a:fld>
             <a:endParaRPr lang="en-US"/>
           </a:p>
@@ -1774,7 +1774,7 @@
           <a:p>
             <a:fld id="{E0596030-EBE1-4BF2-835F-D6EF128B4E6D}" type="datetimeFigureOut">
               <a:rPr lang="en-US" smtClean="0"/>
-              <a:t>11/14/2016</a:t>
+              <a:t>11/21/2016</a:t>
             </a:fld>
             <a:endParaRPr lang="en-US"/>
           </a:p>
@@ -1892,7 +1892,7 @@
           <a:p>
             <a:fld id="{E0596030-EBE1-4BF2-835F-D6EF128B4E6D}" type="datetimeFigureOut">
               <a:rPr lang="en-US" smtClean="0"/>
-              <a:t>11/14/2016</a:t>
+              <a:t>11/21/2016</a:t>
             </a:fld>
             <a:endParaRPr lang="en-US"/>
           </a:p>
@@ -1987,7 +1987,7 @@
           <a:p>
             <a:fld id="{E0596030-EBE1-4BF2-835F-D6EF128B4E6D}" type="datetimeFigureOut">
               <a:rPr lang="en-US" smtClean="0"/>
-              <a:t>11/14/2016</a:t>
+              <a:t>11/21/2016</a:t>
             </a:fld>
             <a:endParaRPr lang="en-US"/>
           </a:p>
@@ -2264,7 +2264,7 @@
           <a:p>
             <a:fld id="{E0596030-EBE1-4BF2-835F-D6EF128B4E6D}" type="datetimeFigureOut">
               <a:rPr lang="en-US" smtClean="0"/>
-              <a:t>11/14/2016</a:t>
+              <a:t>11/21/2016</a:t>
             </a:fld>
             <a:endParaRPr lang="en-US"/>
           </a:p>
@@ -2517,7 +2517,7 @@
           <a:p>
             <a:fld id="{E0596030-EBE1-4BF2-835F-D6EF128B4E6D}" type="datetimeFigureOut">
               <a:rPr lang="en-US" smtClean="0"/>
-              <a:t>11/14/2016</a:t>
+              <a:t>11/21/2016</a:t>
             </a:fld>
             <a:endParaRPr lang="en-US"/>
           </a:p>
@@ -2730,7 +2730,7 @@
           <a:p>
             <a:fld id="{E0596030-EBE1-4BF2-835F-D6EF128B4E6D}" type="datetimeFigureOut">
               <a:rPr lang="en-US" smtClean="0"/>
-              <a:t>11/14/2016</a:t>
+              <a:t>11/21/2016</a:t>
             </a:fld>
             <a:endParaRPr lang="en-US"/>
           </a:p>
@@ -3253,7 +3253,11 @@
                 <a:pPr algn="ctr"/>
                 <a:r>
                   <a:rPr lang="en-US" sz="4400" b="1" dirty="0" smtClean="0"/>
-                  <a:t>Lecture 19: </a:t>
+                  <a:t>Lecture </a:t>
+                </a:r>
+                <a:r>
+                  <a:rPr lang="en-US" sz="4400" b="1" dirty="0" smtClean="0"/>
+                  <a:t>19/20: </a:t>
                 </a:r>
                 <a14:m>
                   <m:oMath xmlns:m="http://schemas.openxmlformats.org/officeDocument/2006/math">
@@ -3319,11 +3323,7 @@
                 </a14:m>
                 <a:r>
                   <a:rPr lang="en-US" sz="4400" b="1" dirty="0" smtClean="0"/>
-                  <a:t>-sparse recovery, Cou</a:t>
-                </a:r>
-                <a:r>
-                  <a:rPr lang="en-US" sz="4400" b="1" dirty="0" smtClean="0"/>
-                  <a:t>nt Sketch</a:t>
+                  <a:t>-sparse recovery, Count Sketch</a:t>
                 </a:r>
                 <a:endParaRPr lang="en-US" sz="4400" b="1" dirty="0"/>
               </a:p>
@@ -3350,7 +3350,7 @@
               <a:blipFill rotWithShape="1">
                 <a:blip r:embed="rId3"/>
                 <a:stretch>
-                  <a:fillRect t="-8439" b="-19409"/>
+                  <a:fillRect l="-2200" t="-8439" r="-3600" b="-19409"/>
                 </a:stretch>
               </a:blipFill>
             </p:spPr>
@@ -9222,8 +9222,8 @@
           </p:sp>
         </mc:Fallback>
       </mc:AlternateContent>
-      <mc:AlternateContent xmlns:mc="http://schemas.openxmlformats.org/markup-compatibility/2006">
-        <mc:Choice xmlns:a14="http://schemas.microsoft.com/office/drawing/2010/main" Requires="a14">
+      <mc:AlternateContent xmlns:mc="http://schemas.openxmlformats.org/markup-compatibility/2006" xmlns:a14="http://schemas.microsoft.com/office/drawing/2010/main">
+        <mc:Choice Requires="a14">
           <p:sp>
             <p:nvSpPr>
               <p:cNvPr id="3" name="Content Placeholder 2"/>
@@ -10257,7 +10257,7 @@
             </p:txBody>
           </p:sp>
         </mc:Choice>
-        <mc:Fallback>
+        <mc:Fallback xmlns="">
           <p:sp>
             <p:nvSpPr>
               <p:cNvPr id="3" name="Content Placeholder 2"/>
@@ -10781,8 +10781,8 @@
           </a:p>
         </p:txBody>
       </p:sp>
-      <mc:AlternateContent xmlns:mc="http://schemas.openxmlformats.org/markup-compatibility/2006">
-        <mc:Choice xmlns:a14="http://schemas.microsoft.com/office/drawing/2010/main" Requires="a14">
+      <mc:AlternateContent xmlns:mc="http://schemas.openxmlformats.org/markup-compatibility/2006" xmlns:a14="http://schemas.microsoft.com/office/drawing/2010/main">
+        <mc:Choice Requires="a14">
           <p:sp>
             <p:nvSpPr>
               <p:cNvPr id="3" name="Content Placeholder 2"/>
@@ -12507,7 +12507,7 @@
             </p:txBody>
           </p:sp>
         </mc:Choice>
-        <mc:Fallback>
+        <mc:Fallback xmlns="">
           <p:sp>
             <p:nvSpPr>
               <p:cNvPr id="3" name="Content Placeholder 2"/>
@@ -14407,8 +14407,8 @@
           </a:p>
         </p:txBody>
       </p:sp>
-      <mc:AlternateContent xmlns:mc="http://schemas.openxmlformats.org/markup-compatibility/2006">
-        <mc:Choice xmlns:a14="http://schemas.microsoft.com/office/drawing/2010/main" Requires="a14">
+      <mc:AlternateContent xmlns:mc="http://schemas.openxmlformats.org/markup-compatibility/2006" xmlns:a14="http://schemas.microsoft.com/office/drawing/2010/main">
+        <mc:Choice Requires="a14">
           <p:sp>
             <p:nvSpPr>
               <p:cNvPr id="3" name="Content Placeholder 2"/>
@@ -16544,7 +16544,7 @@
             </p:txBody>
           </p:sp>
         </mc:Choice>
-        <mc:Fallback>
+        <mc:Fallback xmlns="">
           <p:sp>
             <p:nvSpPr>
               <p:cNvPr id="3" name="Content Placeholder 2"/>
